--- a/5.Test Cases/Artifacts of testing.pptx
+++ b/5.Test Cases/Artifacts of testing.pptx
@@ -18,8 +18,8 @@
     <p:sldId id="270" r:id="rId9"/>
     <p:sldId id="292" r:id="rId10"/>
     <p:sldId id="293" r:id="rId11"/>
-    <p:sldId id="296" r:id="rId12"/>
-    <p:sldId id="329" r:id="rId13"/>
+    <p:sldId id="329" r:id="rId12"/>
+    <p:sldId id="296" r:id="rId13"/>
     <p:sldId id="279" r:id="rId14"/>
     <p:sldId id="297" r:id="rId15"/>
     <p:sldId id="278" r:id="rId16"/>
@@ -134,7 +134,7 @@
   </p:defaultTextStyle>
   <p:extLst>
     <p:ext uri="{EFAFB233-063F-42B5-8137-9DF3F51BA10A}">
-      <p15:sldGuideLst xmlns:p15="http://schemas.microsoft.com/office/powerpoint/2012/main">
+      <p15:sldGuideLst xmlns:p15="http://schemas.microsoft.com/office/powerpoint/2012/main" xmlns="">
         <p15:guide id="1" orient="horz" pos="2160">
           <p15:clr>
             <a:srgbClr val="A4A3A4"/>
@@ -4248,6 +4248,639 @@
         <p:spPr>
           <a:xfrm>
             <a:off x="672484" y="457200"/>
+            <a:ext cx="7957307" cy="630942"/>
+          </a:xfrm>
+          <a:prstGeom prst="rect">
+            <a:avLst/>
+          </a:prstGeom>
+        </p:spPr>
+        <p:txBody>
+          <a:bodyPr wrap="none">
+            <a:spAutoFit/>
+          </a:bodyPr>
+          <a:lstStyle/>
+          <a:p>
+            <a:r>
+              <a:rPr lang="ru-RU" sz="3500" dirty="0" smtClean="0">
+                <a:solidFill>
+                  <a:schemeClr val="tx1">
+                    <a:lumMod val="65000"/>
+                    <a:lumOff val="35000"/>
+                  </a:schemeClr>
+                </a:solidFill>
+                <a:effectLst>
+                  <a:outerShdw blurRad="38100" dist="38100" dir="2700000" algn="tl">
+                    <a:srgbClr val="000000">
+                      <a:alpha val="43137"/>
+                    </a:srgbClr>
+                  </a:outerShdw>
+                </a:effectLst>
+              </a:rPr>
+              <a:t>Прохождение / выполнение </a:t>
+            </a:r>
+            <a:r>
+              <a:rPr lang="en-US" sz="3500" dirty="0" smtClean="0">
+                <a:solidFill>
+                  <a:schemeClr val="tx1">
+                    <a:lumMod val="65000"/>
+                    <a:lumOff val="35000"/>
+                  </a:schemeClr>
+                </a:solidFill>
+                <a:effectLst>
+                  <a:outerShdw blurRad="38100" dist="38100" dir="2700000" algn="tl">
+                    <a:srgbClr val="000000">
+                      <a:alpha val="43137"/>
+                    </a:srgbClr>
+                  </a:outerShdw>
+                </a:effectLst>
+              </a:rPr>
+              <a:t>Test Case</a:t>
+            </a:r>
+            <a:r>
+              <a:rPr lang="ru-RU" sz="3500" dirty="0" smtClean="0">
+                <a:solidFill>
+                  <a:schemeClr val="tx1">
+                    <a:lumMod val="65000"/>
+                    <a:lumOff val="35000"/>
+                  </a:schemeClr>
+                </a:solidFill>
+                <a:effectLst>
+                  <a:outerShdw blurRad="38100" dist="38100" dir="2700000" algn="tl">
+                    <a:srgbClr val="000000">
+                      <a:alpha val="43137"/>
+                    </a:srgbClr>
+                  </a:outerShdw>
+                </a:effectLst>
+              </a:rPr>
+              <a:t>-а</a:t>
+            </a:r>
+            <a:endParaRPr lang="en-US" sz="3500" dirty="0">
+              <a:solidFill>
+                <a:schemeClr val="tx1">
+                  <a:lumMod val="65000"/>
+                  <a:lumOff val="35000"/>
+                </a:schemeClr>
+              </a:solidFill>
+              <a:effectLst>
+                <a:outerShdw blurRad="38100" dist="38100" dir="2700000" algn="tl">
+                  <a:srgbClr val="000000">
+                    <a:alpha val="43137"/>
+                  </a:srgbClr>
+                </a:outerShdw>
+              </a:effectLst>
+            </a:endParaRPr>
+          </a:p>
+        </p:txBody>
+      </p:sp>
+      <p:sp>
+        <p:nvSpPr>
+          <p:cNvPr id="15" name="Content Placeholder 2"/>
+          <p:cNvSpPr txBox="1">
+            <a:spLocks/>
+          </p:cNvSpPr>
+          <p:nvPr/>
+        </p:nvSpPr>
+        <p:spPr>
+          <a:xfrm>
+            <a:off x="762000" y="1752600"/>
+            <a:ext cx="7848600" cy="2590800"/>
+          </a:xfrm>
+          <a:prstGeom prst="rect">
+            <a:avLst/>
+          </a:prstGeom>
+        </p:spPr>
+        <p:txBody>
+          <a:bodyPr vert="horz" lIns="91440" tIns="45720" rIns="91440" bIns="45720" rtlCol="0">
+            <a:normAutofit lnSpcReduction="10000"/>
+          </a:bodyPr>
+          <a:lstStyle>
+            <a:lvl1pPr marL="0" indent="0" algn="ctr" defTabSz="914400" rtl="0" eaLnBrk="1" latinLnBrk="0" hangingPunct="1">
+              <a:spcBef>
+                <a:spcPct val="20000"/>
+              </a:spcBef>
+              <a:buFont typeface="Arial" pitchFamily="34" charset="0"/>
+              <a:buNone/>
+              <a:defRPr sz="3200" kern="1200">
+                <a:solidFill>
+                  <a:schemeClr val="tx1">
+                    <a:tint val="75000"/>
+                  </a:schemeClr>
+                </a:solidFill>
+                <a:latin typeface="+mn-lt"/>
+                <a:ea typeface="+mn-ea"/>
+                <a:cs typeface="+mn-cs"/>
+              </a:defRPr>
+            </a:lvl1pPr>
+            <a:lvl2pPr marL="457200" indent="0" algn="ctr" defTabSz="914400" rtl="0" eaLnBrk="1" latinLnBrk="0" hangingPunct="1">
+              <a:spcBef>
+                <a:spcPct val="20000"/>
+              </a:spcBef>
+              <a:buFont typeface="Arial" pitchFamily="34" charset="0"/>
+              <a:buNone/>
+              <a:defRPr sz="2800" kern="1200">
+                <a:solidFill>
+                  <a:schemeClr val="tx1">
+                    <a:tint val="75000"/>
+                  </a:schemeClr>
+                </a:solidFill>
+                <a:latin typeface="+mn-lt"/>
+                <a:ea typeface="+mn-ea"/>
+                <a:cs typeface="+mn-cs"/>
+              </a:defRPr>
+            </a:lvl2pPr>
+            <a:lvl3pPr marL="914400" indent="0" algn="ctr" defTabSz="914400" rtl="0" eaLnBrk="1" latinLnBrk="0" hangingPunct="1">
+              <a:spcBef>
+                <a:spcPct val="20000"/>
+              </a:spcBef>
+              <a:buFont typeface="Arial" pitchFamily="34" charset="0"/>
+              <a:buNone/>
+              <a:defRPr sz="2400" kern="1200">
+                <a:solidFill>
+                  <a:schemeClr val="tx1">
+                    <a:tint val="75000"/>
+                  </a:schemeClr>
+                </a:solidFill>
+                <a:latin typeface="+mn-lt"/>
+                <a:ea typeface="+mn-ea"/>
+                <a:cs typeface="+mn-cs"/>
+              </a:defRPr>
+            </a:lvl3pPr>
+            <a:lvl4pPr marL="1371600" indent="0" algn="ctr" defTabSz="914400" rtl="0" eaLnBrk="1" latinLnBrk="0" hangingPunct="1">
+              <a:spcBef>
+                <a:spcPct val="20000"/>
+              </a:spcBef>
+              <a:buFont typeface="Arial" pitchFamily="34" charset="0"/>
+              <a:buNone/>
+              <a:defRPr sz="2000" kern="1200">
+                <a:solidFill>
+                  <a:schemeClr val="tx1">
+                    <a:tint val="75000"/>
+                  </a:schemeClr>
+                </a:solidFill>
+                <a:latin typeface="+mn-lt"/>
+                <a:ea typeface="+mn-ea"/>
+                <a:cs typeface="+mn-cs"/>
+              </a:defRPr>
+            </a:lvl4pPr>
+            <a:lvl5pPr marL="1828800" indent="0" algn="ctr" defTabSz="914400" rtl="0" eaLnBrk="1" latinLnBrk="0" hangingPunct="1">
+              <a:spcBef>
+                <a:spcPct val="20000"/>
+              </a:spcBef>
+              <a:buFont typeface="Arial" pitchFamily="34" charset="0"/>
+              <a:buNone/>
+              <a:defRPr sz="2000" kern="1200">
+                <a:solidFill>
+                  <a:schemeClr val="tx1">
+                    <a:tint val="75000"/>
+                  </a:schemeClr>
+                </a:solidFill>
+                <a:latin typeface="+mn-lt"/>
+                <a:ea typeface="+mn-ea"/>
+                <a:cs typeface="+mn-cs"/>
+              </a:defRPr>
+            </a:lvl5pPr>
+            <a:lvl6pPr marL="2286000" indent="0" algn="ctr" defTabSz="914400" rtl="0" eaLnBrk="1" latinLnBrk="0" hangingPunct="1">
+              <a:spcBef>
+                <a:spcPct val="20000"/>
+              </a:spcBef>
+              <a:buFont typeface="Arial" pitchFamily="34" charset="0"/>
+              <a:buNone/>
+              <a:defRPr sz="2000" kern="1200">
+                <a:solidFill>
+                  <a:schemeClr val="tx1">
+                    <a:tint val="75000"/>
+                  </a:schemeClr>
+                </a:solidFill>
+                <a:latin typeface="+mn-lt"/>
+                <a:ea typeface="+mn-ea"/>
+                <a:cs typeface="+mn-cs"/>
+              </a:defRPr>
+            </a:lvl6pPr>
+            <a:lvl7pPr marL="2743200" indent="0" algn="ctr" defTabSz="914400" rtl="0" eaLnBrk="1" latinLnBrk="0" hangingPunct="1">
+              <a:spcBef>
+                <a:spcPct val="20000"/>
+              </a:spcBef>
+              <a:buFont typeface="Arial" pitchFamily="34" charset="0"/>
+              <a:buNone/>
+              <a:defRPr sz="2000" kern="1200">
+                <a:solidFill>
+                  <a:schemeClr val="tx1">
+                    <a:tint val="75000"/>
+                  </a:schemeClr>
+                </a:solidFill>
+                <a:latin typeface="+mn-lt"/>
+                <a:ea typeface="+mn-ea"/>
+                <a:cs typeface="+mn-cs"/>
+              </a:defRPr>
+            </a:lvl7pPr>
+            <a:lvl8pPr marL="3200400" indent="0" algn="ctr" defTabSz="914400" rtl="0" eaLnBrk="1" latinLnBrk="0" hangingPunct="1">
+              <a:spcBef>
+                <a:spcPct val="20000"/>
+              </a:spcBef>
+              <a:buFont typeface="Arial" pitchFamily="34" charset="0"/>
+              <a:buNone/>
+              <a:defRPr sz="2000" kern="1200">
+                <a:solidFill>
+                  <a:schemeClr val="tx1">
+                    <a:tint val="75000"/>
+                  </a:schemeClr>
+                </a:solidFill>
+                <a:latin typeface="+mn-lt"/>
+                <a:ea typeface="+mn-ea"/>
+                <a:cs typeface="+mn-cs"/>
+              </a:defRPr>
+            </a:lvl8pPr>
+            <a:lvl9pPr marL="3657600" indent="0" algn="ctr" defTabSz="914400" rtl="0" eaLnBrk="1" latinLnBrk="0" hangingPunct="1">
+              <a:spcBef>
+                <a:spcPct val="20000"/>
+              </a:spcBef>
+              <a:buFont typeface="Arial" pitchFamily="34" charset="0"/>
+              <a:buNone/>
+              <a:defRPr sz="2000" kern="1200">
+                <a:solidFill>
+                  <a:schemeClr val="tx1">
+                    <a:tint val="75000"/>
+                  </a:schemeClr>
+                </a:solidFill>
+                <a:latin typeface="+mn-lt"/>
+                <a:ea typeface="+mn-ea"/>
+                <a:cs typeface="+mn-cs"/>
+              </a:defRPr>
+            </a:lvl9pPr>
+          </a:lstStyle>
+          <a:p>
+            <a:pPr marL="342900" indent="-342900" algn="l">
+              <a:lnSpc>
+                <a:spcPct val="120000"/>
+              </a:lnSpc>
+              <a:buClr>
+                <a:schemeClr val="accent4">
+                  <a:lumMod val="75000"/>
+                </a:schemeClr>
+              </a:buClr>
+              <a:buSzPct val="200000"/>
+              <a:buFont typeface="Arial" pitchFamily="34" charset="0"/>
+              <a:buChar char="•"/>
+            </a:pPr>
+            <a:r>
+              <a:rPr lang="ru-RU" sz="2000" dirty="0" smtClean="0">
+                <a:solidFill>
+                  <a:schemeClr val="tx1"/>
+                </a:solidFill>
+              </a:rPr>
+              <a:t>Выполнение Тестового Сценария называется </a:t>
+            </a:r>
+            <a:r>
+              <a:rPr lang="en-US" sz="2000" dirty="0" smtClean="0">
+                <a:solidFill>
+                  <a:schemeClr val="tx1"/>
+                </a:solidFill>
+              </a:rPr>
+              <a:t>Test Run</a:t>
+            </a:r>
+            <a:r>
+              <a:rPr lang="ru-RU" sz="2000" dirty="0" smtClean="0">
+                <a:solidFill>
+                  <a:schemeClr val="tx1"/>
+                </a:solidFill>
+              </a:rPr>
+              <a:t>, </a:t>
+            </a:r>
+            <a:r>
+              <a:rPr lang="en-US" sz="2000" dirty="0" smtClean="0">
+                <a:solidFill>
+                  <a:schemeClr val="tx1"/>
+                </a:solidFill>
+              </a:rPr>
+              <a:t>Test Case Run</a:t>
+            </a:r>
+          </a:p>
+          <a:p>
+            <a:pPr algn="l">
+              <a:lnSpc>
+                <a:spcPct val="120000"/>
+              </a:lnSpc>
+              <a:buClr>
+                <a:schemeClr val="accent4">
+                  <a:lumMod val="75000"/>
+                </a:schemeClr>
+              </a:buClr>
+              <a:buSzPct val="200000"/>
+            </a:pPr>
+            <a:r>
+              <a:rPr lang="en-US" sz="2000" dirty="0" smtClean="0">
+                <a:solidFill>
+                  <a:schemeClr val="tx1"/>
+                </a:solidFill>
+              </a:rPr>
+              <a:t> </a:t>
+            </a:r>
+            <a:r>
+              <a:rPr lang="ru-RU" sz="2000" dirty="0" smtClean="0">
+                <a:solidFill>
+                  <a:schemeClr val="tx1"/>
+                </a:solidFill>
+              </a:rPr>
+              <a:t>или просто </a:t>
+            </a:r>
+            <a:r>
+              <a:rPr lang="en-US" sz="2000" dirty="0" smtClean="0">
+                <a:solidFill>
+                  <a:schemeClr val="tx1"/>
+                </a:solidFill>
+              </a:rPr>
+              <a:t>Run</a:t>
+            </a:r>
+            <a:endParaRPr lang="ru-RU" sz="2000" dirty="0" smtClean="0">
+              <a:solidFill>
+                <a:schemeClr val="tx1"/>
+              </a:solidFill>
+            </a:endParaRPr>
+          </a:p>
+          <a:p>
+            <a:pPr marL="342900" indent="-342900" algn="l">
+              <a:lnSpc>
+                <a:spcPct val="300000"/>
+              </a:lnSpc>
+              <a:buClr>
+                <a:schemeClr val="accent4">
+                  <a:lumMod val="75000"/>
+                </a:schemeClr>
+              </a:buClr>
+              <a:buSzPct val="200000"/>
+              <a:buFont typeface="Arial" pitchFamily="34" charset="0"/>
+              <a:buChar char="•"/>
+            </a:pPr>
+            <a:endParaRPr lang="en-US" sz="2000" dirty="0">
+              <a:solidFill>
+                <a:schemeClr val="tx1"/>
+              </a:solidFill>
+            </a:endParaRPr>
+          </a:p>
+          <a:p>
+            <a:pPr marL="342900" indent="-342900" algn="l">
+              <a:lnSpc>
+                <a:spcPct val="120000"/>
+              </a:lnSpc>
+              <a:buClr>
+                <a:schemeClr val="accent4">
+                  <a:lumMod val="75000"/>
+                </a:schemeClr>
+              </a:buClr>
+              <a:buSzPct val="200000"/>
+              <a:buFont typeface="Arial" pitchFamily="34" charset="0"/>
+              <a:buChar char="•"/>
+            </a:pPr>
+            <a:r>
+              <a:rPr lang="ru-RU" sz="2000" dirty="0" smtClean="0">
+                <a:solidFill>
+                  <a:schemeClr val="tx1"/>
+                </a:solidFill>
+              </a:rPr>
+              <a:t>Несёт в себе информацию о результатах тестирования конкретного приложения (версия, конфигурация) по конкретному сценарию</a:t>
+            </a:r>
+            <a:endParaRPr lang="en-US" sz="2000" dirty="0">
+              <a:solidFill>
+                <a:schemeClr val="tx1"/>
+              </a:solidFill>
+            </a:endParaRPr>
+          </a:p>
+        </p:txBody>
+      </p:sp>
+    </p:spTree>
+    <p:extLst>
+      <p:ext uri="{BB962C8B-B14F-4D97-AF65-F5344CB8AC3E}">
+        <p14:creationId xmlns:p14="http://schemas.microsoft.com/office/powerpoint/2010/main" val="1622258818"/>
+      </p:ext>
+    </p:extLst>
+  </p:cSld>
+  <p:clrMapOvr>
+    <a:masterClrMapping/>
+  </p:clrMapOvr>
+  <p:timing>
+    <p:tnLst>
+      <p:par>
+        <p:cTn id="1" dur="indefinite" restart="never" nodeType="tmRoot">
+          <p:childTnLst>
+            <p:seq concurrent="1" nextAc="seek">
+              <p:cTn id="2" dur="indefinite" nodeType="mainSeq">
+                <p:childTnLst>
+                  <p:par>
+                    <p:cTn id="3" fill="hold">
+                      <p:stCondLst>
+                        <p:cond delay="indefinite"/>
+                      </p:stCondLst>
+                      <p:childTnLst>
+                        <p:par>
+                          <p:cTn id="4" fill="hold">
+                            <p:stCondLst>
+                              <p:cond delay="0"/>
+                            </p:stCondLst>
+                            <p:childTnLst>
+                              <p:par>
+                                <p:cTn id="5" presetID="10" presetClass="entr" presetSubtype="0" fill="hold" nodeType="clickEffect">
+                                  <p:stCondLst>
+                                    <p:cond delay="0"/>
+                                  </p:stCondLst>
+                                  <p:childTnLst>
+                                    <p:set>
+                                      <p:cBhvr>
+                                        <p:cTn id="6" dur="1" fill="hold">
+                                          <p:stCondLst>
+                                            <p:cond delay="0"/>
+                                          </p:stCondLst>
+                                        </p:cTn>
+                                        <p:tgtEl>
+                                          <p:spTgt spid="15">
+                                            <p:txEl>
+                                              <p:pRg st="0" end="0"/>
+                                            </p:txEl>
+                                          </p:spTgt>
+                                        </p:tgtEl>
+                                        <p:attrNameLst>
+                                          <p:attrName>style.visibility</p:attrName>
+                                        </p:attrNameLst>
+                                      </p:cBhvr>
+                                      <p:to>
+                                        <p:strVal val="visible"/>
+                                      </p:to>
+                                    </p:set>
+                                    <p:animEffect transition="in" filter="fade">
+                                      <p:cBhvr>
+                                        <p:cTn id="7" dur="500"/>
+                                        <p:tgtEl>
+                                          <p:spTgt spid="15">
+                                            <p:txEl>
+                                              <p:pRg st="0" end="0"/>
+                                            </p:txEl>
+                                          </p:spTgt>
+                                        </p:tgtEl>
+                                      </p:cBhvr>
+                                    </p:animEffect>
+                                  </p:childTnLst>
+                                </p:cTn>
+                              </p:par>
+                              <p:par>
+                                <p:cTn id="8" presetID="10" presetClass="entr" presetSubtype="0" fill="hold" nodeType="withEffect">
+                                  <p:stCondLst>
+                                    <p:cond delay="0"/>
+                                  </p:stCondLst>
+                                  <p:childTnLst>
+                                    <p:set>
+                                      <p:cBhvr>
+                                        <p:cTn id="9" dur="1" fill="hold">
+                                          <p:stCondLst>
+                                            <p:cond delay="0"/>
+                                          </p:stCondLst>
+                                        </p:cTn>
+                                        <p:tgtEl>
+                                          <p:spTgt spid="15">
+                                            <p:txEl>
+                                              <p:pRg st="1" end="1"/>
+                                            </p:txEl>
+                                          </p:spTgt>
+                                        </p:tgtEl>
+                                        <p:attrNameLst>
+                                          <p:attrName>style.visibility</p:attrName>
+                                        </p:attrNameLst>
+                                      </p:cBhvr>
+                                      <p:to>
+                                        <p:strVal val="visible"/>
+                                      </p:to>
+                                    </p:set>
+                                    <p:animEffect transition="in" filter="fade">
+                                      <p:cBhvr>
+                                        <p:cTn id="10" dur="500"/>
+                                        <p:tgtEl>
+                                          <p:spTgt spid="15">
+                                            <p:txEl>
+                                              <p:pRg st="1" end="1"/>
+                                            </p:txEl>
+                                          </p:spTgt>
+                                        </p:tgtEl>
+                                      </p:cBhvr>
+                                    </p:animEffect>
+                                  </p:childTnLst>
+                                </p:cTn>
+                              </p:par>
+                            </p:childTnLst>
+                          </p:cTn>
+                        </p:par>
+                      </p:childTnLst>
+                    </p:cTn>
+                  </p:par>
+                  <p:par>
+                    <p:cTn id="11" fill="hold">
+                      <p:stCondLst>
+                        <p:cond delay="indefinite"/>
+                      </p:stCondLst>
+                      <p:childTnLst>
+                        <p:par>
+                          <p:cTn id="12" fill="hold">
+                            <p:stCondLst>
+                              <p:cond delay="0"/>
+                            </p:stCondLst>
+                            <p:childTnLst>
+                              <p:par>
+                                <p:cTn id="13" presetID="10" presetClass="entr" presetSubtype="0" fill="hold" nodeType="clickEffect">
+                                  <p:stCondLst>
+                                    <p:cond delay="0"/>
+                                  </p:stCondLst>
+                                  <p:childTnLst>
+                                    <p:set>
+                                      <p:cBhvr>
+                                        <p:cTn id="14" dur="1" fill="hold">
+                                          <p:stCondLst>
+                                            <p:cond delay="0"/>
+                                          </p:stCondLst>
+                                        </p:cTn>
+                                        <p:tgtEl>
+                                          <p:spTgt spid="15">
+                                            <p:txEl>
+                                              <p:pRg st="3" end="3"/>
+                                            </p:txEl>
+                                          </p:spTgt>
+                                        </p:tgtEl>
+                                        <p:attrNameLst>
+                                          <p:attrName>style.visibility</p:attrName>
+                                        </p:attrNameLst>
+                                      </p:cBhvr>
+                                      <p:to>
+                                        <p:strVal val="visible"/>
+                                      </p:to>
+                                    </p:set>
+                                    <p:animEffect transition="in" filter="fade">
+                                      <p:cBhvr>
+                                        <p:cTn id="15" dur="500"/>
+                                        <p:tgtEl>
+                                          <p:spTgt spid="15">
+                                            <p:txEl>
+                                              <p:pRg st="3" end="3"/>
+                                            </p:txEl>
+                                          </p:spTgt>
+                                        </p:tgtEl>
+                                      </p:cBhvr>
+                                    </p:animEffect>
+                                  </p:childTnLst>
+                                </p:cTn>
+                              </p:par>
+                            </p:childTnLst>
+                          </p:cTn>
+                        </p:par>
+                      </p:childTnLst>
+                    </p:cTn>
+                  </p:par>
+                </p:childTnLst>
+              </p:cTn>
+              <p:prevCondLst>
+                <p:cond evt="onPrev" delay="0">
+                  <p:tgtEl>
+                    <p:sldTgt/>
+                  </p:tgtEl>
+                </p:cond>
+              </p:prevCondLst>
+              <p:nextCondLst>
+                <p:cond evt="onNext" delay="0">
+                  <p:tgtEl>
+                    <p:sldTgt/>
+                  </p:tgtEl>
+                </p:cond>
+              </p:nextCondLst>
+            </p:seq>
+          </p:childTnLst>
+        </p:cTn>
+      </p:par>
+    </p:tnLst>
+  </p:timing>
+</p:sld>
+</file>
+
+<file path=ppt/slides/slide12.xml><?xml version="1.0" encoding="utf-8"?>
+<p:sld xmlns:a="http://schemas.openxmlformats.org/drawingml/2006/main" xmlns:r="http://schemas.openxmlformats.org/officeDocument/2006/relationships" xmlns:p="http://schemas.openxmlformats.org/presentationml/2006/main">
+  <p:cSld>
+    <p:spTree>
+      <p:nvGrpSpPr>
+        <p:cNvPr id="1" name=""/>
+        <p:cNvGrpSpPr/>
+        <p:nvPr/>
+      </p:nvGrpSpPr>
+      <p:grpSpPr>
+        <a:xfrm>
+          <a:off x="0" y="0"/>
+          <a:ext cx="0" cy="0"/>
+          <a:chOff x="0" y="0"/>
+          <a:chExt cx="0" cy="0"/>
+        </a:xfrm>
+      </p:grpSpPr>
+      <p:sp>
+        <p:nvSpPr>
+          <p:cNvPr id="5" name="Rectangle 4"/>
+          <p:cNvSpPr/>
+          <p:nvPr/>
+        </p:nvSpPr>
+        <p:spPr>
+          <a:xfrm>
+            <a:off x="672484" y="457200"/>
             <a:ext cx="8125558" cy="630942"/>
           </a:xfrm>
           <a:prstGeom prst="rect">
@@ -4582,15 +5215,7 @@
                   <a:schemeClr val="tx1"/>
                 </a:solidFill>
               </a:rPr>
-              <a:t>Фактический Результат </a:t>
-            </a:r>
-            <a:r>
-              <a:rPr lang="ru-RU" sz="2000" dirty="0" smtClean="0">
-                <a:solidFill>
-                  <a:schemeClr val="tx1"/>
-                </a:solidFill>
-              </a:rPr>
-              <a:t>для каждого шага</a:t>
+              <a:t>Фактический Результат для каждого шага</a:t>
             </a:r>
             <a:endParaRPr lang="en-US" sz="2000" dirty="0">
               <a:solidFill>
@@ -5495,665 +6120,6 @@
 </p:sld>
 </file>
 
-<file path=ppt/slides/slide12.xml><?xml version="1.0" encoding="utf-8"?>
-<p:sld xmlns:a="http://schemas.openxmlformats.org/drawingml/2006/main" xmlns:r="http://schemas.openxmlformats.org/officeDocument/2006/relationships" xmlns:p="http://schemas.openxmlformats.org/presentationml/2006/main">
-  <p:cSld>
-    <p:spTree>
-      <p:nvGrpSpPr>
-        <p:cNvPr id="1" name=""/>
-        <p:cNvGrpSpPr/>
-        <p:nvPr/>
-      </p:nvGrpSpPr>
-      <p:grpSpPr>
-        <a:xfrm>
-          <a:off x="0" y="0"/>
-          <a:ext cx="0" cy="0"/>
-          <a:chOff x="0" y="0"/>
-          <a:chExt cx="0" cy="0"/>
-        </a:xfrm>
-      </p:grpSpPr>
-      <p:sp>
-        <p:nvSpPr>
-          <p:cNvPr id="5" name="Rectangle 4"/>
-          <p:cNvSpPr/>
-          <p:nvPr/>
-        </p:nvSpPr>
-        <p:spPr>
-          <a:xfrm>
-            <a:off x="672484" y="457200"/>
-            <a:ext cx="7957307" cy="630942"/>
-          </a:xfrm>
-          <a:prstGeom prst="rect">
-            <a:avLst/>
-          </a:prstGeom>
-        </p:spPr>
-        <p:txBody>
-          <a:bodyPr wrap="none">
-            <a:spAutoFit/>
-          </a:bodyPr>
-          <a:lstStyle/>
-          <a:p>
-            <a:r>
-              <a:rPr lang="ru-RU" sz="3500" dirty="0" smtClean="0">
-                <a:solidFill>
-                  <a:schemeClr val="tx1">
-                    <a:lumMod val="65000"/>
-                    <a:lumOff val="35000"/>
-                  </a:schemeClr>
-                </a:solidFill>
-                <a:effectLst>
-                  <a:outerShdw blurRad="38100" dist="38100" dir="2700000" algn="tl">
-                    <a:srgbClr val="000000">
-                      <a:alpha val="43137"/>
-                    </a:srgbClr>
-                  </a:outerShdw>
-                </a:effectLst>
-              </a:rPr>
-              <a:t>Прохождение / в</a:t>
-            </a:r>
-            <a:r>
-              <a:rPr lang="ru-RU" sz="3500" dirty="0" smtClean="0">
-                <a:solidFill>
-                  <a:schemeClr val="tx1">
-                    <a:lumMod val="65000"/>
-                    <a:lumOff val="35000"/>
-                  </a:schemeClr>
-                </a:solidFill>
-                <a:effectLst>
-                  <a:outerShdw blurRad="38100" dist="38100" dir="2700000" algn="tl">
-                    <a:srgbClr val="000000">
-                      <a:alpha val="43137"/>
-                    </a:srgbClr>
-                  </a:outerShdw>
-                </a:effectLst>
-              </a:rPr>
-              <a:t>ыполнение </a:t>
-            </a:r>
-            <a:r>
-              <a:rPr lang="en-US" sz="3500" dirty="0" smtClean="0">
-                <a:solidFill>
-                  <a:schemeClr val="tx1">
-                    <a:lumMod val="65000"/>
-                    <a:lumOff val="35000"/>
-                  </a:schemeClr>
-                </a:solidFill>
-                <a:effectLst>
-                  <a:outerShdw blurRad="38100" dist="38100" dir="2700000" algn="tl">
-                    <a:srgbClr val="000000">
-                      <a:alpha val="43137"/>
-                    </a:srgbClr>
-                  </a:outerShdw>
-                </a:effectLst>
-              </a:rPr>
-              <a:t>Test Case</a:t>
-            </a:r>
-            <a:r>
-              <a:rPr lang="ru-RU" sz="3500" dirty="0" smtClean="0">
-                <a:solidFill>
-                  <a:schemeClr val="tx1">
-                    <a:lumMod val="65000"/>
-                    <a:lumOff val="35000"/>
-                  </a:schemeClr>
-                </a:solidFill>
-                <a:effectLst>
-                  <a:outerShdw blurRad="38100" dist="38100" dir="2700000" algn="tl">
-                    <a:srgbClr val="000000">
-                      <a:alpha val="43137"/>
-                    </a:srgbClr>
-                  </a:outerShdw>
-                </a:effectLst>
-              </a:rPr>
-              <a:t>-а</a:t>
-            </a:r>
-            <a:endParaRPr lang="en-US" sz="3500" dirty="0">
-              <a:solidFill>
-                <a:schemeClr val="tx1">
-                  <a:lumMod val="65000"/>
-                  <a:lumOff val="35000"/>
-                </a:schemeClr>
-              </a:solidFill>
-              <a:effectLst>
-                <a:outerShdw blurRad="38100" dist="38100" dir="2700000" algn="tl">
-                  <a:srgbClr val="000000">
-                    <a:alpha val="43137"/>
-                  </a:srgbClr>
-                </a:outerShdw>
-              </a:effectLst>
-            </a:endParaRPr>
-          </a:p>
-        </p:txBody>
-      </p:sp>
-      <p:sp>
-        <p:nvSpPr>
-          <p:cNvPr id="15" name="Content Placeholder 2"/>
-          <p:cNvSpPr txBox="1">
-            <a:spLocks/>
-          </p:cNvSpPr>
-          <p:nvPr/>
-        </p:nvSpPr>
-        <p:spPr>
-          <a:xfrm>
-            <a:off x="762000" y="1752600"/>
-            <a:ext cx="7848600" cy="2590800"/>
-          </a:xfrm>
-          <a:prstGeom prst="rect">
-            <a:avLst/>
-          </a:prstGeom>
-        </p:spPr>
-        <p:txBody>
-          <a:bodyPr vert="horz" lIns="91440" tIns="45720" rIns="91440" bIns="45720" rtlCol="0">
-            <a:normAutofit lnSpcReduction="10000"/>
-          </a:bodyPr>
-          <a:lstStyle>
-            <a:lvl1pPr marL="0" indent="0" algn="ctr" defTabSz="914400" rtl="0" eaLnBrk="1" latinLnBrk="0" hangingPunct="1">
-              <a:spcBef>
-                <a:spcPct val="20000"/>
-              </a:spcBef>
-              <a:buFont typeface="Arial" pitchFamily="34" charset="0"/>
-              <a:buNone/>
-              <a:defRPr sz="3200" kern="1200">
-                <a:solidFill>
-                  <a:schemeClr val="tx1">
-                    <a:tint val="75000"/>
-                  </a:schemeClr>
-                </a:solidFill>
-                <a:latin typeface="+mn-lt"/>
-                <a:ea typeface="+mn-ea"/>
-                <a:cs typeface="+mn-cs"/>
-              </a:defRPr>
-            </a:lvl1pPr>
-            <a:lvl2pPr marL="457200" indent="0" algn="ctr" defTabSz="914400" rtl="0" eaLnBrk="1" latinLnBrk="0" hangingPunct="1">
-              <a:spcBef>
-                <a:spcPct val="20000"/>
-              </a:spcBef>
-              <a:buFont typeface="Arial" pitchFamily="34" charset="0"/>
-              <a:buNone/>
-              <a:defRPr sz="2800" kern="1200">
-                <a:solidFill>
-                  <a:schemeClr val="tx1">
-                    <a:tint val="75000"/>
-                  </a:schemeClr>
-                </a:solidFill>
-                <a:latin typeface="+mn-lt"/>
-                <a:ea typeface="+mn-ea"/>
-                <a:cs typeface="+mn-cs"/>
-              </a:defRPr>
-            </a:lvl2pPr>
-            <a:lvl3pPr marL="914400" indent="0" algn="ctr" defTabSz="914400" rtl="0" eaLnBrk="1" latinLnBrk="0" hangingPunct="1">
-              <a:spcBef>
-                <a:spcPct val="20000"/>
-              </a:spcBef>
-              <a:buFont typeface="Arial" pitchFamily="34" charset="0"/>
-              <a:buNone/>
-              <a:defRPr sz="2400" kern="1200">
-                <a:solidFill>
-                  <a:schemeClr val="tx1">
-                    <a:tint val="75000"/>
-                  </a:schemeClr>
-                </a:solidFill>
-                <a:latin typeface="+mn-lt"/>
-                <a:ea typeface="+mn-ea"/>
-                <a:cs typeface="+mn-cs"/>
-              </a:defRPr>
-            </a:lvl3pPr>
-            <a:lvl4pPr marL="1371600" indent="0" algn="ctr" defTabSz="914400" rtl="0" eaLnBrk="1" latinLnBrk="0" hangingPunct="1">
-              <a:spcBef>
-                <a:spcPct val="20000"/>
-              </a:spcBef>
-              <a:buFont typeface="Arial" pitchFamily="34" charset="0"/>
-              <a:buNone/>
-              <a:defRPr sz="2000" kern="1200">
-                <a:solidFill>
-                  <a:schemeClr val="tx1">
-                    <a:tint val="75000"/>
-                  </a:schemeClr>
-                </a:solidFill>
-                <a:latin typeface="+mn-lt"/>
-                <a:ea typeface="+mn-ea"/>
-                <a:cs typeface="+mn-cs"/>
-              </a:defRPr>
-            </a:lvl4pPr>
-            <a:lvl5pPr marL="1828800" indent="0" algn="ctr" defTabSz="914400" rtl="0" eaLnBrk="1" latinLnBrk="0" hangingPunct="1">
-              <a:spcBef>
-                <a:spcPct val="20000"/>
-              </a:spcBef>
-              <a:buFont typeface="Arial" pitchFamily="34" charset="0"/>
-              <a:buNone/>
-              <a:defRPr sz="2000" kern="1200">
-                <a:solidFill>
-                  <a:schemeClr val="tx1">
-                    <a:tint val="75000"/>
-                  </a:schemeClr>
-                </a:solidFill>
-                <a:latin typeface="+mn-lt"/>
-                <a:ea typeface="+mn-ea"/>
-                <a:cs typeface="+mn-cs"/>
-              </a:defRPr>
-            </a:lvl5pPr>
-            <a:lvl6pPr marL="2286000" indent="0" algn="ctr" defTabSz="914400" rtl="0" eaLnBrk="1" latinLnBrk="0" hangingPunct="1">
-              <a:spcBef>
-                <a:spcPct val="20000"/>
-              </a:spcBef>
-              <a:buFont typeface="Arial" pitchFamily="34" charset="0"/>
-              <a:buNone/>
-              <a:defRPr sz="2000" kern="1200">
-                <a:solidFill>
-                  <a:schemeClr val="tx1">
-                    <a:tint val="75000"/>
-                  </a:schemeClr>
-                </a:solidFill>
-                <a:latin typeface="+mn-lt"/>
-                <a:ea typeface="+mn-ea"/>
-                <a:cs typeface="+mn-cs"/>
-              </a:defRPr>
-            </a:lvl6pPr>
-            <a:lvl7pPr marL="2743200" indent="0" algn="ctr" defTabSz="914400" rtl="0" eaLnBrk="1" latinLnBrk="0" hangingPunct="1">
-              <a:spcBef>
-                <a:spcPct val="20000"/>
-              </a:spcBef>
-              <a:buFont typeface="Arial" pitchFamily="34" charset="0"/>
-              <a:buNone/>
-              <a:defRPr sz="2000" kern="1200">
-                <a:solidFill>
-                  <a:schemeClr val="tx1">
-                    <a:tint val="75000"/>
-                  </a:schemeClr>
-                </a:solidFill>
-                <a:latin typeface="+mn-lt"/>
-                <a:ea typeface="+mn-ea"/>
-                <a:cs typeface="+mn-cs"/>
-              </a:defRPr>
-            </a:lvl7pPr>
-            <a:lvl8pPr marL="3200400" indent="0" algn="ctr" defTabSz="914400" rtl="0" eaLnBrk="1" latinLnBrk="0" hangingPunct="1">
-              <a:spcBef>
-                <a:spcPct val="20000"/>
-              </a:spcBef>
-              <a:buFont typeface="Arial" pitchFamily="34" charset="0"/>
-              <a:buNone/>
-              <a:defRPr sz="2000" kern="1200">
-                <a:solidFill>
-                  <a:schemeClr val="tx1">
-                    <a:tint val="75000"/>
-                  </a:schemeClr>
-                </a:solidFill>
-                <a:latin typeface="+mn-lt"/>
-                <a:ea typeface="+mn-ea"/>
-                <a:cs typeface="+mn-cs"/>
-              </a:defRPr>
-            </a:lvl8pPr>
-            <a:lvl9pPr marL="3657600" indent="0" algn="ctr" defTabSz="914400" rtl="0" eaLnBrk="1" latinLnBrk="0" hangingPunct="1">
-              <a:spcBef>
-                <a:spcPct val="20000"/>
-              </a:spcBef>
-              <a:buFont typeface="Arial" pitchFamily="34" charset="0"/>
-              <a:buNone/>
-              <a:defRPr sz="2000" kern="1200">
-                <a:solidFill>
-                  <a:schemeClr val="tx1">
-                    <a:tint val="75000"/>
-                  </a:schemeClr>
-                </a:solidFill>
-                <a:latin typeface="+mn-lt"/>
-                <a:ea typeface="+mn-ea"/>
-                <a:cs typeface="+mn-cs"/>
-              </a:defRPr>
-            </a:lvl9pPr>
-          </a:lstStyle>
-          <a:p>
-            <a:pPr marL="342900" indent="-342900" algn="l">
-              <a:lnSpc>
-                <a:spcPct val="120000"/>
-              </a:lnSpc>
-              <a:buClr>
-                <a:schemeClr val="accent4">
-                  <a:lumMod val="75000"/>
-                </a:schemeClr>
-              </a:buClr>
-              <a:buSzPct val="200000"/>
-              <a:buFont typeface="Arial" pitchFamily="34" charset="0"/>
-              <a:buChar char="•"/>
-            </a:pPr>
-            <a:r>
-              <a:rPr lang="ru-RU" sz="2000" dirty="0" smtClean="0">
-                <a:solidFill>
-                  <a:schemeClr val="tx1"/>
-                </a:solidFill>
-              </a:rPr>
-              <a:t>Выполнение Тестового Сценария называется </a:t>
-            </a:r>
-            <a:r>
-              <a:rPr lang="en-US" sz="2000" dirty="0" smtClean="0">
-                <a:solidFill>
-                  <a:schemeClr val="tx1"/>
-                </a:solidFill>
-              </a:rPr>
-              <a:t>Test Run</a:t>
-            </a:r>
-            <a:r>
-              <a:rPr lang="ru-RU" sz="2000" dirty="0" smtClean="0">
-                <a:solidFill>
-                  <a:schemeClr val="tx1"/>
-                </a:solidFill>
-              </a:rPr>
-              <a:t>, </a:t>
-            </a:r>
-            <a:r>
-              <a:rPr lang="en-US" sz="2000" dirty="0" smtClean="0">
-                <a:solidFill>
-                  <a:schemeClr val="tx1"/>
-                </a:solidFill>
-              </a:rPr>
-              <a:t>Test Case Run</a:t>
-            </a:r>
-          </a:p>
-          <a:p>
-            <a:pPr algn="l">
-              <a:lnSpc>
-                <a:spcPct val="120000"/>
-              </a:lnSpc>
-              <a:buClr>
-                <a:schemeClr val="accent4">
-                  <a:lumMod val="75000"/>
-                </a:schemeClr>
-              </a:buClr>
-              <a:buSzPct val="200000"/>
-            </a:pPr>
-            <a:r>
-              <a:rPr lang="en-US" sz="2000" dirty="0" smtClean="0">
-                <a:solidFill>
-                  <a:schemeClr val="tx1"/>
-                </a:solidFill>
-              </a:rPr>
-              <a:t> </a:t>
-            </a:r>
-            <a:r>
-              <a:rPr lang="ru-RU" sz="2000" dirty="0" smtClean="0">
-                <a:solidFill>
-                  <a:schemeClr val="tx1"/>
-                </a:solidFill>
-              </a:rPr>
-              <a:t>или просто </a:t>
-            </a:r>
-            <a:r>
-              <a:rPr lang="en-US" sz="2000" dirty="0" smtClean="0">
-                <a:solidFill>
-                  <a:schemeClr val="tx1"/>
-                </a:solidFill>
-              </a:rPr>
-              <a:t>Run</a:t>
-            </a:r>
-            <a:endParaRPr lang="ru-RU" sz="2000" dirty="0" smtClean="0">
-              <a:solidFill>
-                <a:schemeClr val="tx1"/>
-              </a:solidFill>
-            </a:endParaRPr>
-          </a:p>
-          <a:p>
-            <a:pPr marL="342900" indent="-342900" algn="l">
-              <a:lnSpc>
-                <a:spcPct val="300000"/>
-              </a:lnSpc>
-              <a:buClr>
-                <a:schemeClr val="accent4">
-                  <a:lumMod val="75000"/>
-                </a:schemeClr>
-              </a:buClr>
-              <a:buSzPct val="200000"/>
-              <a:buFont typeface="Arial" pitchFamily="34" charset="0"/>
-              <a:buChar char="•"/>
-            </a:pPr>
-            <a:endParaRPr lang="en-US" sz="2000" dirty="0">
-              <a:solidFill>
-                <a:schemeClr val="tx1"/>
-              </a:solidFill>
-            </a:endParaRPr>
-          </a:p>
-          <a:p>
-            <a:pPr marL="342900" indent="-342900" algn="l">
-              <a:lnSpc>
-                <a:spcPct val="120000"/>
-              </a:lnSpc>
-              <a:buClr>
-                <a:schemeClr val="accent4">
-                  <a:lumMod val="75000"/>
-                </a:schemeClr>
-              </a:buClr>
-              <a:buSzPct val="200000"/>
-              <a:buFont typeface="Arial" pitchFamily="34" charset="0"/>
-              <a:buChar char="•"/>
-            </a:pPr>
-            <a:r>
-              <a:rPr lang="ru-RU" sz="2000" dirty="0" smtClean="0">
-                <a:solidFill>
-                  <a:schemeClr val="tx1"/>
-                </a:solidFill>
-              </a:rPr>
-              <a:t>Несёт в себе информацию о </a:t>
-            </a:r>
-            <a:r>
-              <a:rPr lang="ru-RU" sz="2000" dirty="0" smtClean="0">
-                <a:solidFill>
-                  <a:schemeClr val="tx1"/>
-                </a:solidFill>
-              </a:rPr>
-              <a:t>результатах тестирования конкретного приложения (версия, конфигурация) по конкретному сценарию</a:t>
-            </a:r>
-            <a:endParaRPr lang="en-US" sz="2000" dirty="0">
-              <a:solidFill>
-                <a:schemeClr val="tx1"/>
-              </a:solidFill>
-            </a:endParaRPr>
-          </a:p>
-        </p:txBody>
-      </p:sp>
-    </p:spTree>
-    <p:extLst>
-      <p:ext uri="{BB962C8B-B14F-4D97-AF65-F5344CB8AC3E}">
-        <p14:creationId xmlns:p14="http://schemas.microsoft.com/office/powerpoint/2010/main" val="1622258818"/>
-      </p:ext>
-    </p:extLst>
-  </p:cSld>
-  <p:clrMapOvr>
-    <a:masterClrMapping/>
-  </p:clrMapOvr>
-  <p:timing>
-    <p:tnLst>
-      <p:par>
-        <p:cTn id="1" dur="indefinite" restart="never" nodeType="tmRoot">
-          <p:childTnLst>
-            <p:seq concurrent="1" nextAc="seek">
-              <p:cTn id="2" dur="indefinite" nodeType="mainSeq">
-                <p:childTnLst>
-                  <p:par>
-                    <p:cTn id="3" fill="hold">
-                      <p:stCondLst>
-                        <p:cond delay="indefinite"/>
-                      </p:stCondLst>
-                      <p:childTnLst>
-                        <p:par>
-                          <p:cTn id="4" fill="hold">
-                            <p:stCondLst>
-                              <p:cond delay="0"/>
-                            </p:stCondLst>
-                            <p:childTnLst>
-                              <p:par>
-                                <p:cTn id="5" presetID="10" presetClass="entr" presetSubtype="0" fill="hold" nodeType="clickEffect">
-                                  <p:stCondLst>
-                                    <p:cond delay="0"/>
-                                  </p:stCondLst>
-                                  <p:childTnLst>
-                                    <p:set>
-                                      <p:cBhvr>
-                                        <p:cTn id="6" dur="1" fill="hold">
-                                          <p:stCondLst>
-                                            <p:cond delay="0"/>
-                                          </p:stCondLst>
-                                        </p:cTn>
-                                        <p:tgtEl>
-                                          <p:spTgt spid="15">
-                                            <p:txEl>
-                                              <p:pRg st="0" end="0"/>
-                                            </p:txEl>
-                                          </p:spTgt>
-                                        </p:tgtEl>
-                                        <p:attrNameLst>
-                                          <p:attrName>style.visibility</p:attrName>
-                                        </p:attrNameLst>
-                                      </p:cBhvr>
-                                      <p:to>
-                                        <p:strVal val="visible"/>
-                                      </p:to>
-                                    </p:set>
-                                    <p:animEffect transition="in" filter="fade">
-                                      <p:cBhvr>
-                                        <p:cTn id="7" dur="500"/>
-                                        <p:tgtEl>
-                                          <p:spTgt spid="15">
-                                            <p:txEl>
-                                              <p:pRg st="0" end="0"/>
-                                            </p:txEl>
-                                          </p:spTgt>
-                                        </p:tgtEl>
-                                      </p:cBhvr>
-                                    </p:animEffect>
-                                  </p:childTnLst>
-                                </p:cTn>
-                              </p:par>
-                              <p:par>
-                                <p:cTn id="8" presetID="10" presetClass="entr" presetSubtype="0" fill="hold" nodeType="withEffect">
-                                  <p:stCondLst>
-                                    <p:cond delay="0"/>
-                                  </p:stCondLst>
-                                  <p:childTnLst>
-                                    <p:set>
-                                      <p:cBhvr>
-                                        <p:cTn id="9" dur="1" fill="hold">
-                                          <p:stCondLst>
-                                            <p:cond delay="0"/>
-                                          </p:stCondLst>
-                                        </p:cTn>
-                                        <p:tgtEl>
-                                          <p:spTgt spid="15">
-                                            <p:txEl>
-                                              <p:pRg st="1" end="1"/>
-                                            </p:txEl>
-                                          </p:spTgt>
-                                        </p:tgtEl>
-                                        <p:attrNameLst>
-                                          <p:attrName>style.visibility</p:attrName>
-                                        </p:attrNameLst>
-                                      </p:cBhvr>
-                                      <p:to>
-                                        <p:strVal val="visible"/>
-                                      </p:to>
-                                    </p:set>
-                                    <p:animEffect transition="in" filter="fade">
-                                      <p:cBhvr>
-                                        <p:cTn id="10" dur="500"/>
-                                        <p:tgtEl>
-                                          <p:spTgt spid="15">
-                                            <p:txEl>
-                                              <p:pRg st="1" end="1"/>
-                                            </p:txEl>
-                                          </p:spTgt>
-                                        </p:tgtEl>
-                                      </p:cBhvr>
-                                    </p:animEffect>
-                                  </p:childTnLst>
-                                </p:cTn>
-                              </p:par>
-                            </p:childTnLst>
-                          </p:cTn>
-                        </p:par>
-                      </p:childTnLst>
-                    </p:cTn>
-                  </p:par>
-                  <p:par>
-                    <p:cTn id="11" fill="hold">
-                      <p:stCondLst>
-                        <p:cond delay="indefinite"/>
-                      </p:stCondLst>
-                      <p:childTnLst>
-                        <p:par>
-                          <p:cTn id="12" fill="hold">
-                            <p:stCondLst>
-                              <p:cond delay="0"/>
-                            </p:stCondLst>
-                            <p:childTnLst>
-                              <p:par>
-                                <p:cTn id="13" presetID="10" presetClass="entr" presetSubtype="0" fill="hold" nodeType="clickEffect">
-                                  <p:stCondLst>
-                                    <p:cond delay="0"/>
-                                  </p:stCondLst>
-                                  <p:childTnLst>
-                                    <p:set>
-                                      <p:cBhvr>
-                                        <p:cTn id="14" dur="1" fill="hold">
-                                          <p:stCondLst>
-                                            <p:cond delay="0"/>
-                                          </p:stCondLst>
-                                        </p:cTn>
-                                        <p:tgtEl>
-                                          <p:spTgt spid="15">
-                                            <p:txEl>
-                                              <p:pRg st="3" end="3"/>
-                                            </p:txEl>
-                                          </p:spTgt>
-                                        </p:tgtEl>
-                                        <p:attrNameLst>
-                                          <p:attrName>style.visibility</p:attrName>
-                                        </p:attrNameLst>
-                                      </p:cBhvr>
-                                      <p:to>
-                                        <p:strVal val="visible"/>
-                                      </p:to>
-                                    </p:set>
-                                    <p:animEffect transition="in" filter="fade">
-                                      <p:cBhvr>
-                                        <p:cTn id="15" dur="500"/>
-                                        <p:tgtEl>
-                                          <p:spTgt spid="15">
-                                            <p:txEl>
-                                              <p:pRg st="3" end="3"/>
-                                            </p:txEl>
-                                          </p:spTgt>
-                                        </p:tgtEl>
-                                      </p:cBhvr>
-                                    </p:animEffect>
-                                  </p:childTnLst>
-                                </p:cTn>
-                              </p:par>
-                            </p:childTnLst>
-                          </p:cTn>
-                        </p:par>
-                      </p:childTnLst>
-                    </p:cTn>
-                  </p:par>
-                </p:childTnLst>
-              </p:cTn>
-              <p:prevCondLst>
-                <p:cond evt="onPrev" delay="0">
-                  <p:tgtEl>
-                    <p:sldTgt/>
-                  </p:tgtEl>
-                </p:cond>
-              </p:prevCondLst>
-              <p:nextCondLst>
-                <p:cond evt="onNext" delay="0">
-                  <p:tgtEl>
-                    <p:sldTgt/>
-                  </p:tgtEl>
-                </p:cond>
-              </p:nextCondLst>
-            </p:seq>
-          </p:childTnLst>
-        </p:cTn>
-      </p:par>
-    </p:tnLst>
-  </p:timing>
-</p:sld>
-</file>
-
 <file path=ppt/slides/slide13.xml><?xml version="1.0" encoding="utf-8"?>
 <p:sld xmlns:a="http://schemas.openxmlformats.org/drawingml/2006/main" xmlns:r="http://schemas.openxmlformats.org/officeDocument/2006/relationships" xmlns:p="http://schemas.openxmlformats.org/presentationml/2006/main">
   <p:cSld>
@@ -6208,79 +6174,7 @@
                   </a:outerShdw>
                 </a:effectLst>
               </a:rPr>
-              <a:t>Test Case </a:t>
-            </a:r>
-            <a:r>
-              <a:rPr lang="en-US" sz="3500" dirty="0" smtClean="0">
-                <a:solidFill>
-                  <a:schemeClr val="tx1">
-                    <a:lumMod val="65000"/>
-                    <a:lumOff val="35000"/>
-                  </a:schemeClr>
-                </a:solidFill>
-                <a:effectLst>
-                  <a:outerShdw blurRad="38100" dist="38100" dir="2700000" algn="tl">
-                    <a:srgbClr val="000000">
-                      <a:alpha val="43137"/>
-                    </a:srgbClr>
-                  </a:outerShdw>
-                </a:effectLst>
-              </a:rPr>
-              <a:t>-&gt; </a:t>
-            </a:r>
-            <a:r>
-              <a:rPr lang="en-US" sz="3500" dirty="0" smtClean="0">
-                <a:solidFill>
-                  <a:schemeClr val="tx1">
-                    <a:lumMod val="65000"/>
-                    <a:lumOff val="35000"/>
-                  </a:schemeClr>
-                </a:solidFill>
-                <a:effectLst>
-                  <a:outerShdw blurRad="38100" dist="38100" dir="2700000" algn="tl">
-                    <a:srgbClr val="000000">
-                      <a:alpha val="43137"/>
-                    </a:srgbClr>
-                  </a:outerShdw>
-                </a:effectLst>
-              </a:rPr>
-              <a:t>Test Set </a:t>
-            </a:r>
-            <a:r>
-              <a:rPr lang="en-US" sz="3500" dirty="0" smtClean="0">
-                <a:solidFill>
-                  <a:schemeClr val="tx1">
-                    <a:lumMod val="65000"/>
-                    <a:lumOff val="35000"/>
-                  </a:schemeClr>
-                </a:solidFill>
-                <a:effectLst>
-                  <a:outerShdw blurRad="38100" dist="38100" dir="2700000" algn="tl">
-                    <a:srgbClr val="000000">
-                      <a:alpha val="43137"/>
-                    </a:srgbClr>
-                  </a:outerShdw>
-                </a:effectLst>
-              </a:rPr>
-              <a:t>-&gt; </a:t>
-            </a:r>
-            <a:r>
-              <a:rPr lang="en-US" sz="3500" dirty="0" smtClean="0">
-                <a:solidFill>
-                  <a:schemeClr val="tx1">
-                    <a:lumMod val="65000"/>
-                    <a:lumOff val="35000"/>
-                  </a:schemeClr>
-                </a:solidFill>
-                <a:effectLst>
-                  <a:outerShdw blurRad="38100" dist="38100" dir="2700000" algn="tl">
-                    <a:srgbClr val="000000">
-                      <a:alpha val="43137"/>
-                    </a:srgbClr>
-                  </a:outerShdw>
-                </a:effectLst>
-              </a:rPr>
-              <a:t>Run</a:t>
+              <a:t>Test Case -&gt; Test Set -&gt; Run</a:t>
             </a:r>
             <a:endParaRPr lang="en-US" sz="3500" dirty="0">
               <a:solidFill>
@@ -10607,25 +10501,7 @@
                   </a:outerShdw>
                 </a:effectLst>
               </a:rPr>
-              <a:t>Example 2 </a:t>
-            </a:r>
-            <a:r>
-              <a:rPr lang="en-US" sz="2800" dirty="0" smtClean="0">
-                <a:solidFill>
-                  <a:schemeClr val="tx1">
-                    <a:lumMod val="65000"/>
-                    <a:lumOff val="35000"/>
-                  </a:schemeClr>
-                </a:solidFill>
-                <a:effectLst>
-                  <a:outerShdw blurRad="38100" dist="38100" dir="2700000" algn="tl">
-                    <a:srgbClr val="000000">
-                      <a:alpha val="43137"/>
-                    </a:srgbClr>
-                  </a:outerShdw>
-                </a:effectLst>
-              </a:rPr>
-              <a:t>- Defect description</a:t>
+              <a:t>Example 2 - Defect description</a:t>
             </a:r>
             <a:endParaRPr lang="en-US" sz="2800" dirty="0">
               <a:solidFill>
@@ -13337,25 +13213,7 @@
                   </a:outerShdw>
                 </a:effectLst>
               </a:rPr>
-              <a:t>Run </a:t>
-            </a:r>
-            <a:r>
-              <a:rPr lang="en-US" sz="3500" dirty="0" smtClean="0">
-                <a:solidFill>
-                  <a:schemeClr val="tx1">
-                    <a:lumMod val="65000"/>
-                    <a:lumOff val="35000"/>
-                  </a:schemeClr>
-                </a:solidFill>
-                <a:effectLst>
-                  <a:outerShdw blurRad="38100" dist="38100" dir="2700000" algn="tl">
-                    <a:srgbClr val="000000">
-                      <a:alpha val="43137"/>
-                    </a:srgbClr>
-                  </a:outerShdw>
-                </a:effectLst>
-              </a:rPr>
-              <a:t>Example 2</a:t>
+              <a:t>Run Example 2</a:t>
             </a:r>
             <a:endParaRPr lang="en-US" sz="3500" dirty="0">
               <a:solidFill>
@@ -14514,11 +14372,7 @@
             </a:pPr>
             <a:r>
               <a:rPr lang="ru-RU" dirty="0" smtClean="0"/>
-              <a:t> </a:t>
-            </a:r>
-            <a:r>
-              <a:rPr lang="ru-RU" dirty="0" smtClean="0"/>
-              <a:t>    -</a:t>
+              <a:t>     -</a:t>
             </a:r>
             <a:r>
               <a:rPr lang="en-US" dirty="0" smtClean="0"/>
@@ -14565,11 +14419,7 @@
             </a:r>
             <a:r>
               <a:rPr lang="en-US" dirty="0" smtClean="0"/>
-              <a:t>- </a:t>
-            </a:r>
-            <a:r>
-              <a:rPr lang="en-US" dirty="0" smtClean="0"/>
-              <a:t>Summary </a:t>
+              <a:t>- Summary </a:t>
             </a:r>
             <a:r>
               <a:rPr lang="ru-RU" dirty="0" smtClean="0"/>
@@ -14579,7 +14429,6 @@
               <a:rPr lang="en-US" dirty="0" smtClean="0"/>
               <a:t>Test Set;</a:t>
             </a:r>
-            <a:endParaRPr lang="en-US" dirty="0" smtClean="0"/>
           </a:p>
           <a:p>
             <a:pPr marL="171450" lvl="0" indent="-171450">
@@ -16199,11 +16048,7 @@
             </a:r>
             <a:r>
               <a:rPr lang="en-US" sz="1600" dirty="0" smtClean="0"/>
-              <a:t>Ability </a:t>
-            </a:r>
-            <a:r>
-              <a:rPr lang="en-US" sz="1600" dirty="0" smtClean="0"/>
-              <a:t>to organize and </a:t>
+              <a:t>Ability to organize and </a:t>
             </a:r>
             <a:r>
               <a:rPr lang="ru-RU" sz="1600" dirty="0"/>
@@ -16227,25 +16072,8 @@
             </a:r>
             <a:r>
               <a:rPr lang="en-US" sz="1600" dirty="0" smtClean="0"/>
-              <a:t>Product</a:t>
-            </a:r>
-            <a:r>
-              <a:rPr lang="en-US" sz="1600" dirty="0" smtClean="0"/>
-              <a:t>, Component, Test Type, </a:t>
-            </a:r>
-            <a:r>
-              <a:rPr lang="en-US" sz="1600" dirty="0" smtClean="0"/>
-              <a:t>Test</a:t>
-            </a:r>
-            <a:r>
-              <a:rPr lang="en-US" sz="1600" dirty="0" smtClean="0"/>
-              <a:t>ed</a:t>
-            </a:r>
-            <a:r>
-              <a:rPr lang="en-US" sz="1600" dirty="0" smtClean="0"/>
-              <a:t> Component, Tested Subcomponent)</a:t>
-            </a:r>
-            <a:endParaRPr lang="en-US" sz="1600" dirty="0" smtClean="0"/>
+              <a:t>Product, Component, Test Type, Tested Component, Tested Subcomponent)</a:t>
+            </a:r>
           </a:p>
           <a:p>
             <a:pPr lvl="1" algn="just" eaLnBrk="1" hangingPunct="1">
@@ -16688,15 +16516,7 @@
             </a:pPr>
             <a:r>
               <a:rPr lang="en-US" dirty="0" smtClean="0"/>
-              <a:t>What should be done </a:t>
-            </a:r>
-            <a:r>
-              <a:rPr lang="en-US" dirty="0" smtClean="0"/>
-              <a:t>before writing of Test </a:t>
-            </a:r>
-            <a:r>
-              <a:rPr lang="en-US" dirty="0" smtClean="0"/>
-              <a:t>Cases.</a:t>
+              <a:t>What should be done before writing of Test Cases.</a:t>
             </a:r>
           </a:p>
           <a:p>
@@ -16736,19 +16556,7 @@
             </a:pPr>
             <a:r>
               <a:rPr lang="en-US" dirty="0" smtClean="0"/>
-              <a:t>What is the reason </a:t>
-            </a:r>
-            <a:r>
-              <a:rPr lang="en-US" dirty="0" smtClean="0"/>
-              <a:t>of </a:t>
-            </a:r>
-            <a:r>
-              <a:rPr lang="en-US" dirty="0" smtClean="0"/>
-              <a:t>creating a new revision for Test Case</a:t>
-            </a:r>
-            <a:r>
-              <a:rPr lang="en-US" dirty="0" smtClean="0"/>
-              <a:t>?</a:t>
+              <a:t>What is the reason of creating a new revision for Test Case?</a:t>
             </a:r>
             <a:endParaRPr lang="en-US" dirty="0"/>
           </a:p>
@@ -16767,13 +16575,8 @@
             </a:pPr>
             <a:r>
               <a:rPr lang="en-US" dirty="0" smtClean="0"/>
-              <a:t>What is Test Case Management Tool</a:t>
-            </a:r>
-            <a:r>
-              <a:rPr lang="en-US" dirty="0" smtClean="0"/>
-              <a:t>?</a:t>
-            </a:r>
-            <a:endParaRPr lang="en-US" dirty="0" smtClean="0"/>
+              <a:t>What is Test Case Management Tool?</a:t>
+            </a:r>
           </a:p>
           <a:p>
             <a:pPr marL="342900" indent="-342900">
@@ -16781,13 +16584,8 @@
             </a:pPr>
             <a:r>
               <a:rPr lang="en-US" dirty="0" smtClean="0"/>
-              <a:t>What the main features of Test Case Management </a:t>
-            </a:r>
-            <a:r>
-              <a:rPr lang="en-US" dirty="0" smtClean="0"/>
-              <a:t>Tools? </a:t>
-            </a:r>
-            <a:endParaRPr lang="en-US" dirty="0" smtClean="0"/>
+              <a:t>What the main features of Test Case Management Tools? </a:t>
+            </a:r>
           </a:p>
           <a:p>
             <a:pPr marL="342900" indent="-342900">
@@ -16969,11 +16767,7 @@
             </a:r>
             <a:r>
               <a:rPr lang="en-US" sz="1600" b="1" dirty="0" smtClean="0"/>
-              <a:t>Test </a:t>
-            </a:r>
-            <a:r>
-              <a:rPr lang="en-US" sz="1600" b="1" dirty="0" smtClean="0"/>
-              <a:t>Case </a:t>
+              <a:t>Test Case </a:t>
             </a:r>
             <a:r>
               <a:rPr lang="ru-RU" sz="1600" b="1" dirty="0" smtClean="0"/>
@@ -16985,17 +16779,12 @@
             </a:r>
             <a:r>
               <a:rPr lang="ru-RU" sz="1600" b="1" dirty="0" smtClean="0"/>
-              <a:t>) </a:t>
-            </a:r>
-            <a:r>
-              <a:rPr lang="ru-RU" sz="1600" b="1" dirty="0" smtClean="0"/>
-              <a:t>для проверки следующих требований</a:t>
+              <a:t>) для проверки следующих требований</a:t>
             </a:r>
             <a:r>
               <a:rPr lang="en-US" sz="1600" b="1" dirty="0" smtClean="0"/>
               <a:t>:</a:t>
             </a:r>
-            <a:endParaRPr lang="en-US" sz="1600" b="1" dirty="0" smtClean="0"/>
           </a:p>
           <a:p>
             <a:pPr lvl="0"/>
@@ -17041,11 +16830,7 @@
             </a:r>
             <a:r>
               <a:rPr lang="en-US" sz="1600" dirty="0" smtClean="0"/>
-              <a:t> </a:t>
-            </a:r>
-            <a:r>
-              <a:rPr lang="en-US" sz="1600" dirty="0" smtClean="0"/>
-              <a:t>field. Appropriate information message should appear.</a:t>
+              <a:t> field. Appropriate information message should appear.</a:t>
             </a:r>
           </a:p>
           <a:p>
@@ -17165,11 +16950,7 @@
             </a:r>
             <a:r>
               <a:rPr lang="en-US" sz="1600" dirty="0" smtClean="0"/>
-              <a:t> </a:t>
-            </a:r>
-            <a:r>
-              <a:rPr lang="en-US" sz="1600" dirty="0" smtClean="0"/>
-              <a:t>and </a:t>
+              <a:t> and </a:t>
             </a:r>
             <a:r>
               <a:rPr lang="ru-RU" sz="1600" dirty="0" smtClean="0"/>
@@ -17185,11 +16966,7 @@
             </a:r>
             <a:r>
               <a:rPr lang="en-US" sz="1600" dirty="0" smtClean="0"/>
-              <a:t> </a:t>
-            </a:r>
-            <a:r>
-              <a:rPr lang="en-US" sz="1600" dirty="0" smtClean="0"/>
-              <a:t>fields don’t match, user should get appropriate </a:t>
+              <a:t> fields don’t match, user should get appropriate </a:t>
             </a:r>
             <a:r>
               <a:rPr lang="en-US" sz="1600" dirty="0"/>
@@ -17342,11 +17119,7 @@
             </a:r>
             <a:r>
               <a:rPr lang="en-US" sz="1600" dirty="0" smtClean="0"/>
-              <a:t> </a:t>
-            </a:r>
-            <a:r>
-              <a:rPr lang="en-US" sz="1600" dirty="0" smtClean="0"/>
-              <a:t>button should close </a:t>
+              <a:t> button should close </a:t>
             </a:r>
             <a:r>
               <a:rPr lang="ru-RU" sz="1600" dirty="0" smtClean="0"/>
@@ -17364,7 +17137,6 @@
               <a:rPr lang="en-US" sz="1600" dirty="0" smtClean="0"/>
               <a:t>without saving data.</a:t>
             </a:r>
-            <a:endParaRPr lang="en-US" sz="1600" dirty="0" smtClean="0"/>
           </a:p>
         </p:txBody>
       </p:sp>
@@ -17534,15 +17306,7 @@
             </a:r>
             <a:r>
               <a:rPr lang="ru-RU" dirty="0" smtClean="0"/>
-              <a:t> – репорт, содержащий качественную и </a:t>
-            </a:r>
-            <a:r>
-              <a:rPr lang="ru-RU" dirty="0" smtClean="0"/>
-              <a:t>количественную </a:t>
-            </a:r>
-            <a:r>
-              <a:rPr lang="ru-RU" dirty="0" smtClean="0"/>
-              <a:t>информацию о результатах тестирования</a:t>
+              <a:t> – репорт, содержащий качественную и количественную информацию о результатах тестирования</a:t>
             </a:r>
             <a:endParaRPr lang="en-US" dirty="0"/>
           </a:p>
@@ -26633,7 +26397,7 @@
     </a:clrScheme>
     <a:fontScheme name="Office">
       <a:majorFont>
-        <a:latin typeface="Calibri Light" panose="020F0302020204030204"/>
+        <a:latin typeface="Calibri Light"/>
         <a:ea typeface=""/>
         <a:cs typeface=""/>
         <a:font script="Jpan" typeface="ＭＳ Ｐゴシック"/>
@@ -26668,7 +26432,7 @@
         <a:font script="Geor" typeface="Sylfaen"/>
       </a:majorFont>
       <a:minorFont>
-        <a:latin typeface="Calibri" panose="020F0502020204030204"/>
+        <a:latin typeface="Calibri"/>
         <a:ea typeface=""/>
         <a:cs typeface=""/>
         <a:font script="Jpan" typeface="ＭＳ Ｐゴシック"/>
@@ -26845,7 +26609,7 @@
   <a:extraClrSchemeLst/>
   <a:extLst>
     <a:ext uri="{05A4C25C-085E-4340-85A3-A5531E510DB2}">
-      <thm15:themeFamily xmlns:thm15="http://schemas.microsoft.com/office/thememl/2012/main" name="Office Theme" id="{62F939B6-93AF-4DB8-9C6B-D6C7DFDC589F}" vid="{4A3C46E8-61CC-4603-A589-7422A47A8E4A}"/>
+      <thm15:themeFamily xmlns:thm15="http://schemas.microsoft.com/office/thememl/2012/main" xmlns="" name="Office Theme" id="{62F939B6-93AF-4DB8-9C6B-D6C7DFDC589F}" vid="{4A3C46E8-61CC-4603-A589-7422A47A8E4A}"/>
     </a:ext>
   </a:extLst>
 </a:theme>

--- a/5.Test Cases/Artifacts of testing.pptx
+++ b/5.Test Cases/Artifacts of testing.pptx
@@ -134,7 +134,7 @@
   </p:defaultTextStyle>
   <p:extLst>
     <p:ext uri="{EFAFB233-063F-42B5-8137-9DF3F51BA10A}">
-      <p15:sldGuideLst xmlns:p15="http://schemas.microsoft.com/office/powerpoint/2012/main" xmlns="">
+      <p15:sldGuideLst xmlns:p15="http://schemas.microsoft.com/office/powerpoint/2012/main">
         <p15:guide id="1" orient="horz" pos="2160">
           <p15:clr>
             <a:srgbClr val="A4A3A4"/>
@@ -146,6 +146,9 @@
           </p15:clr>
         </p15:guide>
       </p15:sldGuideLst>
+    </p:ext>
+    <p:ext uri="{2D200454-40CA-4A62-9FC3-DE9A4176ACB9}">
+      <p15:notesGuideLst xmlns:p15="http://schemas.microsoft.com/office/powerpoint/2012/main"/>
     </p:ext>
   </p:extLst>
 </p:presentation>
@@ -233,7 +236,7 @@
           <a:p>
             <a:fld id="{0849F342-5BFF-4C37-8A66-D5D0921B0636}" type="datetimeFigureOut">
               <a:rPr lang="ru-RU" smtClean="0"/>
-              <a:t>08.02.2013</a:t>
+              <a:t>22.03.2013</a:t>
             </a:fld>
             <a:endParaRPr lang="ru-RU"/>
           </a:p>
@@ -498,7 +501,7 @@
             <a:fld id="{1D8BD707-D9CF-40AE-B4C6-C98DA3205C09}" type="datetimeFigureOut">
               <a:rPr lang="en-US" smtClean="0"/>
               <a:pPr/>
-              <a:t>2/8/2013</a:t>
+              <a:t>3/22/2013</a:t>
             </a:fld>
             <a:endParaRPr lang="en-US"/>
           </a:p>
@@ -665,7 +668,7 @@
             <a:fld id="{1D8BD707-D9CF-40AE-B4C6-C98DA3205C09}" type="datetimeFigureOut">
               <a:rPr lang="en-US" smtClean="0"/>
               <a:pPr/>
-              <a:t>2/8/2013</a:t>
+              <a:t>3/22/2013</a:t>
             </a:fld>
             <a:endParaRPr lang="en-US"/>
           </a:p>
@@ -842,7 +845,7 @@
             <a:fld id="{1D8BD707-D9CF-40AE-B4C6-C98DA3205C09}" type="datetimeFigureOut">
               <a:rPr lang="en-US" smtClean="0"/>
               <a:pPr/>
-              <a:t>2/8/2013</a:t>
+              <a:t>3/22/2013</a:t>
             </a:fld>
             <a:endParaRPr lang="en-US"/>
           </a:p>
@@ -1009,7 +1012,7 @@
             <a:fld id="{1D8BD707-D9CF-40AE-B4C6-C98DA3205C09}" type="datetimeFigureOut">
               <a:rPr lang="en-US" smtClean="0"/>
               <a:pPr/>
-              <a:t>2/8/2013</a:t>
+              <a:t>3/22/2013</a:t>
             </a:fld>
             <a:endParaRPr lang="en-US"/>
           </a:p>
@@ -1252,7 +1255,7 @@
             <a:fld id="{1D8BD707-D9CF-40AE-B4C6-C98DA3205C09}" type="datetimeFigureOut">
               <a:rPr lang="en-US" smtClean="0"/>
               <a:pPr/>
-              <a:t>2/8/2013</a:t>
+              <a:t>3/22/2013</a:t>
             </a:fld>
             <a:endParaRPr lang="en-US"/>
           </a:p>
@@ -1537,7 +1540,7 @@
             <a:fld id="{1D8BD707-D9CF-40AE-B4C6-C98DA3205C09}" type="datetimeFigureOut">
               <a:rPr lang="en-US" smtClean="0"/>
               <a:pPr/>
-              <a:t>2/8/2013</a:t>
+              <a:t>3/22/2013</a:t>
             </a:fld>
             <a:endParaRPr lang="en-US"/>
           </a:p>
@@ -1956,7 +1959,7 @@
             <a:fld id="{1D8BD707-D9CF-40AE-B4C6-C98DA3205C09}" type="datetimeFigureOut">
               <a:rPr lang="en-US" smtClean="0"/>
               <a:pPr/>
-              <a:t>2/8/2013</a:t>
+              <a:t>3/22/2013</a:t>
             </a:fld>
             <a:endParaRPr lang="en-US"/>
           </a:p>
@@ -2071,7 +2074,7 @@
             <a:fld id="{1D8BD707-D9CF-40AE-B4C6-C98DA3205C09}" type="datetimeFigureOut">
               <a:rPr lang="en-US" smtClean="0"/>
               <a:pPr/>
-              <a:t>2/8/2013</a:t>
+              <a:t>3/22/2013</a:t>
             </a:fld>
             <a:endParaRPr lang="en-US"/>
           </a:p>
@@ -2163,7 +2166,7 @@
             <a:fld id="{1D8BD707-D9CF-40AE-B4C6-C98DA3205C09}" type="datetimeFigureOut">
               <a:rPr lang="en-US" smtClean="0"/>
               <a:pPr/>
-              <a:t>2/8/2013</a:t>
+              <a:t>3/22/2013</a:t>
             </a:fld>
             <a:endParaRPr lang="en-US"/>
           </a:p>
@@ -2437,7 +2440,7 @@
             <a:fld id="{1D8BD707-D9CF-40AE-B4C6-C98DA3205C09}" type="datetimeFigureOut">
               <a:rPr lang="en-US" smtClean="0"/>
               <a:pPr/>
-              <a:t>2/8/2013</a:t>
+              <a:t>3/22/2013</a:t>
             </a:fld>
             <a:endParaRPr lang="en-US"/>
           </a:p>
@@ -2687,7 +2690,7 @@
             <a:fld id="{1D8BD707-D9CF-40AE-B4C6-C98DA3205C09}" type="datetimeFigureOut">
               <a:rPr lang="en-US" smtClean="0"/>
               <a:pPr/>
-              <a:t>2/8/2013</a:t>
+              <a:t>3/22/2013</a:t>
             </a:fld>
             <a:endParaRPr lang="en-US"/>
           </a:p>
@@ -2906,7 +2909,7 @@
             <a:fld id="{1D8BD707-D9CF-40AE-B4C6-C98DA3205C09}" type="datetimeFigureOut">
               <a:rPr lang="en-US" smtClean="0"/>
               <a:pPr/>
-              <a:t>2/8/2013</a:t>
+              <a:t>3/22/2013</a:t>
             </a:fld>
             <a:endParaRPr lang="en-US"/>
           </a:p>
@@ -7479,8 +7482,47 @@
                 <a:ea typeface="+mn-ea"/>
                 <a:cs typeface="+mn-cs"/>
               </a:rPr>
-              <a:t>Test Case Example</a:t>
-            </a:r>
+              <a:t>Test Case </a:t>
+            </a:r>
+            <a:r>
+              <a:rPr lang="en-US" sz="3500" dirty="0" smtClean="0">
+                <a:solidFill>
+                  <a:schemeClr val="tx1">
+                    <a:lumMod val="65000"/>
+                    <a:lumOff val="35000"/>
+                  </a:schemeClr>
+                </a:solidFill>
+                <a:effectLst>
+                  <a:outerShdw blurRad="38100" dist="38100" dir="2700000" algn="tl">
+                    <a:srgbClr val="000000">
+                      <a:alpha val="43137"/>
+                    </a:srgbClr>
+                  </a:outerShdw>
+                </a:effectLst>
+                <a:latin typeface="+mn-lt"/>
+                <a:ea typeface="+mn-ea"/>
+                <a:cs typeface="+mn-cs"/>
+              </a:rPr>
+              <a:t>Example 1</a:t>
+            </a:r>
+            <a:endParaRPr lang="en-US" sz="3500" dirty="0">
+              <a:solidFill>
+                <a:schemeClr val="tx1">
+                  <a:lumMod val="65000"/>
+                  <a:lumOff val="35000"/>
+                </a:schemeClr>
+              </a:solidFill>
+              <a:effectLst>
+                <a:outerShdw blurRad="38100" dist="38100" dir="2700000" algn="tl">
+                  <a:srgbClr val="000000">
+                    <a:alpha val="43137"/>
+                  </a:srgbClr>
+                </a:outerShdw>
+              </a:effectLst>
+              <a:latin typeface="+mn-lt"/>
+              <a:ea typeface="+mn-ea"/>
+              <a:cs typeface="+mn-cs"/>
+            </a:endParaRPr>
           </a:p>
         </p:txBody>
       </p:sp>
@@ -8383,7 +8425,7 @@
         <p:spPr>
           <a:xfrm>
             <a:off x="457200" y="381000"/>
-            <a:ext cx="3502754" cy="630942"/>
+            <a:ext cx="3831370" cy="630942"/>
           </a:xfrm>
           <a:prstGeom prst="rect">
             <a:avLst/>
@@ -8430,7 +8472,7 @@
                   </a:outerShdw>
                 </a:effectLst>
               </a:rPr>
-              <a:t>Example</a:t>
+              <a:t>Example 1</a:t>
             </a:r>
             <a:endParaRPr lang="en-US" sz="3500" dirty="0">
               <a:solidFill>
@@ -9113,7 +9155,7 @@
         <p:spPr>
           <a:xfrm>
             <a:off x="457200" y="381000"/>
-            <a:ext cx="3502754" cy="630942"/>
+            <a:ext cx="3831370" cy="630942"/>
           </a:xfrm>
           <a:prstGeom prst="rect">
             <a:avLst/>
@@ -9160,7 +9202,7 @@
                   </a:outerShdw>
                 </a:effectLst>
               </a:rPr>
-              <a:t>Example</a:t>
+              <a:t>Example 1</a:t>
             </a:r>
             <a:endParaRPr lang="en-US" sz="3500" dirty="0">
               <a:solidFill>
@@ -9690,7 +9732,7 @@
         <p:spPr>
           <a:xfrm>
             <a:off x="457200" y="304800"/>
-            <a:ext cx="3364896" cy="630942"/>
+            <a:ext cx="3693512" cy="630942"/>
           </a:xfrm>
           <a:prstGeom prst="rect">
             <a:avLst/>
@@ -9704,7 +9746,7 @@
           <a:lstStyle/>
           <a:p>
             <a:r>
-              <a:rPr lang="en-US" sz="3500">
+              <a:rPr lang="en-US" sz="3500" dirty="0">
                 <a:solidFill>
                   <a:schemeClr val="tx1">
                     <a:lumMod val="65000"/>
@@ -9722,7 +9764,7 @@
               <a:t>Test </a:t>
             </a:r>
             <a:r>
-              <a:rPr lang="en-US" sz="3500" smtClean="0">
+              <a:rPr lang="en-US" sz="3500" dirty="0" smtClean="0">
                 <a:solidFill>
                   <a:schemeClr val="tx1">
                     <a:lumMod val="65000"/>
@@ -9737,7 +9779,25 @@
                   </a:outerShdw>
                 </a:effectLst>
               </a:rPr>
-              <a:t>Run Example</a:t>
+              <a:t>Run </a:t>
+            </a:r>
+            <a:r>
+              <a:rPr lang="en-US" sz="3500" dirty="0" smtClean="0">
+                <a:solidFill>
+                  <a:schemeClr val="tx1">
+                    <a:lumMod val="65000"/>
+                    <a:lumOff val="35000"/>
+                  </a:schemeClr>
+                </a:solidFill>
+                <a:effectLst>
+                  <a:outerShdw blurRad="38100" dist="38100" dir="2700000" algn="tl">
+                    <a:srgbClr val="000000">
+                      <a:alpha val="43137"/>
+                    </a:srgbClr>
+                  </a:outerShdw>
+                </a:effectLst>
+              </a:rPr>
+              <a:t>Example 1</a:t>
             </a:r>
             <a:endParaRPr lang="en-US" sz="3500" dirty="0">
               <a:solidFill>
@@ -10765,7 +10825,7 @@
         <p:spPr>
           <a:xfrm>
             <a:off x="1088854" y="1060629"/>
-            <a:ext cx="833177" cy="338554"/>
+            <a:ext cx="1380121" cy="338554"/>
           </a:xfrm>
           <a:prstGeom prst="rect">
             <a:avLst/>
@@ -10788,7 +10848,7 @@
             </a:r>
             <a:r>
               <a:rPr lang="en-US" sz="1600" dirty="0" err="1" smtClean="0"/>
-              <a:t>jkad</a:t>
+              <a:t>UserName</a:t>
             </a:r>
             <a:endParaRPr lang="en-US" sz="1600" dirty="0"/>
           </a:p>
@@ -11793,15 +11853,8 @@
                         <a:t>Designer: </a:t>
                       </a:r>
                       <a:r>
-                        <a:rPr lang="en-US" sz="1600" b="0" kern="1200" dirty="0" err="1" smtClean="0">
-                          <a:solidFill>
-                            <a:schemeClr val="dk1"/>
-                          </a:solidFill>
-                          <a:latin typeface="+mn-lt"/>
-                          <a:ea typeface="+mn-ea"/>
-                          <a:cs typeface="+mn-cs"/>
-                        </a:rPr>
-                        <a:t>jkad</a:t>
+                        <a:rPr lang="en-US" sz="1600" dirty="0" err="1" smtClean="0"/>
+                        <a:t>UserName</a:t>
                       </a:r>
                       <a:endParaRPr lang="en-US" sz="1600" b="0" kern="1200" dirty="0" smtClean="0">
                         <a:solidFill>
@@ -16462,7 +16515,7 @@
         <p:spPr>
           <a:xfrm>
             <a:off x="457200" y="1233099"/>
-            <a:ext cx="6565777" cy="3970318"/>
+            <a:ext cx="6565777" cy="4708981"/>
           </a:xfrm>
           <a:prstGeom prst="rect">
             <a:avLst/>
@@ -16478,7 +16531,7 @@
               <a:buAutoNum type="arabicPeriod"/>
             </a:pPr>
             <a:r>
-              <a:rPr lang="en-US" dirty="0"/>
+              <a:rPr lang="en-US" sz="2000" dirty="0"/>
               <a:t>What main Artifacts of testing do you know?</a:t>
             </a:r>
           </a:p>
@@ -16487,7 +16540,7 @@
               <a:buAutoNum type="arabicPeriod"/>
             </a:pPr>
             <a:r>
-              <a:rPr lang="en-US" dirty="0"/>
+              <a:rPr lang="en-US" sz="2000" dirty="0"/>
               <a:t>Give definitions of the following concepts: Test Case, Test Set, Test Plan.</a:t>
             </a:r>
           </a:p>
@@ -16497,15 +16550,15 @@
               <a:buAutoNum type="arabicPeriod"/>
             </a:pPr>
             <a:r>
-              <a:rPr lang="en-US" dirty="0" smtClean="0"/>
+              <a:rPr lang="en-US" sz="2000" dirty="0" smtClean="0"/>
               <a:t>What </a:t>
             </a:r>
             <a:r>
-              <a:rPr lang="en-US" dirty="0"/>
+              <a:rPr lang="en-US" sz="2000" dirty="0"/>
               <a:t>the main items does Test Plan contain</a:t>
             </a:r>
             <a:r>
-              <a:rPr lang="en-US" dirty="0" smtClean="0"/>
+              <a:rPr lang="en-US" sz="2000" dirty="0" smtClean="0"/>
               <a:t>?</a:t>
             </a:r>
           </a:p>
@@ -16515,7 +16568,7 @@
               <a:buAutoNum type="arabicPeriod"/>
             </a:pPr>
             <a:r>
-              <a:rPr lang="en-US" dirty="0" smtClean="0"/>
+              <a:rPr lang="en-US" sz="2000" dirty="0" smtClean="0"/>
               <a:t>What should be done before writing of Test Cases.</a:t>
             </a:r>
           </a:p>
@@ -16525,7 +16578,7 @@
               <a:buAutoNum type="arabicPeriod"/>
             </a:pPr>
             <a:r>
-              <a:rPr lang="en-US" dirty="0" smtClean="0"/>
+              <a:rPr lang="en-US" sz="2000" dirty="0" smtClean="0"/>
               <a:t>Name Test Case attributes.</a:t>
             </a:r>
           </a:p>
@@ -16535,7 +16588,7 @@
               <a:buAutoNum type="arabicPeriod"/>
             </a:pPr>
             <a:r>
-              <a:rPr lang="en-US" dirty="0" smtClean="0"/>
+              <a:rPr lang="en-US" sz="2000" dirty="0" smtClean="0"/>
               <a:t>What are the main mistakes on writing Test Cases?</a:t>
             </a:r>
           </a:p>
@@ -16545,7 +16598,7 @@
               <a:buAutoNum type="arabicPeriod"/>
             </a:pPr>
             <a:r>
-              <a:rPr lang="en-US" dirty="0" smtClean="0"/>
+              <a:rPr lang="en-US" sz="2000" dirty="0" smtClean="0"/>
               <a:t>What is Run of the Test Case? What statuses on running Test Cases do you know?</a:t>
             </a:r>
           </a:p>
@@ -16555,17 +16608,17 @@
               <a:buAutoNum type="arabicPeriod"/>
             </a:pPr>
             <a:r>
-              <a:rPr lang="en-US" dirty="0" smtClean="0"/>
+              <a:rPr lang="en-US" sz="2000" dirty="0" smtClean="0"/>
               <a:t>What is the reason of creating a new revision for Test Case?</a:t>
             </a:r>
-            <a:endParaRPr lang="en-US" dirty="0"/>
+            <a:endParaRPr lang="en-US" sz="2000" dirty="0"/>
           </a:p>
           <a:p>
             <a:pPr marL="342900" indent="-342900">
               <a:buAutoNum type="arabicPeriod"/>
             </a:pPr>
             <a:r>
-              <a:rPr lang="en-US" dirty="0" smtClean="0"/>
+              <a:rPr lang="en-US" sz="2000" dirty="0" smtClean="0"/>
               <a:t>What documents are needed after testing is complete?</a:t>
             </a:r>
           </a:p>
@@ -16574,7 +16627,7 @@
               <a:buAutoNum type="arabicPeriod"/>
             </a:pPr>
             <a:r>
-              <a:rPr lang="en-US" dirty="0" smtClean="0"/>
+              <a:rPr lang="en-US" sz="2000" dirty="0" smtClean="0"/>
               <a:t>What is Test Case Management Tool?</a:t>
             </a:r>
           </a:p>
@@ -16583,7 +16636,7 @@
               <a:buAutoNum type="arabicPeriod"/>
             </a:pPr>
             <a:r>
-              <a:rPr lang="en-US" dirty="0" smtClean="0"/>
+              <a:rPr lang="en-US" sz="2000" dirty="0" smtClean="0"/>
               <a:t>What the main features of Test Case Management Tools? </a:t>
             </a:r>
           </a:p>
@@ -16591,7 +16644,7 @@
             <a:pPr marL="342900" indent="-342900">
               <a:buAutoNum type="arabicPeriod"/>
             </a:pPr>
-            <a:endParaRPr lang="en-US" dirty="0"/>
+            <a:endParaRPr lang="en-US" sz="2000" dirty="0"/>
           </a:p>
         </p:txBody>
       </p:sp>
@@ -26609,7 +26662,7 @@
   <a:extraClrSchemeLst/>
   <a:extLst>
     <a:ext uri="{05A4C25C-085E-4340-85A3-A5531E510DB2}">
-      <thm15:themeFamily xmlns:thm15="http://schemas.microsoft.com/office/thememl/2012/main" xmlns="" name="Office Theme" id="{62F939B6-93AF-4DB8-9C6B-D6C7DFDC589F}" vid="{4A3C46E8-61CC-4603-A589-7422A47A8E4A}"/>
+      <thm15:themeFamily xmlns:thm15="http://schemas.microsoft.com/office/thememl/2012/main" name="Office Theme" id="{62F939B6-93AF-4DB8-9C6B-D6C7DFDC589F}" vid="{4A3C46E8-61CC-4603-A589-7422A47A8E4A}"/>
     </a:ext>
   </a:extLst>
 </a:theme>

--- a/5.Test Cases/Artifacts of testing.pptx
+++ b/5.Test Cases/Artifacts of testing.pptx
@@ -25,10 +25,10 @@
     <p:sldId id="278" r:id="rId16"/>
     <p:sldId id="280" r:id="rId17"/>
     <p:sldId id="288" r:id="rId18"/>
-    <p:sldId id="325" r:id="rId19"/>
-    <p:sldId id="326" r:id="rId20"/>
-    <p:sldId id="327" r:id="rId21"/>
-    <p:sldId id="328" r:id="rId22"/>
+    <p:sldId id="326" r:id="rId19"/>
+    <p:sldId id="327" r:id="rId20"/>
+    <p:sldId id="328" r:id="rId21"/>
+    <p:sldId id="325" r:id="rId22"/>
     <p:sldId id="321" r:id="rId23"/>
     <p:sldId id="312" r:id="rId24"/>
     <p:sldId id="324" r:id="rId25"/>
@@ -236,7 +236,7 @@
           <a:p>
             <a:fld id="{0849F342-5BFF-4C37-8A66-D5D0921B0636}" type="datetimeFigureOut">
               <a:rPr lang="ru-RU" smtClean="0"/>
-              <a:t>22.03.2013</a:t>
+              <a:t>01.04.2013</a:t>
             </a:fld>
             <a:endParaRPr lang="ru-RU"/>
           </a:p>
@@ -501,7 +501,7 @@
             <a:fld id="{1D8BD707-D9CF-40AE-B4C6-C98DA3205C09}" type="datetimeFigureOut">
               <a:rPr lang="en-US" smtClean="0"/>
               <a:pPr/>
-              <a:t>3/22/2013</a:t>
+              <a:t>4/1/2013</a:t>
             </a:fld>
             <a:endParaRPr lang="en-US"/>
           </a:p>
@@ -668,7 +668,7 @@
             <a:fld id="{1D8BD707-D9CF-40AE-B4C6-C98DA3205C09}" type="datetimeFigureOut">
               <a:rPr lang="en-US" smtClean="0"/>
               <a:pPr/>
-              <a:t>3/22/2013</a:t>
+              <a:t>4/1/2013</a:t>
             </a:fld>
             <a:endParaRPr lang="en-US"/>
           </a:p>
@@ -845,7 +845,7 @@
             <a:fld id="{1D8BD707-D9CF-40AE-B4C6-C98DA3205C09}" type="datetimeFigureOut">
               <a:rPr lang="en-US" smtClean="0"/>
               <a:pPr/>
-              <a:t>3/22/2013</a:t>
+              <a:t>4/1/2013</a:t>
             </a:fld>
             <a:endParaRPr lang="en-US"/>
           </a:p>
@@ -1012,7 +1012,7 @@
             <a:fld id="{1D8BD707-D9CF-40AE-B4C6-C98DA3205C09}" type="datetimeFigureOut">
               <a:rPr lang="en-US" smtClean="0"/>
               <a:pPr/>
-              <a:t>3/22/2013</a:t>
+              <a:t>4/1/2013</a:t>
             </a:fld>
             <a:endParaRPr lang="en-US"/>
           </a:p>
@@ -1255,7 +1255,7 @@
             <a:fld id="{1D8BD707-D9CF-40AE-B4C6-C98DA3205C09}" type="datetimeFigureOut">
               <a:rPr lang="en-US" smtClean="0"/>
               <a:pPr/>
-              <a:t>3/22/2013</a:t>
+              <a:t>4/1/2013</a:t>
             </a:fld>
             <a:endParaRPr lang="en-US"/>
           </a:p>
@@ -1540,7 +1540,7 @@
             <a:fld id="{1D8BD707-D9CF-40AE-B4C6-C98DA3205C09}" type="datetimeFigureOut">
               <a:rPr lang="en-US" smtClean="0"/>
               <a:pPr/>
-              <a:t>3/22/2013</a:t>
+              <a:t>4/1/2013</a:t>
             </a:fld>
             <a:endParaRPr lang="en-US"/>
           </a:p>
@@ -1959,7 +1959,7 @@
             <a:fld id="{1D8BD707-D9CF-40AE-B4C6-C98DA3205C09}" type="datetimeFigureOut">
               <a:rPr lang="en-US" smtClean="0"/>
               <a:pPr/>
-              <a:t>3/22/2013</a:t>
+              <a:t>4/1/2013</a:t>
             </a:fld>
             <a:endParaRPr lang="en-US"/>
           </a:p>
@@ -2074,7 +2074,7 @@
             <a:fld id="{1D8BD707-D9CF-40AE-B4C6-C98DA3205C09}" type="datetimeFigureOut">
               <a:rPr lang="en-US" smtClean="0"/>
               <a:pPr/>
-              <a:t>3/22/2013</a:t>
+              <a:t>4/1/2013</a:t>
             </a:fld>
             <a:endParaRPr lang="en-US"/>
           </a:p>
@@ -2166,7 +2166,7 @@
             <a:fld id="{1D8BD707-D9CF-40AE-B4C6-C98DA3205C09}" type="datetimeFigureOut">
               <a:rPr lang="en-US" smtClean="0"/>
               <a:pPr/>
-              <a:t>3/22/2013</a:t>
+              <a:t>4/1/2013</a:t>
             </a:fld>
             <a:endParaRPr lang="en-US"/>
           </a:p>
@@ -2440,7 +2440,7 @@
             <a:fld id="{1D8BD707-D9CF-40AE-B4C6-C98DA3205C09}" type="datetimeFigureOut">
               <a:rPr lang="en-US" smtClean="0"/>
               <a:pPr/>
-              <a:t>3/22/2013</a:t>
+              <a:t>4/1/2013</a:t>
             </a:fld>
             <a:endParaRPr lang="en-US"/>
           </a:p>
@@ -2690,7 +2690,7 @@
             <a:fld id="{1D8BD707-D9CF-40AE-B4C6-C98DA3205C09}" type="datetimeFigureOut">
               <a:rPr lang="en-US" smtClean="0"/>
               <a:pPr/>
-              <a:t>3/22/2013</a:t>
+              <a:t>4/1/2013</a:t>
             </a:fld>
             <a:endParaRPr lang="en-US"/>
           </a:p>
@@ -2909,7 +2909,7 @@
             <a:fld id="{1D8BD707-D9CF-40AE-B4C6-C98DA3205C09}" type="datetimeFigureOut">
               <a:rPr lang="en-US" smtClean="0"/>
               <a:pPr/>
-              <a:t>3/22/2013</a:t>
+              <a:t>4/1/2013</a:t>
             </a:fld>
             <a:endParaRPr lang="en-US"/>
           </a:p>
@@ -9779,25 +9779,7 @@
                   </a:outerShdw>
                 </a:effectLst>
               </a:rPr>
-              <a:t>Run </a:t>
-            </a:r>
-            <a:r>
-              <a:rPr lang="en-US" sz="3500" dirty="0" smtClean="0">
-                <a:solidFill>
-                  <a:schemeClr val="tx1">
-                    <a:lumMod val="65000"/>
-                    <a:lumOff val="35000"/>
-                  </a:schemeClr>
-                </a:solidFill>
-                <a:effectLst>
-                  <a:outerShdw blurRad="38100" dist="38100" dir="2700000" algn="tl">
-                    <a:srgbClr val="000000">
-                      <a:alpha val="43137"/>
-                    </a:srgbClr>
-                  </a:outerShdw>
-                </a:effectLst>
-              </a:rPr>
-              <a:t>Example 1</a:t>
+              <a:t>Run Example 1</a:t>
             </a:r>
             <a:endParaRPr lang="en-US" sz="3500" dirty="0">
               <a:solidFill>
@@ -10531,909 +10513,6 @@
         </p:nvSpPr>
         <p:spPr>
           <a:xfrm>
-            <a:off x="381000" y="284697"/>
-            <a:ext cx="4617674" cy="523220"/>
-          </a:xfrm>
-          <a:prstGeom prst="rect">
-            <a:avLst/>
-          </a:prstGeom>
-          <a:noFill/>
-        </p:spPr>
-        <p:txBody>
-          <a:bodyPr wrap="none" rtlCol="0">
-            <a:spAutoFit/>
-          </a:bodyPr>
-          <a:lstStyle/>
-          <a:p>
-            <a:r>
-              <a:rPr lang="en-US" sz="2800" dirty="0" smtClean="0">
-                <a:solidFill>
-                  <a:schemeClr val="tx1">
-                    <a:lumMod val="65000"/>
-                    <a:lumOff val="35000"/>
-                  </a:schemeClr>
-                </a:solidFill>
-                <a:effectLst>
-                  <a:outerShdw blurRad="38100" dist="38100" dir="2700000" algn="tl">
-                    <a:srgbClr val="000000">
-                      <a:alpha val="43137"/>
-                    </a:srgbClr>
-                  </a:outerShdw>
-                </a:effectLst>
-              </a:rPr>
-              <a:t>Example 2 - Defect description</a:t>
-            </a:r>
-            <a:endParaRPr lang="en-US" sz="2800" dirty="0">
-              <a:solidFill>
-                <a:schemeClr val="tx1">
-                  <a:lumMod val="65000"/>
-                  <a:lumOff val="35000"/>
-                </a:schemeClr>
-              </a:solidFill>
-              <a:effectLst>
-                <a:outerShdw blurRad="38100" dist="38100" dir="2700000" algn="tl">
-                  <a:srgbClr val="000000">
-                    <a:alpha val="43137"/>
-                  </a:srgbClr>
-                </a:outerShdw>
-              </a:effectLst>
-            </a:endParaRPr>
-          </a:p>
-        </p:txBody>
-      </p:sp>
-      <p:cxnSp>
-        <p:nvCxnSpPr>
-          <p:cNvPr id="12" name="Straight Connector 11"/>
-          <p:cNvCxnSpPr/>
-          <p:nvPr/>
-        </p:nvCxnSpPr>
-        <p:spPr>
-          <a:xfrm flipH="1">
-            <a:off x="2667000" y="855626"/>
-            <a:ext cx="4948136" cy="0"/>
-          </a:xfrm>
-          <a:prstGeom prst="line">
-            <a:avLst/>
-          </a:prstGeom>
-          <a:ln w="19050">
-            <a:solidFill>
-              <a:schemeClr val="accent4">
-                <a:lumMod val="60000"/>
-                <a:lumOff val="40000"/>
-              </a:schemeClr>
-            </a:solidFill>
-          </a:ln>
-        </p:spPr>
-        <p:style>
-          <a:lnRef idx="1">
-            <a:schemeClr val="accent2"/>
-          </a:lnRef>
-          <a:fillRef idx="0">
-            <a:schemeClr val="accent2"/>
-          </a:fillRef>
-          <a:effectRef idx="0">
-            <a:schemeClr val="accent2"/>
-          </a:effectRef>
-          <a:fontRef idx="minor">
-            <a:schemeClr val="tx1"/>
-          </a:fontRef>
-        </p:style>
-      </p:cxnSp>
-      <p:grpSp>
-        <p:nvGrpSpPr>
-          <p:cNvPr id="34" name="Group 33"/>
-          <p:cNvGrpSpPr/>
-          <p:nvPr/>
-        </p:nvGrpSpPr>
-        <p:grpSpPr>
-          <a:xfrm>
-            <a:off x="833336" y="855626"/>
-            <a:ext cx="6781800" cy="574335"/>
-            <a:chOff x="914400" y="1295400"/>
-            <a:chExt cx="6781800" cy="685800"/>
-          </a:xfrm>
-        </p:grpSpPr>
-        <p:cxnSp>
-          <p:nvCxnSpPr>
-            <p:cNvPr id="6" name="Straight Connector 5"/>
-            <p:cNvCxnSpPr/>
-            <p:nvPr/>
-          </p:nvCxnSpPr>
-          <p:spPr>
-            <a:xfrm>
-              <a:off x="914400" y="1295400"/>
-              <a:ext cx="0" cy="685800"/>
-            </a:xfrm>
-            <a:prstGeom prst="line">
-              <a:avLst/>
-            </a:prstGeom>
-            <a:ln w="19050">
-              <a:solidFill>
-                <a:schemeClr val="accent4">
-                  <a:lumMod val="60000"/>
-                  <a:lumOff val="40000"/>
-                </a:schemeClr>
-              </a:solidFill>
-            </a:ln>
-          </p:spPr>
-          <p:style>
-            <a:lnRef idx="1">
-              <a:schemeClr val="accent2"/>
-            </a:lnRef>
-            <a:fillRef idx="0">
-              <a:schemeClr val="accent2"/>
-            </a:fillRef>
-            <a:effectRef idx="0">
-              <a:schemeClr val="accent2"/>
-            </a:effectRef>
-            <a:fontRef idx="minor">
-              <a:schemeClr val="tx1"/>
-            </a:fontRef>
-          </p:style>
-        </p:cxnSp>
-        <p:cxnSp>
-          <p:nvCxnSpPr>
-            <p:cNvPr id="8" name="Straight Connector 7"/>
-            <p:cNvCxnSpPr/>
-            <p:nvPr/>
-          </p:nvCxnSpPr>
-          <p:spPr>
-            <a:xfrm>
-              <a:off x="914400" y="1981200"/>
-              <a:ext cx="6781800" cy="0"/>
-            </a:xfrm>
-            <a:prstGeom prst="line">
-              <a:avLst/>
-            </a:prstGeom>
-            <a:ln w="19050">
-              <a:solidFill>
-                <a:schemeClr val="accent4">
-                  <a:lumMod val="60000"/>
-                  <a:lumOff val="40000"/>
-                </a:schemeClr>
-              </a:solidFill>
-            </a:ln>
-          </p:spPr>
-          <p:style>
-            <a:lnRef idx="1">
-              <a:schemeClr val="accent2"/>
-            </a:lnRef>
-            <a:fillRef idx="0">
-              <a:schemeClr val="accent2"/>
-            </a:fillRef>
-            <a:effectRef idx="0">
-              <a:schemeClr val="accent2"/>
-            </a:effectRef>
-            <a:fontRef idx="minor">
-              <a:schemeClr val="tx1"/>
-            </a:fontRef>
-          </p:style>
-        </p:cxnSp>
-        <p:cxnSp>
-          <p:nvCxnSpPr>
-            <p:cNvPr id="10" name="Straight Connector 9"/>
-            <p:cNvCxnSpPr/>
-            <p:nvPr/>
-          </p:nvCxnSpPr>
-          <p:spPr>
-            <a:xfrm flipV="1">
-              <a:off x="7696200" y="1295400"/>
-              <a:ext cx="0" cy="685800"/>
-            </a:xfrm>
-            <a:prstGeom prst="line">
-              <a:avLst/>
-            </a:prstGeom>
-            <a:ln w="19050">
-              <a:solidFill>
-                <a:schemeClr val="accent4">
-                  <a:lumMod val="60000"/>
-                  <a:lumOff val="40000"/>
-                </a:schemeClr>
-              </a:solidFill>
-            </a:ln>
-          </p:spPr>
-          <p:style>
-            <a:lnRef idx="1">
-              <a:schemeClr val="accent2"/>
-            </a:lnRef>
-            <a:fillRef idx="0">
-              <a:schemeClr val="accent2"/>
-            </a:fillRef>
-            <a:effectRef idx="0">
-              <a:schemeClr val="accent2"/>
-            </a:effectRef>
-            <a:fontRef idx="minor">
-              <a:schemeClr val="tx1"/>
-            </a:fontRef>
-          </p:style>
-        </p:cxnSp>
-        <p:cxnSp>
-          <p:nvCxnSpPr>
-            <p:cNvPr id="33" name="Straight Connector 32"/>
-            <p:cNvCxnSpPr/>
-            <p:nvPr/>
-          </p:nvCxnSpPr>
-          <p:spPr>
-            <a:xfrm>
-              <a:off x="914400" y="1295400"/>
-              <a:ext cx="174454" cy="0"/>
-            </a:xfrm>
-            <a:prstGeom prst="line">
-              <a:avLst/>
-            </a:prstGeom>
-            <a:ln w="19050">
-              <a:solidFill>
-                <a:schemeClr val="accent4">
-                  <a:lumMod val="60000"/>
-                  <a:lumOff val="40000"/>
-                </a:schemeClr>
-              </a:solidFill>
-            </a:ln>
-          </p:spPr>
-          <p:style>
-            <a:lnRef idx="1">
-              <a:schemeClr val="accent2"/>
-            </a:lnRef>
-            <a:fillRef idx="0">
-              <a:schemeClr val="accent2"/>
-            </a:fillRef>
-            <a:effectRef idx="0">
-              <a:schemeClr val="accent2"/>
-            </a:effectRef>
-            <a:fontRef idx="minor">
-              <a:schemeClr val="tx1"/>
-            </a:fontRef>
-          </p:style>
-        </p:cxnSp>
-      </p:grpSp>
-      <p:sp>
-        <p:nvSpPr>
-          <p:cNvPr id="35" name="TextBox 34"/>
-          <p:cNvSpPr txBox="1"/>
-          <p:nvPr/>
-        </p:nvSpPr>
-        <p:spPr>
-          <a:xfrm>
-            <a:off x="1036084" y="685800"/>
-            <a:ext cx="1398075" cy="338554"/>
-          </a:xfrm>
-          <a:prstGeom prst="rect">
-            <a:avLst/>
-          </a:prstGeom>
-          <a:noFill/>
-        </p:spPr>
-        <p:txBody>
-          <a:bodyPr wrap="none" rtlCol="0">
-            <a:spAutoFit/>
-          </a:bodyPr>
-          <a:lstStyle/>
-          <a:p>
-            <a:r>
-              <a:rPr lang="en-US" sz="1600" b="1" dirty="0" smtClean="0"/>
-              <a:t>Detection Info</a:t>
-            </a:r>
-            <a:endParaRPr lang="en-US" sz="1600" b="1" dirty="0"/>
-          </a:p>
-        </p:txBody>
-      </p:sp>
-      <p:sp>
-        <p:nvSpPr>
-          <p:cNvPr id="39" name="TextBox 38"/>
-          <p:cNvSpPr txBox="1"/>
-          <p:nvPr/>
-        </p:nvSpPr>
-        <p:spPr>
-          <a:xfrm>
-            <a:off x="1088854" y="1060629"/>
-            <a:ext cx="1380121" cy="338554"/>
-          </a:xfrm>
-          <a:prstGeom prst="rect">
-            <a:avLst/>
-          </a:prstGeom>
-          <a:noFill/>
-        </p:spPr>
-        <p:txBody>
-          <a:bodyPr wrap="none" rtlCol="0">
-            <a:spAutoFit/>
-          </a:bodyPr>
-          <a:lstStyle/>
-          <a:p>
-            <a:r>
-              <a:rPr lang="en-US" sz="1600" b="1" dirty="0" smtClean="0"/>
-              <a:t>By</a:t>
-            </a:r>
-            <a:r>
-              <a:rPr lang="en-US" sz="1600" dirty="0" smtClean="0"/>
-              <a:t>: </a:t>
-            </a:r>
-            <a:r>
-              <a:rPr lang="en-US" sz="1600" dirty="0" err="1" smtClean="0"/>
-              <a:t>UserName</a:t>
-            </a:r>
-            <a:endParaRPr lang="en-US" sz="1600" dirty="0"/>
-          </a:p>
-        </p:txBody>
-      </p:sp>
-      <p:sp>
-        <p:nvSpPr>
-          <p:cNvPr id="60" name="TextBox 59"/>
-          <p:cNvSpPr txBox="1"/>
-          <p:nvPr/>
-        </p:nvSpPr>
-        <p:spPr>
-          <a:xfrm>
-            <a:off x="3321810" y="1037459"/>
-            <a:ext cx="1415772" cy="338554"/>
-          </a:xfrm>
-          <a:prstGeom prst="rect">
-            <a:avLst/>
-          </a:prstGeom>
-          <a:noFill/>
-        </p:spPr>
-        <p:txBody>
-          <a:bodyPr wrap="none" rtlCol="0">
-            <a:spAutoFit/>
-          </a:bodyPr>
-          <a:lstStyle/>
-          <a:p>
-            <a:r>
-              <a:rPr lang="en-US" sz="1600" b="1" dirty="0" smtClean="0"/>
-              <a:t>On</a:t>
-            </a:r>
-            <a:r>
-              <a:rPr lang="en-US" sz="1600" dirty="0" smtClean="0"/>
-              <a:t>: 1/10/2011</a:t>
-            </a:r>
-            <a:endParaRPr lang="en-US" sz="1600" dirty="0"/>
-          </a:p>
-        </p:txBody>
-      </p:sp>
-      <p:sp>
-        <p:nvSpPr>
-          <p:cNvPr id="61" name="TextBox 60"/>
-          <p:cNvSpPr txBox="1"/>
-          <p:nvPr/>
-        </p:nvSpPr>
-        <p:spPr>
-          <a:xfrm>
-            <a:off x="5562600" y="1055132"/>
-            <a:ext cx="1649619" cy="338554"/>
-          </a:xfrm>
-          <a:prstGeom prst="rect">
-            <a:avLst/>
-          </a:prstGeom>
-          <a:noFill/>
-        </p:spPr>
-        <p:txBody>
-          <a:bodyPr wrap="none" rtlCol="0">
-            <a:spAutoFit/>
-          </a:bodyPr>
-          <a:lstStyle/>
-          <a:p>
-            <a:r>
-              <a:rPr lang="en-US" sz="1600" b="1" dirty="0" smtClean="0"/>
-              <a:t>Version</a:t>
-            </a:r>
-            <a:r>
-              <a:rPr lang="en-US" sz="1600" dirty="0" smtClean="0"/>
-              <a:t>: 1.1.8.2.1</a:t>
-            </a:r>
-            <a:endParaRPr lang="en-US" sz="1600" dirty="0"/>
-          </a:p>
-        </p:txBody>
-      </p:sp>
-      <p:grpSp>
-        <p:nvGrpSpPr>
-          <p:cNvPr id="41" name="Group 40"/>
-          <p:cNvGrpSpPr/>
-          <p:nvPr/>
-        </p:nvGrpSpPr>
-        <p:grpSpPr>
-          <a:xfrm>
-            <a:off x="833336" y="1523999"/>
-            <a:ext cx="6781800" cy="4648201"/>
-            <a:chOff x="838200" y="2273142"/>
-            <a:chExt cx="6781800" cy="1079658"/>
-          </a:xfrm>
-        </p:grpSpPr>
-        <p:cxnSp>
-          <p:nvCxnSpPr>
-            <p:cNvPr id="64" name="Straight Connector 63"/>
-            <p:cNvCxnSpPr/>
-            <p:nvPr/>
-          </p:nvCxnSpPr>
-          <p:spPr>
-            <a:xfrm>
-              <a:off x="838200" y="2273142"/>
-              <a:ext cx="0" cy="1079658"/>
-            </a:xfrm>
-            <a:prstGeom prst="line">
-              <a:avLst/>
-            </a:prstGeom>
-            <a:ln w="19050">
-              <a:solidFill>
-                <a:schemeClr val="accent4">
-                  <a:lumMod val="60000"/>
-                  <a:lumOff val="40000"/>
-                </a:schemeClr>
-              </a:solidFill>
-            </a:ln>
-          </p:spPr>
-          <p:style>
-            <a:lnRef idx="1">
-              <a:schemeClr val="accent2"/>
-            </a:lnRef>
-            <a:fillRef idx="0">
-              <a:schemeClr val="accent2"/>
-            </a:fillRef>
-            <a:effectRef idx="0">
-              <a:schemeClr val="accent2"/>
-            </a:effectRef>
-            <a:fontRef idx="minor">
-              <a:schemeClr val="tx1"/>
-            </a:fontRef>
-          </p:style>
-        </p:cxnSp>
-        <p:cxnSp>
-          <p:nvCxnSpPr>
-            <p:cNvPr id="65" name="Straight Connector 64"/>
-            <p:cNvCxnSpPr/>
-            <p:nvPr/>
-          </p:nvCxnSpPr>
-          <p:spPr>
-            <a:xfrm>
-              <a:off x="838200" y="3352800"/>
-              <a:ext cx="6781800" cy="0"/>
-            </a:xfrm>
-            <a:prstGeom prst="line">
-              <a:avLst/>
-            </a:prstGeom>
-            <a:ln w="19050">
-              <a:solidFill>
-                <a:schemeClr val="accent4">
-                  <a:lumMod val="60000"/>
-                  <a:lumOff val="40000"/>
-                </a:schemeClr>
-              </a:solidFill>
-            </a:ln>
-          </p:spPr>
-          <p:style>
-            <a:lnRef idx="1">
-              <a:schemeClr val="accent2"/>
-            </a:lnRef>
-            <a:fillRef idx="0">
-              <a:schemeClr val="accent2"/>
-            </a:fillRef>
-            <a:effectRef idx="0">
-              <a:schemeClr val="accent2"/>
-            </a:effectRef>
-            <a:fontRef idx="minor">
-              <a:schemeClr val="tx1"/>
-            </a:fontRef>
-          </p:style>
-        </p:cxnSp>
-        <p:cxnSp>
-          <p:nvCxnSpPr>
-            <p:cNvPr id="66" name="Straight Connector 65"/>
-            <p:cNvCxnSpPr/>
-            <p:nvPr/>
-          </p:nvCxnSpPr>
-          <p:spPr>
-            <a:xfrm flipV="1">
-              <a:off x="7620000" y="2273142"/>
-              <a:ext cx="0" cy="1079658"/>
-            </a:xfrm>
-            <a:prstGeom prst="line">
-              <a:avLst/>
-            </a:prstGeom>
-            <a:ln w="19050">
-              <a:solidFill>
-                <a:schemeClr val="accent4">
-                  <a:lumMod val="60000"/>
-                  <a:lumOff val="40000"/>
-                </a:schemeClr>
-              </a:solidFill>
-            </a:ln>
-          </p:spPr>
-          <p:style>
-            <a:lnRef idx="1">
-              <a:schemeClr val="accent2"/>
-            </a:lnRef>
-            <a:fillRef idx="0">
-              <a:schemeClr val="accent2"/>
-            </a:fillRef>
-            <a:effectRef idx="0">
-              <a:schemeClr val="accent2"/>
-            </a:effectRef>
-            <a:fontRef idx="minor">
-              <a:schemeClr val="tx1"/>
-            </a:fontRef>
-          </p:style>
-        </p:cxnSp>
-        <p:cxnSp>
-          <p:nvCxnSpPr>
-            <p:cNvPr id="67" name="Straight Connector 66"/>
-            <p:cNvCxnSpPr/>
-            <p:nvPr/>
-          </p:nvCxnSpPr>
-          <p:spPr>
-            <a:xfrm>
-              <a:off x="838200" y="2273142"/>
-              <a:ext cx="6781800" cy="0"/>
-            </a:xfrm>
-            <a:prstGeom prst="line">
-              <a:avLst/>
-            </a:prstGeom>
-            <a:ln w="19050">
-              <a:solidFill>
-                <a:schemeClr val="accent4">
-                  <a:lumMod val="60000"/>
-                  <a:lumOff val="40000"/>
-                </a:schemeClr>
-              </a:solidFill>
-            </a:ln>
-          </p:spPr>
-          <p:style>
-            <a:lnRef idx="1">
-              <a:schemeClr val="accent2"/>
-            </a:lnRef>
-            <a:fillRef idx="0">
-              <a:schemeClr val="accent2"/>
-            </a:fillRef>
-            <a:effectRef idx="0">
-              <a:schemeClr val="accent2"/>
-            </a:effectRef>
-            <a:fontRef idx="minor">
-              <a:schemeClr val="tx1"/>
-            </a:fontRef>
-          </p:style>
-        </p:cxnSp>
-      </p:grpSp>
-      <p:sp>
-        <p:nvSpPr>
-          <p:cNvPr id="71" name="TextBox 70"/>
-          <p:cNvSpPr txBox="1"/>
-          <p:nvPr/>
-        </p:nvSpPr>
-        <p:spPr>
-          <a:xfrm>
-            <a:off x="1007790" y="1600200"/>
-            <a:ext cx="1331134" cy="338554"/>
-          </a:xfrm>
-          <a:prstGeom prst="rect">
-            <a:avLst/>
-          </a:prstGeom>
-          <a:noFill/>
-        </p:spPr>
-        <p:txBody>
-          <a:bodyPr wrap="none" rtlCol="0">
-            <a:spAutoFit/>
-          </a:bodyPr>
-          <a:lstStyle/>
-          <a:p>
-            <a:r>
-              <a:rPr lang="en-US" sz="1600" b="1" dirty="0" smtClean="0"/>
-              <a:t>Project</a:t>
-            </a:r>
-            <a:r>
-              <a:rPr lang="en-US" sz="1600" dirty="0" smtClean="0"/>
-              <a:t>: RPTG</a:t>
-            </a:r>
-            <a:endParaRPr lang="en-US" sz="1600" dirty="0"/>
-          </a:p>
-        </p:txBody>
-      </p:sp>
-      <p:sp>
-        <p:nvSpPr>
-          <p:cNvPr id="72" name="TextBox 71"/>
-          <p:cNvSpPr txBox="1"/>
-          <p:nvPr/>
-        </p:nvSpPr>
-        <p:spPr>
-          <a:xfrm>
-            <a:off x="2582945" y="1600200"/>
-            <a:ext cx="1429366" cy="338554"/>
-          </a:xfrm>
-          <a:prstGeom prst="rect">
-            <a:avLst/>
-          </a:prstGeom>
-          <a:noFill/>
-        </p:spPr>
-        <p:txBody>
-          <a:bodyPr wrap="none" rtlCol="0">
-            <a:spAutoFit/>
-          </a:bodyPr>
-          <a:lstStyle/>
-          <a:p>
-            <a:r>
-              <a:rPr lang="en-US" sz="1600" b="1" dirty="0" smtClean="0"/>
-              <a:t>Priority</a:t>
-            </a:r>
-            <a:r>
-              <a:rPr lang="en-US" sz="1600" dirty="0" smtClean="0"/>
-              <a:t>: 1-Low</a:t>
-            </a:r>
-            <a:endParaRPr lang="en-US" sz="1600" dirty="0"/>
-          </a:p>
-        </p:txBody>
-      </p:sp>
-      <p:sp>
-        <p:nvSpPr>
-          <p:cNvPr id="73" name="TextBox 72"/>
-          <p:cNvSpPr txBox="1"/>
-          <p:nvPr/>
-        </p:nvSpPr>
-        <p:spPr>
-          <a:xfrm>
-            <a:off x="5173041" y="1639019"/>
-            <a:ext cx="1547347" cy="338554"/>
-          </a:xfrm>
-          <a:prstGeom prst="rect">
-            <a:avLst/>
-          </a:prstGeom>
-          <a:noFill/>
-        </p:spPr>
-        <p:txBody>
-          <a:bodyPr wrap="none" rtlCol="0">
-            <a:spAutoFit/>
-          </a:bodyPr>
-          <a:lstStyle/>
-          <a:p>
-            <a:r>
-              <a:rPr lang="en-US" sz="1600" b="1" dirty="0" smtClean="0"/>
-              <a:t>Severity</a:t>
-            </a:r>
-            <a:r>
-              <a:rPr lang="en-US" sz="1600" dirty="0" smtClean="0"/>
-              <a:t>: Critical</a:t>
-            </a:r>
-            <a:endParaRPr lang="en-US" sz="1600" dirty="0"/>
-          </a:p>
-        </p:txBody>
-      </p:sp>
-      <p:sp>
-        <p:nvSpPr>
-          <p:cNvPr id="74" name="TextBox 73"/>
-          <p:cNvSpPr txBox="1"/>
-          <p:nvPr/>
-        </p:nvSpPr>
-        <p:spPr>
-          <a:xfrm>
-            <a:off x="982745" y="1992868"/>
-            <a:ext cx="5622245" cy="338554"/>
-          </a:xfrm>
-          <a:prstGeom prst="rect">
-            <a:avLst/>
-          </a:prstGeom>
-          <a:noFill/>
-        </p:spPr>
-        <p:txBody>
-          <a:bodyPr wrap="none" rtlCol="0">
-            <a:spAutoFit/>
-          </a:bodyPr>
-          <a:lstStyle/>
-          <a:p>
-            <a:r>
-              <a:rPr lang="en-US" sz="1600" b="1" dirty="0" smtClean="0"/>
-              <a:t>Summary</a:t>
-            </a:r>
-            <a:r>
-              <a:rPr lang="en-US" sz="1600" dirty="0"/>
-              <a:t>: Exception appears on adding parameters to </a:t>
-            </a:r>
-            <a:r>
-              <a:rPr lang="en-US" sz="1600" dirty="0" smtClean="0"/>
-              <a:t>the report</a:t>
-            </a:r>
-            <a:r>
-              <a:rPr lang="en-US" sz="1600" dirty="0"/>
-              <a:t>.</a:t>
-            </a:r>
-          </a:p>
-        </p:txBody>
-      </p:sp>
-      <p:sp>
-        <p:nvSpPr>
-          <p:cNvPr id="75" name="TextBox 74"/>
-          <p:cNvSpPr txBox="1"/>
-          <p:nvPr/>
-        </p:nvSpPr>
-        <p:spPr>
-          <a:xfrm>
-            <a:off x="1007790" y="2314169"/>
-            <a:ext cx="6317132" cy="3216265"/>
-          </a:xfrm>
-          <a:prstGeom prst="rect">
-            <a:avLst/>
-          </a:prstGeom>
-          <a:noFill/>
-        </p:spPr>
-        <p:txBody>
-          <a:bodyPr wrap="square" rtlCol="0">
-            <a:spAutoFit/>
-          </a:bodyPr>
-          <a:lstStyle/>
-          <a:p>
-            <a:r>
-              <a:rPr lang="en-US" sz="1600" b="1" dirty="0" smtClean="0"/>
-              <a:t>Description</a:t>
-            </a:r>
-            <a:r>
-              <a:rPr lang="en-US" sz="1600" dirty="0"/>
-              <a:t>: </a:t>
-            </a:r>
-            <a:endParaRPr lang="en-US" sz="1600" dirty="0" smtClean="0"/>
-          </a:p>
-          <a:p>
-            <a:endParaRPr lang="en-US" sz="500" dirty="0" smtClean="0"/>
-          </a:p>
-          <a:p>
-            <a:r>
-              <a:rPr lang="en-US" sz="1400" i="1" dirty="0" smtClean="0"/>
-              <a:t>Initial </a:t>
-            </a:r>
-            <a:r>
-              <a:rPr lang="en-US" sz="1400" i="1" dirty="0"/>
-              <a:t>conditions: </a:t>
-            </a:r>
-            <a:r>
-              <a:rPr lang="en-US" sz="1400" dirty="0"/>
-              <a:t>Windows 7 </a:t>
-            </a:r>
-            <a:r>
-              <a:rPr lang="en-US" sz="1400" dirty="0" smtClean="0"/>
-              <a:t>OS is </a:t>
-            </a:r>
-            <a:r>
-              <a:rPr lang="en-US" sz="1400" dirty="0"/>
-              <a:t>installed. Problem </a:t>
-            </a:r>
-            <a:r>
-              <a:rPr lang="en-US" sz="1400" dirty="0" smtClean="0"/>
-              <a:t>doesn't reproduce </a:t>
-            </a:r>
-            <a:r>
-              <a:rPr lang="en-US" sz="1400" dirty="0"/>
-              <a:t>in Windows Vista and Windows XP.</a:t>
-            </a:r>
-          </a:p>
-          <a:p>
-            <a:endParaRPr lang="en-US" sz="1400" dirty="0"/>
-          </a:p>
-          <a:p>
-            <a:r>
-              <a:rPr lang="en-US" sz="1400" i="1" dirty="0"/>
-              <a:t>Scenario:</a:t>
-            </a:r>
-          </a:p>
-          <a:p>
-            <a:r>
-              <a:rPr lang="en-US" sz="1400" dirty="0"/>
-              <a:t>1. </a:t>
-            </a:r>
-            <a:r>
-              <a:rPr lang="en-US" sz="1400" dirty="0" smtClean="0"/>
-              <a:t>Select </a:t>
-            </a:r>
-            <a:r>
-              <a:rPr lang="en-US" sz="1400" dirty="0"/>
-              <a:t>"New report" </a:t>
-            </a:r>
-            <a:r>
-              <a:rPr lang="en-US" sz="1400" dirty="0" smtClean="0"/>
-              <a:t>option from Main Menu.</a:t>
-            </a:r>
-            <a:endParaRPr lang="en-US" sz="1400" dirty="0"/>
-          </a:p>
-          <a:p>
-            <a:r>
-              <a:rPr lang="en-US" sz="1400" dirty="0"/>
-              <a:t>2. In opened "New report" window go to Parameters tab and click "Add New" button. </a:t>
-            </a:r>
-            <a:r>
-              <a:rPr lang="en-US" sz="1400" dirty="0" smtClean="0"/>
-              <a:t>Fill the name of parameter and </a:t>
-            </a:r>
-            <a:r>
-              <a:rPr lang="en-US" sz="1400" dirty="0"/>
-              <a:t>other </a:t>
-            </a:r>
-            <a:r>
-              <a:rPr lang="en-US" sz="1400" dirty="0" smtClean="0"/>
-              <a:t>fields if necessary. Click </a:t>
-            </a:r>
-            <a:r>
-              <a:rPr lang="en-US" sz="1400" dirty="0"/>
-              <a:t>"Ok" button.</a:t>
-            </a:r>
-          </a:p>
-          <a:p>
-            <a:r>
-              <a:rPr lang="en-US" sz="1400" dirty="0"/>
-              <a:t>Actual result: Unhandled exception appears.</a:t>
-            </a:r>
-          </a:p>
-          <a:p>
-            <a:endParaRPr lang="en-US" sz="1400" dirty="0"/>
-          </a:p>
-          <a:p>
-            <a:r>
-              <a:rPr lang="en-US" sz="1400" i="1" dirty="0"/>
-              <a:t>Problem also reproduced</a:t>
-            </a:r>
-            <a:r>
-              <a:rPr lang="en-US" sz="1400" dirty="0" smtClean="0"/>
-              <a:t>: </a:t>
-            </a:r>
-            <a:r>
-              <a:rPr lang="en-US" sz="1400" dirty="0"/>
-              <a:t>If create a new </a:t>
-            </a:r>
-            <a:r>
-              <a:rPr lang="en-US" sz="1400" dirty="0" smtClean="0"/>
-              <a:t>report in </a:t>
-            </a:r>
-            <a:r>
-              <a:rPr lang="en-US" sz="1400" dirty="0"/>
-              <a:t>Report Wizard and try to add a parameter into the report. </a:t>
-            </a:r>
-          </a:p>
-          <a:p>
-            <a:endParaRPr lang="en-US" sz="1400" dirty="0"/>
-          </a:p>
-          <a:p>
-            <a:r>
-              <a:rPr lang="en-US" sz="1400" dirty="0"/>
-              <a:t>Exception screen shot and description see in attach.</a:t>
-            </a:r>
-          </a:p>
-        </p:txBody>
-      </p:sp>
-    </p:spTree>
-    <p:extLst>
-      <p:ext uri="{BB962C8B-B14F-4D97-AF65-F5344CB8AC3E}">
-        <p14:creationId xmlns:p14="http://schemas.microsoft.com/office/powerpoint/2010/main" val="3642557013"/>
-      </p:ext>
-    </p:extLst>
-  </p:cSld>
-  <p:clrMapOvr>
-    <a:masterClrMapping/>
-  </p:clrMapOvr>
-  <p:timing>
-    <p:tnLst>
-      <p:par>
-        <p:cTn id="1" dur="indefinite" restart="never" nodeType="tmRoot"/>
-      </p:par>
-    </p:tnLst>
-  </p:timing>
-</p:sld>
-</file>
-
-<file path=ppt/slides/slide19.xml><?xml version="1.0" encoding="utf-8"?>
-<p:sld xmlns:a="http://schemas.openxmlformats.org/drawingml/2006/main" xmlns:r="http://schemas.openxmlformats.org/officeDocument/2006/relationships" xmlns:p="http://schemas.openxmlformats.org/presentationml/2006/main">
-  <p:cSld>
-    <p:spTree>
-      <p:nvGrpSpPr>
-        <p:cNvPr id="1" name=""/>
-        <p:cNvGrpSpPr/>
-        <p:nvPr/>
-      </p:nvGrpSpPr>
-      <p:grpSpPr>
-        <a:xfrm>
-          <a:off x="0" y="0"/>
-          <a:ext cx="0" cy="0"/>
-          <a:chOff x="0" y="0"/>
-          <a:chExt cx="0" cy="0"/>
-        </a:xfrm>
-      </p:grpSpPr>
-      <p:sp>
-        <p:nvSpPr>
-          <p:cNvPr id="4" name="TextBox 3"/>
-          <p:cNvSpPr txBox="1"/>
-          <p:nvPr/>
-        </p:nvSpPr>
-        <p:spPr>
-          <a:xfrm>
             <a:off x="457200" y="381000"/>
             <a:ext cx="3831370" cy="630942"/>
           </a:xfrm>
@@ -12189,340 +11268,7 @@
 </p:sld>
 </file>
 
-<file path=ppt/slides/slide2.xml><?xml version="1.0" encoding="utf-8"?>
-<p:sld xmlns:a="http://schemas.openxmlformats.org/drawingml/2006/main" xmlns:r="http://schemas.openxmlformats.org/officeDocument/2006/relationships" xmlns:p="http://schemas.openxmlformats.org/presentationml/2006/main">
-  <p:cSld>
-    <p:spTree>
-      <p:nvGrpSpPr>
-        <p:cNvPr id="1" name=""/>
-        <p:cNvGrpSpPr/>
-        <p:nvPr/>
-      </p:nvGrpSpPr>
-      <p:grpSpPr>
-        <a:xfrm>
-          <a:off x="0" y="0"/>
-          <a:ext cx="0" cy="0"/>
-          <a:chOff x="0" y="0"/>
-          <a:chExt cx="0" cy="0"/>
-        </a:xfrm>
-      </p:grpSpPr>
-      <p:sp>
-        <p:nvSpPr>
-          <p:cNvPr id="4" name="TextBox 3"/>
-          <p:cNvSpPr txBox="1"/>
-          <p:nvPr/>
-        </p:nvSpPr>
-        <p:spPr>
-          <a:xfrm>
-            <a:off x="457200" y="533400"/>
-            <a:ext cx="1148071" cy="630942"/>
-          </a:xfrm>
-          <a:prstGeom prst="rect">
-            <a:avLst/>
-          </a:prstGeom>
-          <a:noFill/>
-        </p:spPr>
-        <p:txBody>
-          <a:bodyPr wrap="none" rtlCol="0">
-            <a:spAutoFit/>
-          </a:bodyPr>
-          <a:lstStyle/>
-          <a:p>
-            <a:r>
-              <a:rPr lang="ru-RU" sz="3500" dirty="0" smtClean="0">
-                <a:solidFill>
-                  <a:schemeClr val="tx1">
-                    <a:lumMod val="65000"/>
-                    <a:lumOff val="35000"/>
-                  </a:schemeClr>
-                </a:solidFill>
-                <a:effectLst>
-                  <a:outerShdw blurRad="38100" dist="38100" dir="2700000" algn="tl">
-                    <a:srgbClr val="000000">
-                      <a:alpha val="43137"/>
-                    </a:srgbClr>
-                  </a:outerShdw>
-                </a:effectLst>
-              </a:rPr>
-              <a:t>План</a:t>
-            </a:r>
-            <a:endParaRPr lang="en-US" sz="3500" dirty="0">
-              <a:solidFill>
-                <a:schemeClr val="tx1">
-                  <a:lumMod val="65000"/>
-                  <a:lumOff val="35000"/>
-                </a:schemeClr>
-              </a:solidFill>
-              <a:effectLst>
-                <a:outerShdw blurRad="38100" dist="38100" dir="2700000" algn="tl">
-                  <a:srgbClr val="000000">
-                    <a:alpha val="43137"/>
-                  </a:srgbClr>
-                </a:outerShdw>
-              </a:effectLst>
-            </a:endParaRPr>
-          </a:p>
-        </p:txBody>
-      </p:sp>
-      <p:sp>
-        <p:nvSpPr>
-          <p:cNvPr id="3" name="Rectangle 2"/>
-          <p:cNvSpPr/>
-          <p:nvPr/>
-        </p:nvSpPr>
-        <p:spPr>
-          <a:xfrm>
-            <a:off x="685798" y="1371600"/>
-            <a:ext cx="8001001" cy="3785652"/>
-          </a:xfrm>
-          <a:prstGeom prst="rect">
-            <a:avLst/>
-          </a:prstGeom>
-        </p:spPr>
-        <p:txBody>
-          <a:bodyPr wrap="square">
-            <a:spAutoFit/>
-          </a:bodyPr>
-          <a:lstStyle/>
-          <a:p>
-            <a:pPr marL="342900" indent="-342900">
-              <a:lnSpc>
-                <a:spcPct val="150000"/>
-              </a:lnSpc>
-              <a:buClr>
-                <a:schemeClr val="accent4">
-                  <a:lumMod val="75000"/>
-                </a:schemeClr>
-              </a:buClr>
-              <a:buSzPct val="150000"/>
-              <a:buFont typeface="Arial" pitchFamily="34" charset="0"/>
-              <a:buChar char="•"/>
-            </a:pPr>
-            <a:r>
-              <a:rPr lang="ru-RU" sz="2000" dirty="0" smtClean="0"/>
-              <a:t>Определение артефактов Тестирования</a:t>
-            </a:r>
-            <a:endParaRPr lang="en-US" sz="2000" dirty="0" smtClean="0"/>
-          </a:p>
-          <a:p>
-            <a:pPr marL="342900" indent="-342900">
-              <a:lnSpc>
-                <a:spcPct val="150000"/>
-              </a:lnSpc>
-              <a:buClr>
-                <a:schemeClr val="accent4">
-                  <a:lumMod val="75000"/>
-                </a:schemeClr>
-              </a:buClr>
-              <a:buSzPct val="150000"/>
-              <a:buFont typeface="Arial" pitchFamily="34" charset="0"/>
-              <a:buChar char="•"/>
-            </a:pPr>
-            <a:r>
-              <a:rPr lang="ru-RU" sz="2000" dirty="0" smtClean="0"/>
-              <a:t>Определение и описание Тестового Плана</a:t>
-            </a:r>
-            <a:endParaRPr lang="en-US" sz="2000" dirty="0" smtClean="0"/>
-          </a:p>
-          <a:p>
-            <a:pPr marL="342900" indent="-342900">
-              <a:lnSpc>
-                <a:spcPct val="150000"/>
-              </a:lnSpc>
-              <a:buClr>
-                <a:schemeClr val="accent4">
-                  <a:lumMod val="75000"/>
-                </a:schemeClr>
-              </a:buClr>
-              <a:buSzPct val="150000"/>
-              <a:buFont typeface="Arial" pitchFamily="34" charset="0"/>
-              <a:buChar char="•"/>
-            </a:pPr>
-            <a:r>
-              <a:rPr lang="ru-RU" sz="2000" dirty="0"/>
-              <a:t>Определение и описание </a:t>
-            </a:r>
-            <a:r>
-              <a:rPr lang="ru-RU" sz="2000" dirty="0" smtClean="0"/>
-              <a:t>Тестовых Сценариев (</a:t>
-            </a:r>
-            <a:r>
-              <a:rPr lang="en-US" sz="2000" dirty="0" smtClean="0"/>
-              <a:t>Test Cases</a:t>
-            </a:r>
-            <a:r>
-              <a:rPr lang="ru-RU" sz="2000" dirty="0" smtClean="0"/>
-              <a:t>)</a:t>
-            </a:r>
-            <a:r>
-              <a:rPr lang="en-US" sz="2000" dirty="0" smtClean="0"/>
-              <a:t> </a:t>
-            </a:r>
-            <a:r>
-              <a:rPr lang="ru-RU" sz="2000" dirty="0" smtClean="0"/>
-              <a:t>и </a:t>
-            </a:r>
-            <a:r>
-              <a:rPr lang="ru-RU" sz="2000" dirty="0"/>
-              <a:t>Тестовых Наборов </a:t>
-            </a:r>
-            <a:r>
-              <a:rPr lang="ru-RU" sz="2000" dirty="0" smtClean="0"/>
-              <a:t>(</a:t>
-            </a:r>
-            <a:r>
-              <a:rPr lang="en-US" sz="2000" dirty="0" smtClean="0"/>
-              <a:t>Tests Sets</a:t>
-            </a:r>
-            <a:r>
-              <a:rPr lang="ru-RU" sz="2000" dirty="0" smtClean="0"/>
-              <a:t>)</a:t>
-            </a:r>
-            <a:endParaRPr lang="en-US" sz="2000" dirty="0" smtClean="0"/>
-          </a:p>
-          <a:p>
-            <a:pPr marL="342900" indent="-342900">
-              <a:lnSpc>
-                <a:spcPct val="150000"/>
-              </a:lnSpc>
-              <a:buClr>
-                <a:schemeClr val="accent4">
-                  <a:lumMod val="75000"/>
-                </a:schemeClr>
-              </a:buClr>
-              <a:buSzPct val="150000"/>
-              <a:buFont typeface="Arial" pitchFamily="34" charset="0"/>
-              <a:buChar char="•"/>
-            </a:pPr>
-            <a:r>
-              <a:rPr lang="ru-RU" sz="2000" dirty="0" smtClean="0"/>
-              <a:t>Атрибуты </a:t>
-            </a:r>
-            <a:r>
-              <a:rPr lang="en-US" sz="2000" dirty="0" smtClean="0"/>
-              <a:t>Test Case</a:t>
-            </a:r>
-            <a:r>
-              <a:rPr lang="ru-RU" sz="2000" dirty="0" smtClean="0"/>
-              <a:t>-а</a:t>
-            </a:r>
-            <a:endParaRPr lang="en-US" sz="2000" dirty="0" smtClean="0"/>
-          </a:p>
-          <a:p>
-            <a:pPr marL="342900" indent="-342900">
-              <a:lnSpc>
-                <a:spcPct val="150000"/>
-              </a:lnSpc>
-              <a:buClr>
-                <a:schemeClr val="accent4">
-                  <a:lumMod val="75000"/>
-                </a:schemeClr>
-              </a:buClr>
-              <a:buSzPct val="150000"/>
-              <a:buFont typeface="Arial" pitchFamily="34" charset="0"/>
-              <a:buChar char="•"/>
-            </a:pPr>
-            <a:r>
-              <a:rPr lang="ru-RU" sz="2000" dirty="0" smtClean="0"/>
-              <a:t>Наиболее частые ошибки при написании </a:t>
-            </a:r>
-            <a:r>
-              <a:rPr lang="en-US" sz="2000" dirty="0" smtClean="0"/>
-              <a:t>Test Case</a:t>
-            </a:r>
-            <a:r>
-              <a:rPr lang="ru-RU" sz="2000" dirty="0" smtClean="0"/>
-              <a:t>-</a:t>
-            </a:r>
-            <a:r>
-              <a:rPr lang="ru-RU" sz="2000" dirty="0" err="1" smtClean="0"/>
-              <a:t>ов</a:t>
-            </a:r>
-            <a:endParaRPr lang="en-US" sz="2000" dirty="0" smtClean="0"/>
-          </a:p>
-          <a:p>
-            <a:pPr marL="342900" indent="-342900">
-              <a:lnSpc>
-                <a:spcPct val="150000"/>
-              </a:lnSpc>
-              <a:buClr>
-                <a:schemeClr val="accent4">
-                  <a:lumMod val="75000"/>
-                </a:schemeClr>
-              </a:buClr>
-              <a:buSzPct val="150000"/>
-              <a:buFont typeface="Arial" pitchFamily="34" charset="0"/>
-              <a:buChar char="•"/>
-            </a:pPr>
-            <a:r>
-              <a:rPr lang="ru-RU" sz="2000" dirty="0" smtClean="0"/>
-              <a:t>Примеры </a:t>
-            </a:r>
-            <a:r>
-              <a:rPr lang="en-US" sz="2000" dirty="0" smtClean="0"/>
-              <a:t>Test Case</a:t>
-            </a:r>
-            <a:r>
-              <a:rPr lang="ru-RU" sz="2000" dirty="0" smtClean="0"/>
-              <a:t>-</a:t>
-            </a:r>
-            <a:r>
-              <a:rPr lang="ru-RU" sz="2000" dirty="0" err="1" smtClean="0"/>
-              <a:t>ов</a:t>
-            </a:r>
-            <a:endParaRPr lang="en-US" sz="2000" dirty="0" smtClean="0"/>
-          </a:p>
-          <a:p>
-            <a:pPr marL="342900" indent="-342900">
-              <a:lnSpc>
-                <a:spcPct val="150000"/>
-              </a:lnSpc>
-              <a:buClr>
-                <a:schemeClr val="accent4">
-                  <a:lumMod val="75000"/>
-                </a:schemeClr>
-              </a:buClr>
-              <a:buSzPct val="150000"/>
-              <a:buFont typeface="Arial" pitchFamily="34" charset="0"/>
-              <a:buChar char="•"/>
-            </a:pPr>
-            <a:r>
-              <a:rPr lang="ru-RU" sz="2000" dirty="0" smtClean="0"/>
-              <a:t>Обзор систем управления тестированием (</a:t>
-            </a:r>
-            <a:r>
-              <a:rPr lang="en-US" sz="2000" dirty="0" smtClean="0"/>
-              <a:t>Test Management tools</a:t>
-            </a:r>
-            <a:r>
-              <a:rPr lang="ru-RU" sz="2000" dirty="0" smtClean="0"/>
-              <a:t>)</a:t>
-            </a:r>
-            <a:endParaRPr lang="en-US" sz="2000" dirty="0" smtClean="0"/>
-          </a:p>
-        </p:txBody>
-      </p:sp>
-    </p:spTree>
-    <p:extLst>
-      <p:ext uri="{BB962C8B-B14F-4D97-AF65-F5344CB8AC3E}">
-        <p14:creationId xmlns:p14="http://schemas.microsoft.com/office/powerpoint/2010/main" val="3480021255"/>
-      </p:ext>
-    </p:extLst>
-  </p:cSld>
-  <p:clrMapOvr>
-    <a:masterClrMapping/>
-  </p:clrMapOvr>
-  <p:timing>
-    <p:tnLst>
-      <p:par>
-        <p:cTn id="1" dur="indefinite" restart="never" nodeType="tmRoot"/>
-      </p:par>
-    </p:tnLst>
-  </p:timing>
-</p:sld>
-</file>
-
-<file path=ppt/slides/slide20.xml><?xml version="1.0" encoding="utf-8"?>
+<file path=ppt/slides/slide19.xml><?xml version="1.0" encoding="utf-8"?>
 <p:sld xmlns:a="http://schemas.openxmlformats.org/drawingml/2006/main" xmlns:r="http://schemas.openxmlformats.org/officeDocument/2006/relationships" xmlns:p="http://schemas.openxmlformats.org/presentationml/2006/main">
   <p:cSld>
     <p:spTree>
@@ -13193,7 +11939,340 @@
 </p:sld>
 </file>
 
-<file path=ppt/slides/slide21.xml><?xml version="1.0" encoding="utf-8"?>
+<file path=ppt/slides/slide2.xml><?xml version="1.0" encoding="utf-8"?>
+<p:sld xmlns:a="http://schemas.openxmlformats.org/drawingml/2006/main" xmlns:r="http://schemas.openxmlformats.org/officeDocument/2006/relationships" xmlns:p="http://schemas.openxmlformats.org/presentationml/2006/main">
+  <p:cSld>
+    <p:spTree>
+      <p:nvGrpSpPr>
+        <p:cNvPr id="1" name=""/>
+        <p:cNvGrpSpPr/>
+        <p:nvPr/>
+      </p:nvGrpSpPr>
+      <p:grpSpPr>
+        <a:xfrm>
+          <a:off x="0" y="0"/>
+          <a:ext cx="0" cy="0"/>
+          <a:chOff x="0" y="0"/>
+          <a:chExt cx="0" cy="0"/>
+        </a:xfrm>
+      </p:grpSpPr>
+      <p:sp>
+        <p:nvSpPr>
+          <p:cNvPr id="4" name="TextBox 3"/>
+          <p:cNvSpPr txBox="1"/>
+          <p:nvPr/>
+        </p:nvSpPr>
+        <p:spPr>
+          <a:xfrm>
+            <a:off x="457200" y="533400"/>
+            <a:ext cx="1148071" cy="630942"/>
+          </a:xfrm>
+          <a:prstGeom prst="rect">
+            <a:avLst/>
+          </a:prstGeom>
+          <a:noFill/>
+        </p:spPr>
+        <p:txBody>
+          <a:bodyPr wrap="none" rtlCol="0">
+            <a:spAutoFit/>
+          </a:bodyPr>
+          <a:lstStyle/>
+          <a:p>
+            <a:r>
+              <a:rPr lang="ru-RU" sz="3500" dirty="0" smtClean="0">
+                <a:solidFill>
+                  <a:schemeClr val="tx1">
+                    <a:lumMod val="65000"/>
+                    <a:lumOff val="35000"/>
+                  </a:schemeClr>
+                </a:solidFill>
+                <a:effectLst>
+                  <a:outerShdw blurRad="38100" dist="38100" dir="2700000" algn="tl">
+                    <a:srgbClr val="000000">
+                      <a:alpha val="43137"/>
+                    </a:srgbClr>
+                  </a:outerShdw>
+                </a:effectLst>
+              </a:rPr>
+              <a:t>План</a:t>
+            </a:r>
+            <a:endParaRPr lang="en-US" sz="3500" dirty="0">
+              <a:solidFill>
+                <a:schemeClr val="tx1">
+                  <a:lumMod val="65000"/>
+                  <a:lumOff val="35000"/>
+                </a:schemeClr>
+              </a:solidFill>
+              <a:effectLst>
+                <a:outerShdw blurRad="38100" dist="38100" dir="2700000" algn="tl">
+                  <a:srgbClr val="000000">
+                    <a:alpha val="43137"/>
+                  </a:srgbClr>
+                </a:outerShdw>
+              </a:effectLst>
+            </a:endParaRPr>
+          </a:p>
+        </p:txBody>
+      </p:sp>
+      <p:sp>
+        <p:nvSpPr>
+          <p:cNvPr id="3" name="Rectangle 2"/>
+          <p:cNvSpPr/>
+          <p:nvPr/>
+        </p:nvSpPr>
+        <p:spPr>
+          <a:xfrm>
+            <a:off x="685798" y="1371600"/>
+            <a:ext cx="8001001" cy="3785652"/>
+          </a:xfrm>
+          <a:prstGeom prst="rect">
+            <a:avLst/>
+          </a:prstGeom>
+        </p:spPr>
+        <p:txBody>
+          <a:bodyPr wrap="square">
+            <a:spAutoFit/>
+          </a:bodyPr>
+          <a:lstStyle/>
+          <a:p>
+            <a:pPr marL="342900" indent="-342900">
+              <a:lnSpc>
+                <a:spcPct val="150000"/>
+              </a:lnSpc>
+              <a:buClr>
+                <a:schemeClr val="accent4">
+                  <a:lumMod val="75000"/>
+                </a:schemeClr>
+              </a:buClr>
+              <a:buSzPct val="150000"/>
+              <a:buFont typeface="Arial" pitchFamily="34" charset="0"/>
+              <a:buChar char="•"/>
+            </a:pPr>
+            <a:r>
+              <a:rPr lang="ru-RU" sz="2000" dirty="0" smtClean="0"/>
+              <a:t>Определение артефактов Тестирования</a:t>
+            </a:r>
+            <a:endParaRPr lang="en-US" sz="2000" dirty="0" smtClean="0"/>
+          </a:p>
+          <a:p>
+            <a:pPr marL="342900" indent="-342900">
+              <a:lnSpc>
+                <a:spcPct val="150000"/>
+              </a:lnSpc>
+              <a:buClr>
+                <a:schemeClr val="accent4">
+                  <a:lumMod val="75000"/>
+                </a:schemeClr>
+              </a:buClr>
+              <a:buSzPct val="150000"/>
+              <a:buFont typeface="Arial" pitchFamily="34" charset="0"/>
+              <a:buChar char="•"/>
+            </a:pPr>
+            <a:r>
+              <a:rPr lang="ru-RU" sz="2000" dirty="0" smtClean="0"/>
+              <a:t>Определение и описание Тестового Плана</a:t>
+            </a:r>
+            <a:endParaRPr lang="en-US" sz="2000" dirty="0" smtClean="0"/>
+          </a:p>
+          <a:p>
+            <a:pPr marL="342900" indent="-342900">
+              <a:lnSpc>
+                <a:spcPct val="150000"/>
+              </a:lnSpc>
+              <a:buClr>
+                <a:schemeClr val="accent4">
+                  <a:lumMod val="75000"/>
+                </a:schemeClr>
+              </a:buClr>
+              <a:buSzPct val="150000"/>
+              <a:buFont typeface="Arial" pitchFamily="34" charset="0"/>
+              <a:buChar char="•"/>
+            </a:pPr>
+            <a:r>
+              <a:rPr lang="ru-RU" sz="2000" dirty="0"/>
+              <a:t>Определение и описание </a:t>
+            </a:r>
+            <a:r>
+              <a:rPr lang="ru-RU" sz="2000" dirty="0" smtClean="0"/>
+              <a:t>Тестовых Сценариев (</a:t>
+            </a:r>
+            <a:r>
+              <a:rPr lang="en-US" sz="2000" dirty="0" smtClean="0"/>
+              <a:t>Test Cases</a:t>
+            </a:r>
+            <a:r>
+              <a:rPr lang="ru-RU" sz="2000" dirty="0" smtClean="0"/>
+              <a:t>)</a:t>
+            </a:r>
+            <a:r>
+              <a:rPr lang="en-US" sz="2000" dirty="0" smtClean="0"/>
+              <a:t> </a:t>
+            </a:r>
+            <a:r>
+              <a:rPr lang="ru-RU" sz="2000" dirty="0" smtClean="0"/>
+              <a:t>и </a:t>
+            </a:r>
+            <a:r>
+              <a:rPr lang="ru-RU" sz="2000" dirty="0"/>
+              <a:t>Тестовых Наборов </a:t>
+            </a:r>
+            <a:r>
+              <a:rPr lang="ru-RU" sz="2000" dirty="0" smtClean="0"/>
+              <a:t>(</a:t>
+            </a:r>
+            <a:r>
+              <a:rPr lang="en-US" sz="2000" dirty="0" smtClean="0"/>
+              <a:t>Tests Sets</a:t>
+            </a:r>
+            <a:r>
+              <a:rPr lang="ru-RU" sz="2000" dirty="0" smtClean="0"/>
+              <a:t>)</a:t>
+            </a:r>
+            <a:endParaRPr lang="en-US" sz="2000" dirty="0" smtClean="0"/>
+          </a:p>
+          <a:p>
+            <a:pPr marL="342900" indent="-342900">
+              <a:lnSpc>
+                <a:spcPct val="150000"/>
+              </a:lnSpc>
+              <a:buClr>
+                <a:schemeClr val="accent4">
+                  <a:lumMod val="75000"/>
+                </a:schemeClr>
+              </a:buClr>
+              <a:buSzPct val="150000"/>
+              <a:buFont typeface="Arial" pitchFamily="34" charset="0"/>
+              <a:buChar char="•"/>
+            </a:pPr>
+            <a:r>
+              <a:rPr lang="ru-RU" sz="2000" dirty="0" smtClean="0"/>
+              <a:t>Атрибуты </a:t>
+            </a:r>
+            <a:r>
+              <a:rPr lang="en-US" sz="2000" dirty="0" smtClean="0"/>
+              <a:t>Test Case</a:t>
+            </a:r>
+            <a:r>
+              <a:rPr lang="ru-RU" sz="2000" dirty="0" smtClean="0"/>
+              <a:t>-а</a:t>
+            </a:r>
+            <a:endParaRPr lang="en-US" sz="2000" dirty="0" smtClean="0"/>
+          </a:p>
+          <a:p>
+            <a:pPr marL="342900" indent="-342900">
+              <a:lnSpc>
+                <a:spcPct val="150000"/>
+              </a:lnSpc>
+              <a:buClr>
+                <a:schemeClr val="accent4">
+                  <a:lumMod val="75000"/>
+                </a:schemeClr>
+              </a:buClr>
+              <a:buSzPct val="150000"/>
+              <a:buFont typeface="Arial" pitchFamily="34" charset="0"/>
+              <a:buChar char="•"/>
+            </a:pPr>
+            <a:r>
+              <a:rPr lang="ru-RU" sz="2000" dirty="0" smtClean="0"/>
+              <a:t>Наиболее частые ошибки при написании </a:t>
+            </a:r>
+            <a:r>
+              <a:rPr lang="en-US" sz="2000" dirty="0" smtClean="0"/>
+              <a:t>Test Case</a:t>
+            </a:r>
+            <a:r>
+              <a:rPr lang="ru-RU" sz="2000" dirty="0" smtClean="0"/>
+              <a:t>-</a:t>
+            </a:r>
+            <a:r>
+              <a:rPr lang="ru-RU" sz="2000" dirty="0" err="1" smtClean="0"/>
+              <a:t>ов</a:t>
+            </a:r>
+            <a:endParaRPr lang="en-US" sz="2000" dirty="0" smtClean="0"/>
+          </a:p>
+          <a:p>
+            <a:pPr marL="342900" indent="-342900">
+              <a:lnSpc>
+                <a:spcPct val="150000"/>
+              </a:lnSpc>
+              <a:buClr>
+                <a:schemeClr val="accent4">
+                  <a:lumMod val="75000"/>
+                </a:schemeClr>
+              </a:buClr>
+              <a:buSzPct val="150000"/>
+              <a:buFont typeface="Arial" pitchFamily="34" charset="0"/>
+              <a:buChar char="•"/>
+            </a:pPr>
+            <a:r>
+              <a:rPr lang="ru-RU" sz="2000" dirty="0" smtClean="0"/>
+              <a:t>Примеры </a:t>
+            </a:r>
+            <a:r>
+              <a:rPr lang="en-US" sz="2000" dirty="0" smtClean="0"/>
+              <a:t>Test Case</a:t>
+            </a:r>
+            <a:r>
+              <a:rPr lang="ru-RU" sz="2000" dirty="0" smtClean="0"/>
+              <a:t>-</a:t>
+            </a:r>
+            <a:r>
+              <a:rPr lang="ru-RU" sz="2000" dirty="0" err="1" smtClean="0"/>
+              <a:t>ов</a:t>
+            </a:r>
+            <a:endParaRPr lang="en-US" sz="2000" dirty="0" smtClean="0"/>
+          </a:p>
+          <a:p>
+            <a:pPr marL="342900" indent="-342900">
+              <a:lnSpc>
+                <a:spcPct val="150000"/>
+              </a:lnSpc>
+              <a:buClr>
+                <a:schemeClr val="accent4">
+                  <a:lumMod val="75000"/>
+                </a:schemeClr>
+              </a:buClr>
+              <a:buSzPct val="150000"/>
+              <a:buFont typeface="Arial" pitchFamily="34" charset="0"/>
+              <a:buChar char="•"/>
+            </a:pPr>
+            <a:r>
+              <a:rPr lang="ru-RU" sz="2000" dirty="0" smtClean="0"/>
+              <a:t>Обзор систем управления тестированием (</a:t>
+            </a:r>
+            <a:r>
+              <a:rPr lang="en-US" sz="2000" dirty="0" smtClean="0"/>
+              <a:t>Test Management tools</a:t>
+            </a:r>
+            <a:r>
+              <a:rPr lang="ru-RU" sz="2000" dirty="0" smtClean="0"/>
+              <a:t>)</a:t>
+            </a:r>
+            <a:endParaRPr lang="en-US" sz="2000" dirty="0" smtClean="0"/>
+          </a:p>
+        </p:txBody>
+      </p:sp>
+    </p:spTree>
+    <p:extLst>
+      <p:ext uri="{BB962C8B-B14F-4D97-AF65-F5344CB8AC3E}">
+        <p14:creationId xmlns:p14="http://schemas.microsoft.com/office/powerpoint/2010/main" val="3480021255"/>
+      </p:ext>
+    </p:extLst>
+  </p:cSld>
+  <p:clrMapOvr>
+    <a:masterClrMapping/>
+  </p:clrMapOvr>
+  <p:timing>
+    <p:tnLst>
+      <p:par>
+        <p:cTn id="1" dur="indefinite" restart="never" nodeType="tmRoot"/>
+      </p:par>
+    </p:tnLst>
+  </p:timing>
+</p:sld>
+</file>
+
+<file path=ppt/slides/slide20.xml><?xml version="1.0" encoding="utf-8"?>
 <p:sld xmlns:a="http://schemas.openxmlformats.org/drawingml/2006/main" xmlns:r="http://schemas.openxmlformats.org/officeDocument/2006/relationships" xmlns:p="http://schemas.openxmlformats.org/presentationml/2006/main">
   <p:cSld>
     <p:spTree>
@@ -14232,6 +13311,909 @@
 </p:sld>
 </file>
 
+<file path=ppt/slides/slide21.xml><?xml version="1.0" encoding="utf-8"?>
+<p:sld xmlns:a="http://schemas.openxmlformats.org/drawingml/2006/main" xmlns:r="http://schemas.openxmlformats.org/officeDocument/2006/relationships" xmlns:p="http://schemas.openxmlformats.org/presentationml/2006/main">
+  <p:cSld>
+    <p:spTree>
+      <p:nvGrpSpPr>
+        <p:cNvPr id="1" name=""/>
+        <p:cNvGrpSpPr/>
+        <p:nvPr/>
+      </p:nvGrpSpPr>
+      <p:grpSpPr>
+        <a:xfrm>
+          <a:off x="0" y="0"/>
+          <a:ext cx="0" cy="0"/>
+          <a:chOff x="0" y="0"/>
+          <a:chExt cx="0" cy="0"/>
+        </a:xfrm>
+      </p:grpSpPr>
+      <p:sp>
+        <p:nvSpPr>
+          <p:cNvPr id="4" name="TextBox 3"/>
+          <p:cNvSpPr txBox="1"/>
+          <p:nvPr/>
+        </p:nvSpPr>
+        <p:spPr>
+          <a:xfrm>
+            <a:off x="381000" y="284697"/>
+            <a:ext cx="4617674" cy="523220"/>
+          </a:xfrm>
+          <a:prstGeom prst="rect">
+            <a:avLst/>
+          </a:prstGeom>
+          <a:noFill/>
+        </p:spPr>
+        <p:txBody>
+          <a:bodyPr wrap="none" rtlCol="0">
+            <a:spAutoFit/>
+          </a:bodyPr>
+          <a:lstStyle/>
+          <a:p>
+            <a:r>
+              <a:rPr lang="en-US" sz="2800" dirty="0" smtClean="0">
+                <a:solidFill>
+                  <a:schemeClr val="tx1">
+                    <a:lumMod val="65000"/>
+                    <a:lumOff val="35000"/>
+                  </a:schemeClr>
+                </a:solidFill>
+                <a:effectLst>
+                  <a:outerShdw blurRad="38100" dist="38100" dir="2700000" algn="tl">
+                    <a:srgbClr val="000000">
+                      <a:alpha val="43137"/>
+                    </a:srgbClr>
+                  </a:outerShdw>
+                </a:effectLst>
+              </a:rPr>
+              <a:t>Example 2 - Defect description</a:t>
+            </a:r>
+            <a:endParaRPr lang="en-US" sz="2800" dirty="0">
+              <a:solidFill>
+                <a:schemeClr val="tx1">
+                  <a:lumMod val="65000"/>
+                  <a:lumOff val="35000"/>
+                </a:schemeClr>
+              </a:solidFill>
+              <a:effectLst>
+                <a:outerShdw blurRad="38100" dist="38100" dir="2700000" algn="tl">
+                  <a:srgbClr val="000000">
+                    <a:alpha val="43137"/>
+                  </a:srgbClr>
+                </a:outerShdw>
+              </a:effectLst>
+            </a:endParaRPr>
+          </a:p>
+        </p:txBody>
+      </p:sp>
+      <p:cxnSp>
+        <p:nvCxnSpPr>
+          <p:cNvPr id="12" name="Straight Connector 11"/>
+          <p:cNvCxnSpPr/>
+          <p:nvPr/>
+        </p:nvCxnSpPr>
+        <p:spPr>
+          <a:xfrm flipH="1">
+            <a:off x="2667000" y="855626"/>
+            <a:ext cx="4948136" cy="0"/>
+          </a:xfrm>
+          <a:prstGeom prst="line">
+            <a:avLst/>
+          </a:prstGeom>
+          <a:ln w="19050">
+            <a:solidFill>
+              <a:schemeClr val="accent4">
+                <a:lumMod val="60000"/>
+                <a:lumOff val="40000"/>
+              </a:schemeClr>
+            </a:solidFill>
+          </a:ln>
+        </p:spPr>
+        <p:style>
+          <a:lnRef idx="1">
+            <a:schemeClr val="accent2"/>
+          </a:lnRef>
+          <a:fillRef idx="0">
+            <a:schemeClr val="accent2"/>
+          </a:fillRef>
+          <a:effectRef idx="0">
+            <a:schemeClr val="accent2"/>
+          </a:effectRef>
+          <a:fontRef idx="minor">
+            <a:schemeClr val="tx1"/>
+          </a:fontRef>
+        </p:style>
+      </p:cxnSp>
+      <p:grpSp>
+        <p:nvGrpSpPr>
+          <p:cNvPr id="34" name="Group 33"/>
+          <p:cNvGrpSpPr/>
+          <p:nvPr/>
+        </p:nvGrpSpPr>
+        <p:grpSpPr>
+          <a:xfrm>
+            <a:off x="833336" y="855626"/>
+            <a:ext cx="6781800" cy="574335"/>
+            <a:chOff x="914400" y="1295400"/>
+            <a:chExt cx="6781800" cy="685800"/>
+          </a:xfrm>
+        </p:grpSpPr>
+        <p:cxnSp>
+          <p:nvCxnSpPr>
+            <p:cNvPr id="6" name="Straight Connector 5"/>
+            <p:cNvCxnSpPr/>
+            <p:nvPr/>
+          </p:nvCxnSpPr>
+          <p:spPr>
+            <a:xfrm>
+              <a:off x="914400" y="1295400"/>
+              <a:ext cx="0" cy="685800"/>
+            </a:xfrm>
+            <a:prstGeom prst="line">
+              <a:avLst/>
+            </a:prstGeom>
+            <a:ln w="19050">
+              <a:solidFill>
+                <a:schemeClr val="accent4">
+                  <a:lumMod val="60000"/>
+                  <a:lumOff val="40000"/>
+                </a:schemeClr>
+              </a:solidFill>
+            </a:ln>
+          </p:spPr>
+          <p:style>
+            <a:lnRef idx="1">
+              <a:schemeClr val="accent2"/>
+            </a:lnRef>
+            <a:fillRef idx="0">
+              <a:schemeClr val="accent2"/>
+            </a:fillRef>
+            <a:effectRef idx="0">
+              <a:schemeClr val="accent2"/>
+            </a:effectRef>
+            <a:fontRef idx="minor">
+              <a:schemeClr val="tx1"/>
+            </a:fontRef>
+          </p:style>
+        </p:cxnSp>
+        <p:cxnSp>
+          <p:nvCxnSpPr>
+            <p:cNvPr id="8" name="Straight Connector 7"/>
+            <p:cNvCxnSpPr/>
+            <p:nvPr/>
+          </p:nvCxnSpPr>
+          <p:spPr>
+            <a:xfrm>
+              <a:off x="914400" y="1981200"/>
+              <a:ext cx="6781800" cy="0"/>
+            </a:xfrm>
+            <a:prstGeom prst="line">
+              <a:avLst/>
+            </a:prstGeom>
+            <a:ln w="19050">
+              <a:solidFill>
+                <a:schemeClr val="accent4">
+                  <a:lumMod val="60000"/>
+                  <a:lumOff val="40000"/>
+                </a:schemeClr>
+              </a:solidFill>
+            </a:ln>
+          </p:spPr>
+          <p:style>
+            <a:lnRef idx="1">
+              <a:schemeClr val="accent2"/>
+            </a:lnRef>
+            <a:fillRef idx="0">
+              <a:schemeClr val="accent2"/>
+            </a:fillRef>
+            <a:effectRef idx="0">
+              <a:schemeClr val="accent2"/>
+            </a:effectRef>
+            <a:fontRef idx="minor">
+              <a:schemeClr val="tx1"/>
+            </a:fontRef>
+          </p:style>
+        </p:cxnSp>
+        <p:cxnSp>
+          <p:nvCxnSpPr>
+            <p:cNvPr id="10" name="Straight Connector 9"/>
+            <p:cNvCxnSpPr/>
+            <p:nvPr/>
+          </p:nvCxnSpPr>
+          <p:spPr>
+            <a:xfrm flipV="1">
+              <a:off x="7696200" y="1295400"/>
+              <a:ext cx="0" cy="685800"/>
+            </a:xfrm>
+            <a:prstGeom prst="line">
+              <a:avLst/>
+            </a:prstGeom>
+            <a:ln w="19050">
+              <a:solidFill>
+                <a:schemeClr val="accent4">
+                  <a:lumMod val="60000"/>
+                  <a:lumOff val="40000"/>
+                </a:schemeClr>
+              </a:solidFill>
+            </a:ln>
+          </p:spPr>
+          <p:style>
+            <a:lnRef idx="1">
+              <a:schemeClr val="accent2"/>
+            </a:lnRef>
+            <a:fillRef idx="0">
+              <a:schemeClr val="accent2"/>
+            </a:fillRef>
+            <a:effectRef idx="0">
+              <a:schemeClr val="accent2"/>
+            </a:effectRef>
+            <a:fontRef idx="minor">
+              <a:schemeClr val="tx1"/>
+            </a:fontRef>
+          </p:style>
+        </p:cxnSp>
+        <p:cxnSp>
+          <p:nvCxnSpPr>
+            <p:cNvPr id="33" name="Straight Connector 32"/>
+            <p:cNvCxnSpPr/>
+            <p:nvPr/>
+          </p:nvCxnSpPr>
+          <p:spPr>
+            <a:xfrm>
+              <a:off x="914400" y="1295400"/>
+              <a:ext cx="174454" cy="0"/>
+            </a:xfrm>
+            <a:prstGeom prst="line">
+              <a:avLst/>
+            </a:prstGeom>
+            <a:ln w="19050">
+              <a:solidFill>
+                <a:schemeClr val="accent4">
+                  <a:lumMod val="60000"/>
+                  <a:lumOff val="40000"/>
+                </a:schemeClr>
+              </a:solidFill>
+            </a:ln>
+          </p:spPr>
+          <p:style>
+            <a:lnRef idx="1">
+              <a:schemeClr val="accent2"/>
+            </a:lnRef>
+            <a:fillRef idx="0">
+              <a:schemeClr val="accent2"/>
+            </a:fillRef>
+            <a:effectRef idx="0">
+              <a:schemeClr val="accent2"/>
+            </a:effectRef>
+            <a:fontRef idx="minor">
+              <a:schemeClr val="tx1"/>
+            </a:fontRef>
+          </p:style>
+        </p:cxnSp>
+      </p:grpSp>
+      <p:sp>
+        <p:nvSpPr>
+          <p:cNvPr id="35" name="TextBox 34"/>
+          <p:cNvSpPr txBox="1"/>
+          <p:nvPr/>
+        </p:nvSpPr>
+        <p:spPr>
+          <a:xfrm>
+            <a:off x="1036084" y="685800"/>
+            <a:ext cx="1398075" cy="338554"/>
+          </a:xfrm>
+          <a:prstGeom prst="rect">
+            <a:avLst/>
+          </a:prstGeom>
+          <a:noFill/>
+        </p:spPr>
+        <p:txBody>
+          <a:bodyPr wrap="none" rtlCol="0">
+            <a:spAutoFit/>
+          </a:bodyPr>
+          <a:lstStyle/>
+          <a:p>
+            <a:r>
+              <a:rPr lang="en-US" sz="1600" b="1" dirty="0" smtClean="0"/>
+              <a:t>Detection Info</a:t>
+            </a:r>
+            <a:endParaRPr lang="en-US" sz="1600" b="1" dirty="0"/>
+          </a:p>
+        </p:txBody>
+      </p:sp>
+      <p:sp>
+        <p:nvSpPr>
+          <p:cNvPr id="39" name="TextBox 38"/>
+          <p:cNvSpPr txBox="1"/>
+          <p:nvPr/>
+        </p:nvSpPr>
+        <p:spPr>
+          <a:xfrm>
+            <a:off x="1088854" y="1060629"/>
+            <a:ext cx="1380121" cy="338554"/>
+          </a:xfrm>
+          <a:prstGeom prst="rect">
+            <a:avLst/>
+          </a:prstGeom>
+          <a:noFill/>
+        </p:spPr>
+        <p:txBody>
+          <a:bodyPr wrap="none" rtlCol="0">
+            <a:spAutoFit/>
+          </a:bodyPr>
+          <a:lstStyle/>
+          <a:p>
+            <a:r>
+              <a:rPr lang="en-US" sz="1600" b="1" dirty="0" smtClean="0"/>
+              <a:t>By</a:t>
+            </a:r>
+            <a:r>
+              <a:rPr lang="en-US" sz="1600" dirty="0" smtClean="0"/>
+              <a:t>: </a:t>
+            </a:r>
+            <a:r>
+              <a:rPr lang="en-US" sz="1600" dirty="0" err="1" smtClean="0"/>
+              <a:t>UserName</a:t>
+            </a:r>
+            <a:endParaRPr lang="en-US" sz="1600" dirty="0"/>
+          </a:p>
+        </p:txBody>
+      </p:sp>
+      <p:sp>
+        <p:nvSpPr>
+          <p:cNvPr id="60" name="TextBox 59"/>
+          <p:cNvSpPr txBox="1"/>
+          <p:nvPr/>
+        </p:nvSpPr>
+        <p:spPr>
+          <a:xfrm>
+            <a:off x="3321810" y="1037459"/>
+            <a:ext cx="1415772" cy="338554"/>
+          </a:xfrm>
+          <a:prstGeom prst="rect">
+            <a:avLst/>
+          </a:prstGeom>
+          <a:noFill/>
+        </p:spPr>
+        <p:txBody>
+          <a:bodyPr wrap="none" rtlCol="0">
+            <a:spAutoFit/>
+          </a:bodyPr>
+          <a:lstStyle/>
+          <a:p>
+            <a:r>
+              <a:rPr lang="en-US" sz="1600" b="1" dirty="0" smtClean="0"/>
+              <a:t>On</a:t>
+            </a:r>
+            <a:r>
+              <a:rPr lang="en-US" sz="1600" dirty="0" smtClean="0"/>
+              <a:t>: 1/10/2011</a:t>
+            </a:r>
+            <a:endParaRPr lang="en-US" sz="1600" dirty="0"/>
+          </a:p>
+        </p:txBody>
+      </p:sp>
+      <p:sp>
+        <p:nvSpPr>
+          <p:cNvPr id="61" name="TextBox 60"/>
+          <p:cNvSpPr txBox="1"/>
+          <p:nvPr/>
+        </p:nvSpPr>
+        <p:spPr>
+          <a:xfrm>
+            <a:off x="5562600" y="1055132"/>
+            <a:ext cx="1649619" cy="338554"/>
+          </a:xfrm>
+          <a:prstGeom prst="rect">
+            <a:avLst/>
+          </a:prstGeom>
+          <a:noFill/>
+        </p:spPr>
+        <p:txBody>
+          <a:bodyPr wrap="none" rtlCol="0">
+            <a:spAutoFit/>
+          </a:bodyPr>
+          <a:lstStyle/>
+          <a:p>
+            <a:r>
+              <a:rPr lang="en-US" sz="1600" b="1" dirty="0" smtClean="0"/>
+              <a:t>Version</a:t>
+            </a:r>
+            <a:r>
+              <a:rPr lang="en-US" sz="1600" dirty="0" smtClean="0"/>
+              <a:t>: 1.1.8.2.1</a:t>
+            </a:r>
+            <a:endParaRPr lang="en-US" sz="1600" dirty="0"/>
+          </a:p>
+        </p:txBody>
+      </p:sp>
+      <p:grpSp>
+        <p:nvGrpSpPr>
+          <p:cNvPr id="41" name="Group 40"/>
+          <p:cNvGrpSpPr/>
+          <p:nvPr/>
+        </p:nvGrpSpPr>
+        <p:grpSpPr>
+          <a:xfrm>
+            <a:off x="833336" y="1523999"/>
+            <a:ext cx="6781800" cy="4648201"/>
+            <a:chOff x="838200" y="2273142"/>
+            <a:chExt cx="6781800" cy="1079658"/>
+          </a:xfrm>
+        </p:grpSpPr>
+        <p:cxnSp>
+          <p:nvCxnSpPr>
+            <p:cNvPr id="64" name="Straight Connector 63"/>
+            <p:cNvCxnSpPr/>
+            <p:nvPr/>
+          </p:nvCxnSpPr>
+          <p:spPr>
+            <a:xfrm>
+              <a:off x="838200" y="2273142"/>
+              <a:ext cx="0" cy="1079658"/>
+            </a:xfrm>
+            <a:prstGeom prst="line">
+              <a:avLst/>
+            </a:prstGeom>
+            <a:ln w="19050">
+              <a:solidFill>
+                <a:schemeClr val="accent4">
+                  <a:lumMod val="60000"/>
+                  <a:lumOff val="40000"/>
+                </a:schemeClr>
+              </a:solidFill>
+            </a:ln>
+          </p:spPr>
+          <p:style>
+            <a:lnRef idx="1">
+              <a:schemeClr val="accent2"/>
+            </a:lnRef>
+            <a:fillRef idx="0">
+              <a:schemeClr val="accent2"/>
+            </a:fillRef>
+            <a:effectRef idx="0">
+              <a:schemeClr val="accent2"/>
+            </a:effectRef>
+            <a:fontRef idx="minor">
+              <a:schemeClr val="tx1"/>
+            </a:fontRef>
+          </p:style>
+        </p:cxnSp>
+        <p:cxnSp>
+          <p:nvCxnSpPr>
+            <p:cNvPr id="65" name="Straight Connector 64"/>
+            <p:cNvCxnSpPr/>
+            <p:nvPr/>
+          </p:nvCxnSpPr>
+          <p:spPr>
+            <a:xfrm>
+              <a:off x="838200" y="3352800"/>
+              <a:ext cx="6781800" cy="0"/>
+            </a:xfrm>
+            <a:prstGeom prst="line">
+              <a:avLst/>
+            </a:prstGeom>
+            <a:ln w="19050">
+              <a:solidFill>
+                <a:schemeClr val="accent4">
+                  <a:lumMod val="60000"/>
+                  <a:lumOff val="40000"/>
+                </a:schemeClr>
+              </a:solidFill>
+            </a:ln>
+          </p:spPr>
+          <p:style>
+            <a:lnRef idx="1">
+              <a:schemeClr val="accent2"/>
+            </a:lnRef>
+            <a:fillRef idx="0">
+              <a:schemeClr val="accent2"/>
+            </a:fillRef>
+            <a:effectRef idx="0">
+              <a:schemeClr val="accent2"/>
+            </a:effectRef>
+            <a:fontRef idx="minor">
+              <a:schemeClr val="tx1"/>
+            </a:fontRef>
+          </p:style>
+        </p:cxnSp>
+        <p:cxnSp>
+          <p:nvCxnSpPr>
+            <p:cNvPr id="66" name="Straight Connector 65"/>
+            <p:cNvCxnSpPr/>
+            <p:nvPr/>
+          </p:nvCxnSpPr>
+          <p:spPr>
+            <a:xfrm flipV="1">
+              <a:off x="7620000" y="2273142"/>
+              <a:ext cx="0" cy="1079658"/>
+            </a:xfrm>
+            <a:prstGeom prst="line">
+              <a:avLst/>
+            </a:prstGeom>
+            <a:ln w="19050">
+              <a:solidFill>
+                <a:schemeClr val="accent4">
+                  <a:lumMod val="60000"/>
+                  <a:lumOff val="40000"/>
+                </a:schemeClr>
+              </a:solidFill>
+            </a:ln>
+          </p:spPr>
+          <p:style>
+            <a:lnRef idx="1">
+              <a:schemeClr val="accent2"/>
+            </a:lnRef>
+            <a:fillRef idx="0">
+              <a:schemeClr val="accent2"/>
+            </a:fillRef>
+            <a:effectRef idx="0">
+              <a:schemeClr val="accent2"/>
+            </a:effectRef>
+            <a:fontRef idx="minor">
+              <a:schemeClr val="tx1"/>
+            </a:fontRef>
+          </p:style>
+        </p:cxnSp>
+        <p:cxnSp>
+          <p:nvCxnSpPr>
+            <p:cNvPr id="67" name="Straight Connector 66"/>
+            <p:cNvCxnSpPr/>
+            <p:nvPr/>
+          </p:nvCxnSpPr>
+          <p:spPr>
+            <a:xfrm>
+              <a:off x="838200" y="2273142"/>
+              <a:ext cx="6781800" cy="0"/>
+            </a:xfrm>
+            <a:prstGeom prst="line">
+              <a:avLst/>
+            </a:prstGeom>
+            <a:ln w="19050">
+              <a:solidFill>
+                <a:schemeClr val="accent4">
+                  <a:lumMod val="60000"/>
+                  <a:lumOff val="40000"/>
+                </a:schemeClr>
+              </a:solidFill>
+            </a:ln>
+          </p:spPr>
+          <p:style>
+            <a:lnRef idx="1">
+              <a:schemeClr val="accent2"/>
+            </a:lnRef>
+            <a:fillRef idx="0">
+              <a:schemeClr val="accent2"/>
+            </a:fillRef>
+            <a:effectRef idx="0">
+              <a:schemeClr val="accent2"/>
+            </a:effectRef>
+            <a:fontRef idx="minor">
+              <a:schemeClr val="tx1"/>
+            </a:fontRef>
+          </p:style>
+        </p:cxnSp>
+      </p:grpSp>
+      <p:sp>
+        <p:nvSpPr>
+          <p:cNvPr id="71" name="TextBox 70"/>
+          <p:cNvSpPr txBox="1"/>
+          <p:nvPr/>
+        </p:nvSpPr>
+        <p:spPr>
+          <a:xfrm>
+            <a:off x="1007790" y="1600200"/>
+            <a:ext cx="1331134" cy="338554"/>
+          </a:xfrm>
+          <a:prstGeom prst="rect">
+            <a:avLst/>
+          </a:prstGeom>
+          <a:noFill/>
+        </p:spPr>
+        <p:txBody>
+          <a:bodyPr wrap="none" rtlCol="0">
+            <a:spAutoFit/>
+          </a:bodyPr>
+          <a:lstStyle/>
+          <a:p>
+            <a:r>
+              <a:rPr lang="en-US" sz="1600" b="1" dirty="0" smtClean="0"/>
+              <a:t>Project</a:t>
+            </a:r>
+            <a:r>
+              <a:rPr lang="en-US" sz="1600" dirty="0" smtClean="0"/>
+              <a:t>: RPTG</a:t>
+            </a:r>
+            <a:endParaRPr lang="en-US" sz="1600" dirty="0"/>
+          </a:p>
+        </p:txBody>
+      </p:sp>
+      <p:sp>
+        <p:nvSpPr>
+          <p:cNvPr id="72" name="TextBox 71"/>
+          <p:cNvSpPr txBox="1"/>
+          <p:nvPr/>
+        </p:nvSpPr>
+        <p:spPr>
+          <a:xfrm>
+            <a:off x="2582945" y="1600200"/>
+            <a:ext cx="1429366" cy="338554"/>
+          </a:xfrm>
+          <a:prstGeom prst="rect">
+            <a:avLst/>
+          </a:prstGeom>
+          <a:noFill/>
+        </p:spPr>
+        <p:txBody>
+          <a:bodyPr wrap="none" rtlCol="0">
+            <a:spAutoFit/>
+          </a:bodyPr>
+          <a:lstStyle/>
+          <a:p>
+            <a:r>
+              <a:rPr lang="en-US" sz="1600" b="1" dirty="0" smtClean="0"/>
+              <a:t>Priority</a:t>
+            </a:r>
+            <a:r>
+              <a:rPr lang="en-US" sz="1600" dirty="0" smtClean="0"/>
+              <a:t>: 1-Low</a:t>
+            </a:r>
+            <a:endParaRPr lang="en-US" sz="1600" dirty="0"/>
+          </a:p>
+        </p:txBody>
+      </p:sp>
+      <p:sp>
+        <p:nvSpPr>
+          <p:cNvPr id="73" name="TextBox 72"/>
+          <p:cNvSpPr txBox="1"/>
+          <p:nvPr/>
+        </p:nvSpPr>
+        <p:spPr>
+          <a:xfrm>
+            <a:off x="5173041" y="1639019"/>
+            <a:ext cx="1547347" cy="338554"/>
+          </a:xfrm>
+          <a:prstGeom prst="rect">
+            <a:avLst/>
+          </a:prstGeom>
+          <a:noFill/>
+        </p:spPr>
+        <p:txBody>
+          <a:bodyPr wrap="none" rtlCol="0">
+            <a:spAutoFit/>
+          </a:bodyPr>
+          <a:lstStyle/>
+          <a:p>
+            <a:r>
+              <a:rPr lang="en-US" sz="1600" b="1" dirty="0" smtClean="0"/>
+              <a:t>Severity</a:t>
+            </a:r>
+            <a:r>
+              <a:rPr lang="en-US" sz="1600" dirty="0" smtClean="0"/>
+              <a:t>: Critical</a:t>
+            </a:r>
+            <a:endParaRPr lang="en-US" sz="1600" dirty="0"/>
+          </a:p>
+        </p:txBody>
+      </p:sp>
+      <p:sp>
+        <p:nvSpPr>
+          <p:cNvPr id="74" name="TextBox 73"/>
+          <p:cNvSpPr txBox="1"/>
+          <p:nvPr/>
+        </p:nvSpPr>
+        <p:spPr>
+          <a:xfrm>
+            <a:off x="982745" y="1992868"/>
+            <a:ext cx="5622245" cy="338554"/>
+          </a:xfrm>
+          <a:prstGeom prst="rect">
+            <a:avLst/>
+          </a:prstGeom>
+          <a:noFill/>
+        </p:spPr>
+        <p:txBody>
+          <a:bodyPr wrap="none" rtlCol="0">
+            <a:spAutoFit/>
+          </a:bodyPr>
+          <a:lstStyle/>
+          <a:p>
+            <a:r>
+              <a:rPr lang="en-US" sz="1600" b="1" dirty="0" smtClean="0"/>
+              <a:t>Summary</a:t>
+            </a:r>
+            <a:r>
+              <a:rPr lang="en-US" sz="1600" dirty="0"/>
+              <a:t>: Exception appears on adding parameters to </a:t>
+            </a:r>
+            <a:r>
+              <a:rPr lang="en-US" sz="1600" dirty="0" smtClean="0"/>
+              <a:t>the report</a:t>
+            </a:r>
+            <a:r>
+              <a:rPr lang="en-US" sz="1600" dirty="0"/>
+              <a:t>.</a:t>
+            </a:r>
+          </a:p>
+        </p:txBody>
+      </p:sp>
+      <p:sp>
+        <p:nvSpPr>
+          <p:cNvPr id="75" name="TextBox 74"/>
+          <p:cNvSpPr txBox="1"/>
+          <p:nvPr/>
+        </p:nvSpPr>
+        <p:spPr>
+          <a:xfrm>
+            <a:off x="1007790" y="2314169"/>
+            <a:ext cx="6317132" cy="3216265"/>
+          </a:xfrm>
+          <a:prstGeom prst="rect">
+            <a:avLst/>
+          </a:prstGeom>
+          <a:noFill/>
+        </p:spPr>
+        <p:txBody>
+          <a:bodyPr wrap="square" rtlCol="0">
+            <a:spAutoFit/>
+          </a:bodyPr>
+          <a:lstStyle/>
+          <a:p>
+            <a:r>
+              <a:rPr lang="en-US" sz="1600" b="1" dirty="0" smtClean="0"/>
+              <a:t>Description</a:t>
+            </a:r>
+            <a:r>
+              <a:rPr lang="en-US" sz="1600" dirty="0"/>
+              <a:t>: </a:t>
+            </a:r>
+            <a:endParaRPr lang="en-US" sz="1600" dirty="0" smtClean="0"/>
+          </a:p>
+          <a:p>
+            <a:endParaRPr lang="en-US" sz="500" dirty="0" smtClean="0"/>
+          </a:p>
+          <a:p>
+            <a:r>
+              <a:rPr lang="en-US" sz="1400" i="1" dirty="0" smtClean="0"/>
+              <a:t>Initial </a:t>
+            </a:r>
+            <a:r>
+              <a:rPr lang="en-US" sz="1400" i="1" dirty="0"/>
+              <a:t>conditions: </a:t>
+            </a:r>
+            <a:r>
+              <a:rPr lang="en-US" sz="1400" dirty="0"/>
+              <a:t>Windows 7 </a:t>
+            </a:r>
+            <a:r>
+              <a:rPr lang="en-US" sz="1400" dirty="0" smtClean="0"/>
+              <a:t>OS is </a:t>
+            </a:r>
+            <a:r>
+              <a:rPr lang="en-US" sz="1400" dirty="0"/>
+              <a:t>installed. Problem </a:t>
+            </a:r>
+            <a:r>
+              <a:rPr lang="en-US" sz="1400" dirty="0" smtClean="0"/>
+              <a:t>doesn't reproduce </a:t>
+            </a:r>
+            <a:r>
+              <a:rPr lang="en-US" sz="1400" dirty="0"/>
+              <a:t>in Windows Vista and Windows XP.</a:t>
+            </a:r>
+          </a:p>
+          <a:p>
+            <a:endParaRPr lang="en-US" sz="1400" dirty="0"/>
+          </a:p>
+          <a:p>
+            <a:r>
+              <a:rPr lang="en-US" sz="1400" i="1" dirty="0"/>
+              <a:t>Scenario:</a:t>
+            </a:r>
+          </a:p>
+          <a:p>
+            <a:r>
+              <a:rPr lang="en-US" sz="1400" dirty="0"/>
+              <a:t>1. </a:t>
+            </a:r>
+            <a:r>
+              <a:rPr lang="en-US" sz="1400" dirty="0" smtClean="0"/>
+              <a:t>Select </a:t>
+            </a:r>
+            <a:r>
+              <a:rPr lang="en-US" sz="1400" dirty="0"/>
+              <a:t>"New report" </a:t>
+            </a:r>
+            <a:r>
+              <a:rPr lang="en-US" sz="1400" dirty="0" smtClean="0"/>
+              <a:t>option from Main Menu.</a:t>
+            </a:r>
+            <a:endParaRPr lang="en-US" sz="1400" dirty="0"/>
+          </a:p>
+          <a:p>
+            <a:r>
+              <a:rPr lang="en-US" sz="1400" dirty="0"/>
+              <a:t>2. In opened "New report" window go to Parameters tab and click "Add New" button. </a:t>
+            </a:r>
+            <a:r>
+              <a:rPr lang="en-US" sz="1400" dirty="0" smtClean="0"/>
+              <a:t>Fill the name of parameter and </a:t>
+            </a:r>
+            <a:r>
+              <a:rPr lang="en-US" sz="1400" dirty="0"/>
+              <a:t>other </a:t>
+            </a:r>
+            <a:r>
+              <a:rPr lang="en-US" sz="1400" dirty="0" smtClean="0"/>
+              <a:t>fields if necessary. Click </a:t>
+            </a:r>
+            <a:r>
+              <a:rPr lang="en-US" sz="1400" dirty="0"/>
+              <a:t>"Ok" button.</a:t>
+            </a:r>
+          </a:p>
+          <a:p>
+            <a:r>
+              <a:rPr lang="en-US" sz="1400" dirty="0"/>
+              <a:t>Actual result: Unhandled exception appears.</a:t>
+            </a:r>
+          </a:p>
+          <a:p>
+            <a:endParaRPr lang="en-US" sz="1400" dirty="0"/>
+          </a:p>
+          <a:p>
+            <a:r>
+              <a:rPr lang="en-US" sz="1400" i="1" dirty="0"/>
+              <a:t>Problem also reproduced</a:t>
+            </a:r>
+            <a:r>
+              <a:rPr lang="en-US" sz="1400" dirty="0" smtClean="0"/>
+              <a:t>: </a:t>
+            </a:r>
+            <a:r>
+              <a:rPr lang="en-US" sz="1400" dirty="0"/>
+              <a:t>If create a new </a:t>
+            </a:r>
+            <a:r>
+              <a:rPr lang="en-US" sz="1400" dirty="0" smtClean="0"/>
+              <a:t>report in </a:t>
+            </a:r>
+            <a:r>
+              <a:rPr lang="en-US" sz="1400" dirty="0"/>
+              <a:t>Report Wizard and try to add a parameter into the report. </a:t>
+            </a:r>
+          </a:p>
+          <a:p>
+            <a:endParaRPr lang="en-US" sz="1400" dirty="0"/>
+          </a:p>
+          <a:p>
+            <a:r>
+              <a:rPr lang="en-US" sz="1400" dirty="0"/>
+              <a:t>Exception screen shot and description see in attach.</a:t>
+            </a:r>
+          </a:p>
+        </p:txBody>
+      </p:sp>
+    </p:spTree>
+    <p:extLst>
+      <p:ext uri="{BB962C8B-B14F-4D97-AF65-F5344CB8AC3E}">
+        <p14:creationId xmlns:p14="http://schemas.microsoft.com/office/powerpoint/2010/main" val="3642557013"/>
+      </p:ext>
+    </p:extLst>
+  </p:cSld>
+  <p:clrMapOvr>
+    <a:masterClrMapping/>
+  </p:clrMapOvr>
+  <p:timing>
+    <p:tnLst>
+      <p:par>
+        <p:cTn id="1" dur="indefinite" restart="never" nodeType="tmRoot"/>
+      </p:par>
+    </p:tnLst>
+  </p:timing>
+</p:sld>
+</file>
+
 <file path=ppt/slides/slide22.xml><?xml version="1.0" encoding="utf-8"?>
 <p:sld xmlns:a="http://schemas.openxmlformats.org/drawingml/2006/main" xmlns:r="http://schemas.openxmlformats.org/officeDocument/2006/relationships" xmlns:p="http://schemas.openxmlformats.org/presentationml/2006/main">
   <p:cSld>
@@ -16515,7 +16497,7 @@
         <p:spPr>
           <a:xfrm>
             <a:off x="457200" y="1233099"/>
-            <a:ext cx="6565777" cy="4708981"/>
+            <a:ext cx="6565777" cy="4401205"/>
           </a:xfrm>
           <a:prstGeom prst="rect">
             <a:avLst/>
@@ -16531,17 +16513,12 @@
               <a:buAutoNum type="arabicPeriod"/>
             </a:pPr>
             <a:r>
+              <a:rPr lang="en-US" sz="2000" dirty="0" smtClean="0"/>
+              <a:t>Give </a:t>
+            </a:r>
+            <a:r>
               <a:rPr lang="en-US" sz="2000" dirty="0"/>
-              <a:t>What main Artifacts of testing do you know?</a:t>
-            </a:r>
-          </a:p>
-          <a:p>
-            <a:pPr marL="342900" indent="-342900">
-              <a:buAutoNum type="arabicPeriod"/>
-            </a:pPr>
-            <a:r>
-              <a:rPr lang="en-US" sz="2000" dirty="0"/>
-              <a:t>Give definitions of the following concepts: Test Case, Test Set, Test Plan.</a:t>
+              <a:t>definitions of the following concepts: Test Case, Test Set, Test Plan.</a:t>
             </a:r>
           </a:p>
           <a:p>
@@ -24677,33 +24654,15 @@
                                   </p:childTnLst>
                                 </p:cTn>
                               </p:par>
-                            </p:childTnLst>
-                          </p:cTn>
-                        </p:par>
-                      </p:childTnLst>
-                    </p:cTn>
-                  </p:par>
-                  <p:par>
-                    <p:cTn id="54" fill="hold">
-                      <p:stCondLst>
-                        <p:cond delay="indefinite"/>
-                      </p:stCondLst>
-                      <p:childTnLst>
-                        <p:par>
-                          <p:cTn id="55" fill="hold">
-                            <p:stCondLst>
-                              <p:cond delay="0"/>
-                            </p:stCondLst>
-                            <p:childTnLst>
                               <p:par>
-                                <p:cTn id="56" presetID="10" presetClass="entr" presetSubtype="0" fill="hold" grpId="0" nodeType="clickEffect">
+                                <p:cTn id="54" presetID="10" presetClass="entr" presetSubtype="0" fill="hold" grpId="0" nodeType="withEffect">
                                   <p:stCondLst>
                                     <p:cond delay="0"/>
                                   </p:stCondLst>
                                   <p:childTnLst>
                                     <p:set>
                                       <p:cBhvr>
-                                        <p:cTn id="57" dur="1" fill="hold">
+                                        <p:cTn id="55" dur="1" fill="hold">
                                           <p:stCondLst>
                                             <p:cond delay="0"/>
                                           </p:stCondLst>
@@ -24721,7 +24680,7 @@
                                     </p:set>
                                     <p:animEffect transition="in" filter="fade">
                                       <p:cBhvr>
-                                        <p:cTn id="58" dur="500"/>
+                                        <p:cTn id="56" dur="500"/>
                                         <p:tgtEl>
                                           <p:spTgt spid="95"/>
                                         </p:tgtEl>
@@ -24730,33 +24689,15 @@
                                   </p:childTnLst>
                                 </p:cTn>
                               </p:par>
-                            </p:childTnLst>
-                          </p:cTn>
-                        </p:par>
-                      </p:childTnLst>
-                    </p:cTn>
-                  </p:par>
-                  <p:par>
-                    <p:cTn id="59" fill="hold">
-                      <p:stCondLst>
-                        <p:cond delay="indefinite"/>
-                      </p:stCondLst>
-                      <p:childTnLst>
-                        <p:par>
-                          <p:cTn id="60" fill="hold">
-                            <p:stCondLst>
-                              <p:cond delay="0"/>
-                            </p:stCondLst>
-                            <p:childTnLst>
                               <p:par>
-                                <p:cTn id="61" presetID="10" presetClass="entr" presetSubtype="0" fill="hold" grpId="0" nodeType="clickEffect">
+                                <p:cTn id="57" presetID="10" presetClass="entr" presetSubtype="0" fill="hold" grpId="0" nodeType="withEffect">
                                   <p:stCondLst>
                                     <p:cond delay="0"/>
                                   </p:stCondLst>
                                   <p:childTnLst>
                                     <p:set>
                                       <p:cBhvr>
-                                        <p:cTn id="62" dur="1" fill="hold">
+                                        <p:cTn id="58" dur="1" fill="hold">
                                           <p:stCondLst>
                                             <p:cond delay="0"/>
                                           </p:stCondLst>
@@ -24774,7 +24715,7 @@
                                     </p:set>
                                     <p:animEffect transition="in" filter="fade">
                                       <p:cBhvr>
-                                        <p:cTn id="63" dur="500"/>
+                                        <p:cTn id="59" dur="500"/>
                                         <p:tgtEl>
                                           <p:spTgt spid="94"/>
                                         </p:tgtEl>
@@ -24784,14 +24725,14 @@
                                 </p:cTn>
                               </p:par>
                               <p:par>
-                                <p:cTn id="64" presetID="10" presetClass="entr" presetSubtype="0" fill="hold" nodeType="withEffect">
+                                <p:cTn id="60" presetID="10" presetClass="entr" presetSubtype="0" fill="hold" nodeType="withEffect">
                                   <p:stCondLst>
                                     <p:cond delay="0"/>
                                   </p:stCondLst>
                                   <p:childTnLst>
                                     <p:set>
                                       <p:cBhvr>
-                                        <p:cTn id="65" dur="1" fill="hold">
+                                        <p:cTn id="61" dur="1" fill="hold">
                                           <p:stCondLst>
                                             <p:cond delay="0"/>
                                           </p:stCondLst>
@@ -24809,7 +24750,7 @@
                                     </p:set>
                                     <p:animEffect transition="in" filter="fade">
                                       <p:cBhvr>
-                                        <p:cTn id="66" dur="500"/>
+                                        <p:cTn id="62" dur="500"/>
                                         <p:tgtEl>
                                           <p:spTgt spid="14"/>
                                         </p:tgtEl>
@@ -24819,14 +24760,14 @@
                                 </p:cTn>
                               </p:par>
                               <p:par>
-                                <p:cTn id="67" presetID="10" presetClass="entr" presetSubtype="0" fill="hold" nodeType="withEffect">
+                                <p:cTn id="63" presetID="10" presetClass="entr" presetSubtype="0" fill="hold" nodeType="withEffect">
                                   <p:stCondLst>
                                     <p:cond delay="0"/>
                                   </p:stCondLst>
                                   <p:childTnLst>
                                     <p:set>
                                       <p:cBhvr>
-                                        <p:cTn id="68" dur="1" fill="hold">
+                                        <p:cTn id="64" dur="1" fill="hold">
                                           <p:stCondLst>
                                             <p:cond delay="0"/>
                                           </p:stCondLst>
@@ -24844,7 +24785,7 @@
                                     </p:set>
                                     <p:animEffect transition="in" filter="fade">
                                       <p:cBhvr>
-                                        <p:cTn id="69" dur="500"/>
+                                        <p:cTn id="65" dur="500"/>
                                         <p:tgtEl>
                                           <p:spTgt spid="13"/>
                                         </p:tgtEl>
@@ -24853,33 +24794,15 @@
                                   </p:childTnLst>
                                 </p:cTn>
                               </p:par>
-                            </p:childTnLst>
-                          </p:cTn>
-                        </p:par>
-                      </p:childTnLst>
-                    </p:cTn>
-                  </p:par>
-                  <p:par>
-                    <p:cTn id="70" fill="hold">
-                      <p:stCondLst>
-                        <p:cond delay="indefinite"/>
-                      </p:stCondLst>
-                      <p:childTnLst>
-                        <p:par>
-                          <p:cTn id="71" fill="hold">
-                            <p:stCondLst>
-                              <p:cond delay="0"/>
-                            </p:stCondLst>
-                            <p:childTnLst>
                               <p:par>
-                                <p:cTn id="72" presetID="10" presetClass="entr" presetSubtype="0" fill="hold" nodeType="clickEffect">
+                                <p:cTn id="66" presetID="10" presetClass="entr" presetSubtype="0" fill="hold" nodeType="withEffect">
                                   <p:stCondLst>
                                     <p:cond delay="0"/>
                                   </p:stCondLst>
                                   <p:childTnLst>
                                     <p:set>
                                       <p:cBhvr>
-                                        <p:cTn id="73" dur="1" fill="hold">
+                                        <p:cTn id="67" dur="1" fill="hold">
                                           <p:stCondLst>
                                             <p:cond delay="0"/>
                                           </p:stCondLst>
@@ -24897,7 +24820,7 @@
                                     </p:set>
                                     <p:animEffect transition="in" filter="fade">
                                       <p:cBhvr>
-                                        <p:cTn id="74" dur="500"/>
+                                        <p:cTn id="68" dur="500"/>
                                         <p:tgtEl>
                                           <p:spTgt spid="102"/>
                                         </p:tgtEl>
@@ -24906,33 +24829,15 @@
                                   </p:childTnLst>
                                 </p:cTn>
                               </p:par>
-                            </p:childTnLst>
-                          </p:cTn>
-                        </p:par>
-                      </p:childTnLst>
-                    </p:cTn>
-                  </p:par>
-                  <p:par>
-                    <p:cTn id="75" fill="hold">
-                      <p:stCondLst>
-                        <p:cond delay="indefinite"/>
-                      </p:stCondLst>
-                      <p:childTnLst>
-                        <p:par>
-                          <p:cTn id="76" fill="hold">
-                            <p:stCondLst>
-                              <p:cond delay="0"/>
-                            </p:stCondLst>
-                            <p:childTnLst>
                               <p:par>
-                                <p:cTn id="77" presetID="10" presetClass="entr" presetSubtype="0" fill="hold" nodeType="clickEffect">
+                                <p:cTn id="69" presetID="10" presetClass="entr" presetSubtype="0" fill="hold" nodeType="withEffect">
                                   <p:stCondLst>
                                     <p:cond delay="0"/>
                                   </p:stCondLst>
                                   <p:childTnLst>
                                     <p:set>
                                       <p:cBhvr>
-                                        <p:cTn id="78" dur="1" fill="hold">
+                                        <p:cTn id="70" dur="1" fill="hold">
                                           <p:stCondLst>
                                             <p:cond delay="0"/>
                                           </p:stCondLst>
@@ -24950,7 +24855,7 @@
                                     </p:set>
                                     <p:animEffect transition="in" filter="fade">
                                       <p:cBhvr>
-                                        <p:cTn id="79" dur="500"/>
+                                        <p:cTn id="71" dur="500"/>
                                         <p:tgtEl>
                                           <p:spTgt spid="100"/>
                                         </p:tgtEl>
@@ -24960,14 +24865,14 @@
                                 </p:cTn>
                               </p:par>
                               <p:par>
-                                <p:cTn id="80" presetID="10" presetClass="entr" presetSubtype="0" fill="hold" nodeType="withEffect">
+                                <p:cTn id="72" presetID="10" presetClass="entr" presetSubtype="0" fill="hold" nodeType="withEffect">
                                   <p:stCondLst>
                                     <p:cond delay="0"/>
                                   </p:stCondLst>
                                   <p:childTnLst>
                                     <p:set>
                                       <p:cBhvr>
-                                        <p:cTn id="81" dur="1" fill="hold">
+                                        <p:cTn id="73" dur="1" fill="hold">
                                           <p:stCondLst>
                                             <p:cond delay="0"/>
                                           </p:stCondLst>
@@ -24985,7 +24890,7 @@
                                     </p:set>
                                     <p:animEffect transition="in" filter="fade">
                                       <p:cBhvr>
-                                        <p:cTn id="82" dur="500"/>
+                                        <p:cTn id="74" dur="500"/>
                                         <p:tgtEl>
                                           <p:spTgt spid="12"/>
                                         </p:tgtEl>
@@ -24995,14 +24900,14 @@
                                 </p:cTn>
                               </p:par>
                               <p:par>
-                                <p:cTn id="83" presetID="10" presetClass="entr" presetSubtype="0" fill="hold" nodeType="withEffect">
+                                <p:cTn id="75" presetID="10" presetClass="entr" presetSubtype="0" fill="hold" nodeType="withEffect">
                                   <p:stCondLst>
                                     <p:cond delay="0"/>
                                   </p:stCondLst>
                                   <p:childTnLst>
                                     <p:set>
                                       <p:cBhvr>
-                                        <p:cTn id="84" dur="1" fill="hold">
+                                        <p:cTn id="76" dur="1" fill="hold">
                                           <p:stCondLst>
                                             <p:cond delay="0"/>
                                           </p:stCondLst>
@@ -25020,9 +24925,97 @@
                                     </p:set>
                                     <p:animEffect transition="in" filter="fade">
                                       <p:cBhvr>
+                                        <p:cTn id="77" dur="500"/>
+                                        <p:tgtEl>
+                                          <p:spTgt spid="10"/>
+                                        </p:tgtEl>
+                                      </p:cBhvr>
+                                    </p:animEffect>
+                                  </p:childTnLst>
+                                </p:cTn>
+                              </p:par>
+                              <p:par>
+                                <p:cTn id="78" presetID="10" presetClass="entr" presetSubtype="0" fill="hold" nodeType="withEffect">
+                                  <p:stCondLst>
+                                    <p:cond delay="0"/>
+                                  </p:stCondLst>
+                                  <p:childTnLst>
+                                    <p:set>
+                                      <p:cBhvr>
+                                        <p:cTn id="79" dur="1" fill="hold">
+                                          <p:stCondLst>
+                                            <p:cond delay="0"/>
+                                          </p:stCondLst>
+                                        </p:cTn>
+                                        <p:tgtEl>
+                                          <p:spTgt spid="11"/>
+                                        </p:tgtEl>
+                                        <p:attrNameLst>
+                                          <p:attrName>style.visibility</p:attrName>
+                                        </p:attrNameLst>
+                                      </p:cBhvr>
+                                      <p:to>
+                                        <p:strVal val="visible"/>
+                                      </p:to>
+                                    </p:set>
+                                    <p:animEffect transition="in" filter="fade">
+                                      <p:cBhvr>
+                                        <p:cTn id="80" dur="500"/>
+                                        <p:tgtEl>
+                                          <p:spTgt spid="11"/>
+                                        </p:tgtEl>
+                                      </p:cBhvr>
+                                    </p:animEffect>
+                                  </p:childTnLst>
+                                </p:cTn>
+                              </p:par>
+                            </p:childTnLst>
+                          </p:cTn>
+                        </p:par>
+                      </p:childTnLst>
+                    </p:cTn>
+                  </p:par>
+                  <p:par>
+                    <p:cTn id="81" fill="hold">
+                      <p:stCondLst>
+                        <p:cond delay="indefinite"/>
+                      </p:stCondLst>
+                      <p:childTnLst>
+                        <p:par>
+                          <p:cTn id="82" fill="hold">
+                            <p:stCondLst>
+                              <p:cond delay="0"/>
+                            </p:stCondLst>
+                            <p:childTnLst>
+                              <p:par>
+                                <p:cTn id="83" presetID="10" presetClass="entr" presetSubtype="0" fill="hold" nodeType="clickEffect">
+                                  <p:stCondLst>
+                                    <p:cond delay="0"/>
+                                  </p:stCondLst>
+                                  <p:childTnLst>
+                                    <p:set>
+                                      <p:cBhvr>
+                                        <p:cTn id="84" dur="1" fill="hold">
+                                          <p:stCondLst>
+                                            <p:cond delay="0"/>
+                                          </p:stCondLst>
+                                        </p:cTn>
+                                        <p:tgtEl>
+                                          <p:spTgt spid="7"/>
+                                        </p:tgtEl>
+                                        <p:attrNameLst>
+                                          <p:attrName>style.visibility</p:attrName>
+                                        </p:attrNameLst>
+                                      </p:cBhvr>
+                                      <p:to>
+                                        <p:strVal val="visible"/>
+                                      </p:to>
+                                    </p:set>
+                                    <p:animEffect transition="in" filter="fade">
+                                      <p:cBhvr>
                                         <p:cTn id="85" dur="500"/>
                                         <p:tgtEl>
-                                          <p:spTgt spid="10"/>
+                                          <p:spTgt spid="7"/>
                                         </p:tgtEl>
                                       </p:cBhvr>
                                     </p:animEffect>
@@ -25043,7 +25036,7 @@
                                           </p:stCondLst>
                                         </p:cTn>
                                         <p:tgtEl>
-                                          <p:spTgt spid="11"/>
+                                          <p:spTgt spid="6"/>
                                         </p:tgtEl>
                                         <p:attrNameLst>
                                           <p:attrName>style.visibility</p:attrName>
@@ -25057,94 +25050,6 @@
                                       <p:cBhvr>
                                         <p:cTn id="88" dur="500"/>
                                         <p:tgtEl>
-                                          <p:spTgt spid="11"/>
-                                        </p:tgtEl>
-                                      </p:cBhvr>
-                                    </p:animEffect>
-                                  </p:childTnLst>
-                                </p:cTn>
-                              </p:par>
-                            </p:childTnLst>
-                          </p:cTn>
-                        </p:par>
-                      </p:childTnLst>
-                    </p:cTn>
-                  </p:par>
-                  <p:par>
-                    <p:cTn id="89" fill="hold">
-                      <p:stCondLst>
-                        <p:cond delay="indefinite"/>
-                      </p:stCondLst>
-                      <p:childTnLst>
-                        <p:par>
-                          <p:cTn id="90" fill="hold">
-                            <p:stCondLst>
-                              <p:cond delay="0"/>
-                            </p:stCondLst>
-                            <p:childTnLst>
-                              <p:par>
-                                <p:cTn id="91" presetID="10" presetClass="entr" presetSubtype="0" fill="hold" nodeType="clickEffect">
-                                  <p:stCondLst>
-                                    <p:cond delay="0"/>
-                                  </p:stCondLst>
-                                  <p:childTnLst>
-                                    <p:set>
-                                      <p:cBhvr>
-                                        <p:cTn id="92" dur="1" fill="hold">
-                                          <p:stCondLst>
-                                            <p:cond delay="0"/>
-                                          </p:stCondLst>
-                                        </p:cTn>
-                                        <p:tgtEl>
-                                          <p:spTgt spid="7"/>
-                                        </p:tgtEl>
-                                        <p:attrNameLst>
-                                          <p:attrName>style.visibility</p:attrName>
-                                        </p:attrNameLst>
-                                      </p:cBhvr>
-                                      <p:to>
-                                        <p:strVal val="visible"/>
-                                      </p:to>
-                                    </p:set>
-                                    <p:animEffect transition="in" filter="fade">
-                                      <p:cBhvr>
-                                        <p:cTn id="93" dur="500"/>
-                                        <p:tgtEl>
-                                          <p:spTgt spid="7"/>
-                                        </p:tgtEl>
-                                      </p:cBhvr>
-                                    </p:animEffect>
-                                  </p:childTnLst>
-                                </p:cTn>
-                              </p:par>
-                              <p:par>
-                                <p:cTn id="94" presetID="10" presetClass="entr" presetSubtype="0" fill="hold" nodeType="withEffect">
-                                  <p:stCondLst>
-                                    <p:cond delay="0"/>
-                                  </p:stCondLst>
-                                  <p:childTnLst>
-                                    <p:set>
-                                      <p:cBhvr>
-                                        <p:cTn id="95" dur="1" fill="hold">
-                                          <p:stCondLst>
-                                            <p:cond delay="0"/>
-                                          </p:stCondLst>
-                                        </p:cTn>
-                                        <p:tgtEl>
-                                          <p:spTgt spid="6"/>
-                                        </p:tgtEl>
-                                        <p:attrNameLst>
-                                          <p:attrName>style.visibility</p:attrName>
-                                        </p:attrNameLst>
-                                      </p:cBhvr>
-                                      <p:to>
-                                        <p:strVal val="visible"/>
-                                      </p:to>
-                                    </p:set>
-                                    <p:animEffect transition="in" filter="fade">
-                                      <p:cBhvr>
-                                        <p:cTn id="96" dur="500"/>
-                                        <p:tgtEl>
                                           <p:spTgt spid="6"/>
                                         </p:tgtEl>
                                       </p:cBhvr>
@@ -25153,14 +25058,14 @@
                                 </p:cTn>
                               </p:par>
                               <p:par>
-                                <p:cTn id="97" presetID="10" presetClass="entr" presetSubtype="0" fill="hold" nodeType="withEffect">
+                                <p:cTn id="89" presetID="10" presetClass="entr" presetSubtype="0" fill="hold" nodeType="withEffect">
                                   <p:stCondLst>
                                     <p:cond delay="0"/>
                                   </p:stCondLst>
                                   <p:childTnLst>
                                     <p:set>
                                       <p:cBhvr>
-                                        <p:cTn id="98" dur="1" fill="hold">
+                                        <p:cTn id="90" dur="1" fill="hold">
                                           <p:stCondLst>
                                             <p:cond delay="0"/>
                                           </p:stCondLst>
@@ -25178,7 +25083,7 @@
                                     </p:set>
                                     <p:animEffect transition="in" filter="fade">
                                       <p:cBhvr>
-                                        <p:cTn id="99" dur="500"/>
+                                        <p:cTn id="91" dur="500"/>
                                         <p:tgtEl>
                                           <p:spTgt spid="32"/>
                                         </p:tgtEl>
@@ -25188,14 +25093,14 @@
                                 </p:cTn>
                               </p:par>
                               <p:par>
-                                <p:cTn id="100" presetID="10" presetClass="entr" presetSubtype="0" fill="hold" nodeType="withEffect">
+                                <p:cTn id="92" presetID="10" presetClass="entr" presetSubtype="0" fill="hold" nodeType="withEffect">
                                   <p:stCondLst>
                                     <p:cond delay="0"/>
                                   </p:stCondLst>
                                   <p:childTnLst>
                                     <p:set>
                                       <p:cBhvr>
-                                        <p:cTn id="101" dur="1" fill="hold">
+                                        <p:cTn id="93" dur="1" fill="hold">
                                           <p:stCondLst>
                                             <p:cond delay="0"/>
                                           </p:stCondLst>
@@ -25213,7 +25118,7 @@
                                     </p:set>
                                     <p:animEffect transition="in" filter="fade">
                                       <p:cBhvr>
-                                        <p:cTn id="102" dur="500"/>
+                                        <p:cTn id="94" dur="500"/>
                                         <p:tgtEl>
                                           <p:spTgt spid="33"/>
                                         </p:tgtEl>
@@ -25223,14 +25128,14 @@
                                 </p:cTn>
                               </p:par>
                               <p:par>
-                                <p:cTn id="103" presetID="10" presetClass="entr" presetSubtype="0" fill="hold" nodeType="withEffect">
+                                <p:cTn id="95" presetID="10" presetClass="entr" presetSubtype="0" fill="hold" nodeType="withEffect">
                                   <p:stCondLst>
                                     <p:cond delay="0"/>
                                   </p:stCondLst>
                                   <p:childTnLst>
                                     <p:set>
                                       <p:cBhvr>
-                                        <p:cTn id="104" dur="1" fill="hold">
+                                        <p:cTn id="96" dur="1" fill="hold">
                                           <p:stCondLst>
                                             <p:cond delay="0"/>
                                           </p:stCondLst>
@@ -25248,7 +25153,7 @@
                                     </p:set>
                                     <p:animEffect transition="in" filter="fade">
                                       <p:cBhvr>
-                                        <p:cTn id="105" dur="500"/>
+                                        <p:cTn id="97" dur="500"/>
                                         <p:tgtEl>
                                           <p:spTgt spid="30"/>
                                         </p:tgtEl>
@@ -25258,14 +25163,14 @@
                                 </p:cTn>
                               </p:par>
                               <p:par>
-                                <p:cTn id="106" presetID="10" presetClass="entr" presetSubtype="0" fill="hold" nodeType="withEffect">
+                                <p:cTn id="98" presetID="10" presetClass="entr" presetSubtype="0" fill="hold" nodeType="withEffect">
                                   <p:stCondLst>
                                     <p:cond delay="0"/>
                                   </p:stCondLst>
                                   <p:childTnLst>
                                     <p:set>
                                       <p:cBhvr>
-                                        <p:cTn id="107" dur="1" fill="hold">
+                                        <p:cTn id="99" dur="1" fill="hold">
                                           <p:stCondLst>
                                             <p:cond delay="0"/>
                                           </p:stCondLst>
@@ -25283,7 +25188,7 @@
                                     </p:set>
                                     <p:animEffect transition="in" filter="fade">
                                       <p:cBhvr>
-                                        <p:cTn id="108" dur="500"/>
+                                        <p:cTn id="100" dur="500"/>
                                         <p:tgtEl>
                                           <p:spTgt spid="31"/>
                                         </p:tgtEl>
@@ -25293,14 +25198,14 @@
                                 </p:cTn>
                               </p:par>
                               <p:par>
-                                <p:cTn id="109" presetID="10" presetClass="entr" presetSubtype="0" fill="hold" nodeType="withEffect">
+                                <p:cTn id="101" presetID="10" presetClass="entr" presetSubtype="0" fill="hold" nodeType="withEffect">
                                   <p:stCondLst>
                                     <p:cond delay="0"/>
                                   </p:stCondLst>
                                   <p:childTnLst>
                                     <p:set>
                                       <p:cBhvr>
-                                        <p:cTn id="110" dur="1" fill="hold">
+                                        <p:cTn id="102" dur="1" fill="hold">
                                           <p:stCondLst>
                                             <p:cond delay="0"/>
                                           </p:stCondLst>
@@ -25318,7 +25223,7 @@
                                     </p:set>
                                     <p:animEffect transition="in" filter="fade">
                                       <p:cBhvr>
-                                        <p:cTn id="111" dur="500"/>
+                                        <p:cTn id="103" dur="500"/>
                                         <p:tgtEl>
                                           <p:spTgt spid="9"/>
                                         </p:tgtEl>
@@ -25328,14 +25233,14 @@
                                 </p:cTn>
                               </p:par>
                               <p:par>
-                                <p:cTn id="112" presetID="10" presetClass="entr" presetSubtype="0" fill="hold" nodeType="withEffect">
+                                <p:cTn id="104" presetID="10" presetClass="entr" presetSubtype="0" fill="hold" nodeType="withEffect">
                                   <p:stCondLst>
                                     <p:cond delay="0"/>
                                   </p:stCondLst>
                                   <p:childTnLst>
                                     <p:set>
                                       <p:cBhvr>
-                                        <p:cTn id="113" dur="1" fill="hold">
+                                        <p:cTn id="105" dur="1" fill="hold">
                                           <p:stCondLst>
                                             <p:cond delay="0"/>
                                           </p:stCondLst>
@@ -25353,7 +25258,7 @@
                                     </p:set>
                                     <p:animEffect transition="in" filter="fade">
                                       <p:cBhvr>
-                                        <p:cTn id="114" dur="500"/>
+                                        <p:cTn id="106" dur="500"/>
                                         <p:tgtEl>
                                           <p:spTgt spid="8"/>
                                         </p:tgtEl>

--- a/5.Test Cases/Artifacts of testing.pptx
+++ b/5.Test Cases/Artifacts of testing.pptx
@@ -134,7 +134,7 @@
   </p:defaultTextStyle>
   <p:extLst>
     <p:ext uri="{EFAFB233-063F-42B5-8137-9DF3F51BA10A}">
-      <p15:sldGuideLst xmlns:p15="http://schemas.microsoft.com/office/powerpoint/2012/main">
+      <p15:sldGuideLst xmlns:p15="http://schemas.microsoft.com/office/powerpoint/2012/main" xmlns="">
         <p15:guide id="1" orient="horz" pos="2160">
           <p15:clr>
             <a:srgbClr val="A4A3A4"/>
@@ -148,7 +148,7 @@
       </p15:sldGuideLst>
     </p:ext>
     <p:ext uri="{2D200454-40CA-4A62-9FC3-DE9A4176ACB9}">
-      <p15:notesGuideLst xmlns:p15="http://schemas.microsoft.com/office/powerpoint/2012/main"/>
+      <p15:notesGuideLst xmlns:p15="http://schemas.microsoft.com/office/powerpoint/2012/main" xmlns=""/>
     </p:ext>
   </p:extLst>
 </p:presentation>
@@ -236,7 +236,7 @@
           <a:p>
             <a:fld id="{0849F342-5BFF-4C37-8A66-D5D0921B0636}" type="datetimeFigureOut">
               <a:rPr lang="ru-RU" smtClean="0"/>
-              <a:t>01.04.2013</a:t>
+              <a:t>10.12.2014</a:t>
             </a:fld>
             <a:endParaRPr lang="ru-RU"/>
           </a:p>
@@ -501,7 +501,7 @@
             <a:fld id="{1D8BD707-D9CF-40AE-B4C6-C98DA3205C09}" type="datetimeFigureOut">
               <a:rPr lang="en-US" smtClean="0"/>
               <a:pPr/>
-              <a:t>4/1/2013</a:t>
+              <a:t>12/10/2014</a:t>
             </a:fld>
             <a:endParaRPr lang="en-US"/>
           </a:p>
@@ -668,7 +668,7 @@
             <a:fld id="{1D8BD707-D9CF-40AE-B4C6-C98DA3205C09}" type="datetimeFigureOut">
               <a:rPr lang="en-US" smtClean="0"/>
               <a:pPr/>
-              <a:t>4/1/2013</a:t>
+              <a:t>12/10/2014</a:t>
             </a:fld>
             <a:endParaRPr lang="en-US"/>
           </a:p>
@@ -845,7 +845,7 @@
             <a:fld id="{1D8BD707-D9CF-40AE-B4C6-C98DA3205C09}" type="datetimeFigureOut">
               <a:rPr lang="en-US" smtClean="0"/>
               <a:pPr/>
-              <a:t>4/1/2013</a:t>
+              <a:t>12/10/2014</a:t>
             </a:fld>
             <a:endParaRPr lang="en-US"/>
           </a:p>
@@ -1012,7 +1012,7 @@
             <a:fld id="{1D8BD707-D9CF-40AE-B4C6-C98DA3205C09}" type="datetimeFigureOut">
               <a:rPr lang="en-US" smtClean="0"/>
               <a:pPr/>
-              <a:t>4/1/2013</a:t>
+              <a:t>12/10/2014</a:t>
             </a:fld>
             <a:endParaRPr lang="en-US"/>
           </a:p>
@@ -1255,7 +1255,7 @@
             <a:fld id="{1D8BD707-D9CF-40AE-B4C6-C98DA3205C09}" type="datetimeFigureOut">
               <a:rPr lang="en-US" smtClean="0"/>
               <a:pPr/>
-              <a:t>4/1/2013</a:t>
+              <a:t>12/10/2014</a:t>
             </a:fld>
             <a:endParaRPr lang="en-US"/>
           </a:p>
@@ -1540,7 +1540,7 @@
             <a:fld id="{1D8BD707-D9CF-40AE-B4C6-C98DA3205C09}" type="datetimeFigureOut">
               <a:rPr lang="en-US" smtClean="0"/>
               <a:pPr/>
-              <a:t>4/1/2013</a:t>
+              <a:t>12/10/2014</a:t>
             </a:fld>
             <a:endParaRPr lang="en-US"/>
           </a:p>
@@ -1959,7 +1959,7 @@
             <a:fld id="{1D8BD707-D9CF-40AE-B4C6-C98DA3205C09}" type="datetimeFigureOut">
               <a:rPr lang="en-US" smtClean="0"/>
               <a:pPr/>
-              <a:t>4/1/2013</a:t>
+              <a:t>12/10/2014</a:t>
             </a:fld>
             <a:endParaRPr lang="en-US"/>
           </a:p>
@@ -2074,7 +2074,7 @@
             <a:fld id="{1D8BD707-D9CF-40AE-B4C6-C98DA3205C09}" type="datetimeFigureOut">
               <a:rPr lang="en-US" smtClean="0"/>
               <a:pPr/>
-              <a:t>4/1/2013</a:t>
+              <a:t>12/10/2014</a:t>
             </a:fld>
             <a:endParaRPr lang="en-US"/>
           </a:p>
@@ -2166,7 +2166,7 @@
             <a:fld id="{1D8BD707-D9CF-40AE-B4C6-C98DA3205C09}" type="datetimeFigureOut">
               <a:rPr lang="en-US" smtClean="0"/>
               <a:pPr/>
-              <a:t>4/1/2013</a:t>
+              <a:t>12/10/2014</a:t>
             </a:fld>
             <a:endParaRPr lang="en-US"/>
           </a:p>
@@ -2440,7 +2440,7 @@
             <a:fld id="{1D8BD707-D9CF-40AE-B4C6-C98DA3205C09}" type="datetimeFigureOut">
               <a:rPr lang="en-US" smtClean="0"/>
               <a:pPr/>
-              <a:t>4/1/2013</a:t>
+              <a:t>12/10/2014</a:t>
             </a:fld>
             <a:endParaRPr lang="en-US"/>
           </a:p>
@@ -2690,7 +2690,7 @@
             <a:fld id="{1D8BD707-D9CF-40AE-B4C6-C98DA3205C09}" type="datetimeFigureOut">
               <a:rPr lang="en-US" smtClean="0"/>
               <a:pPr/>
-              <a:t>4/1/2013</a:t>
+              <a:t>12/10/2014</a:t>
             </a:fld>
             <a:endParaRPr lang="en-US"/>
           </a:p>
@@ -2909,7 +2909,7 @@
             <a:fld id="{1D8BD707-D9CF-40AE-B4C6-C98DA3205C09}" type="datetimeFigureOut">
               <a:rPr lang="en-US" smtClean="0"/>
               <a:pPr/>
-              <a:t>4/1/2013</a:t>
+              <a:t>12/10/2014</a:t>
             </a:fld>
             <a:endParaRPr lang="en-US"/>
           </a:p>
@@ -15943,13 +15943,13 @@
         </p:nvSpPr>
         <p:spPr>
           <a:xfrm>
-            <a:off x="228600" y="1295400"/>
+            <a:off x="228600" y="1219200"/>
             <a:ext cx="8305800" cy="4800600"/>
           </a:xfrm>
         </p:spPr>
         <p:txBody>
           <a:bodyPr>
-            <a:normAutofit lnSpcReduction="10000"/>
+            <a:normAutofit/>
           </a:bodyPr>
           <a:lstStyle/>
           <a:p>
@@ -16082,12 +16082,12 @@
               <a:t>Возможность организовывать и </a:t>
             </a:r>
             <a:r>
-              <a:rPr lang="en-US" sz="1600" dirty="0" smtClean="0"/>
-              <a:t>Ability to organize and </a:t>
+              <a:rPr lang="ru-RU" sz="1600" dirty="0" smtClean="0"/>
+              <a:t>распределять </a:t>
             </a:r>
             <a:r>
               <a:rPr lang="ru-RU" sz="1600" dirty="0"/>
-              <a:t>распределять по категориям </a:t>
+              <a:t>по категориям </a:t>
             </a:r>
             <a:r>
               <a:rPr lang="en-US" sz="1600" dirty="0" smtClean="0"/>
@@ -16298,48 +16298,6 @@
             <a:r>
               <a:rPr lang="en-US" sz="1600" dirty="0" smtClean="0"/>
               <a:t>:</a:t>
-            </a:r>
-          </a:p>
-          <a:p>
-            <a:pPr marL="457200" lvl="1" indent="0" algn="just">
-              <a:spcAft>
-                <a:spcPts val="600"/>
-              </a:spcAft>
-              <a:buClr>
-                <a:schemeClr val="accent4">
-                  <a:lumMod val="75000"/>
-                </a:schemeClr>
-              </a:buClr>
-              <a:buSzPct val="150000"/>
-              <a:buNone/>
-            </a:pPr>
-            <a:r>
-              <a:rPr lang="en-US" sz="1600" b="1" dirty="0" smtClean="0"/>
-              <a:t>Testing </a:t>
-            </a:r>
-            <a:r>
-              <a:rPr lang="en-US" sz="1600" b="1" dirty="0"/>
-              <a:t>Summary </a:t>
-            </a:r>
-            <a:r>
-              <a:rPr lang="en-US" sz="1600" b="1" dirty="0" smtClean="0"/>
-              <a:t>report</a:t>
-            </a:r>
-            <a:r>
-              <a:rPr lang="ru-RU" sz="1600" b="1" dirty="0" smtClean="0"/>
-              <a:t>, </a:t>
-            </a:r>
-            <a:r>
-              <a:rPr lang="en-US" sz="1600" b="1" dirty="0"/>
-              <a:t>Change </a:t>
-            </a:r>
-            <a:r>
-              <a:rPr lang="en-US" sz="1600" b="1" dirty="0" smtClean="0"/>
-              <a:t>List</a:t>
-            </a:r>
-            <a:r>
-              <a:rPr lang="en-US" sz="1600" b="1" dirty="0"/>
-              <a:t>, Defect Report</a:t>
             </a:r>
             <a:endParaRPr lang="en-US" sz="1600" dirty="0" smtClean="0"/>
           </a:p>
@@ -18994,7 +18952,7 @@
         <p:spPr>
           <a:xfrm>
             <a:off x="762000" y="4572000"/>
-            <a:ext cx="7162800" cy="1015663"/>
+            <a:ext cx="7162800" cy="1323439"/>
           </a:xfrm>
           <a:prstGeom prst="rect">
             <a:avLst/>
@@ -19036,19 +18994,35 @@
             </a:r>
             <a:r>
               <a:rPr lang="ru-RU" sz="2000" dirty="0" smtClean="0"/>
-              <a:t>Видам тестирования</a:t>
+              <a:t>Видам </a:t>
+            </a:r>
+            <a:r>
+              <a:rPr lang="ru-RU" sz="2000" dirty="0" smtClean="0"/>
+              <a:t>тестирования</a:t>
             </a:r>
             <a:endParaRPr lang="en-US" sz="2000" dirty="0" smtClean="0"/>
           </a:p>
           <a:p>
             <a:pPr lvl="0"/>
             <a:r>
-              <a:rPr lang="en-US" sz="2000" dirty="0" smtClean="0"/>
-              <a:t>- </a:t>
-            </a:r>
-            <a:r>
               <a:rPr lang="ru-RU" sz="2000" dirty="0" smtClean="0"/>
-              <a:t>Версиям тестируемого приложения</a:t>
+              <a:t>- Версиям </a:t>
+            </a:r>
+            <a:r>
+              <a:rPr lang="ru-RU" sz="2000" dirty="0" smtClean="0"/>
+              <a:t>тестируемого </a:t>
+            </a:r>
+            <a:r>
+              <a:rPr lang="ru-RU" sz="2000" dirty="0" smtClean="0"/>
+              <a:t>приложения</a:t>
+            </a:r>
+            <a:endParaRPr lang="en-US" sz="2000" dirty="0" smtClean="0"/>
+          </a:p>
+          <a:p>
+            <a:pPr lvl="0"/>
+            <a:r>
+              <a:rPr lang="ru-RU" sz="2000" dirty="0" smtClean="0"/>
+              <a:t>- Функциональности</a:t>
             </a:r>
             <a:endParaRPr lang="en-US" sz="2000" dirty="0"/>
           </a:p>
@@ -26567,7 +26541,7 @@
   <a:extraClrSchemeLst/>
   <a:extLst>
     <a:ext uri="{05A4C25C-085E-4340-85A3-A5531E510DB2}">
-      <thm15:themeFamily xmlns:thm15="http://schemas.microsoft.com/office/thememl/2012/main" name="Office Theme" id="{62F939B6-93AF-4DB8-9C6B-D6C7DFDC589F}" vid="{4A3C46E8-61CC-4603-A589-7422A47A8E4A}"/>
+      <thm15:themeFamily xmlns:thm15="http://schemas.microsoft.com/office/thememl/2012/main" xmlns="" name="Office Theme" id="{62F939B6-93AF-4DB8-9C6B-D6C7DFDC589F}" vid="{4A3C46E8-61CC-4603-A589-7422A47A8E4A}"/>
     </a:ext>
   </a:extLst>
 </a:theme>
